--- a/JavaLecture/LectureFile/java 8강.pptx
+++ b/JavaLecture/LectureFile/java 8강.pptx
@@ -3698,7 +3698,7 @@
           <p:cNvPr id="2" name="TextBox 1">
             <a:extLst>
               <a:ext uri="{FF2B5EF4-FFF2-40B4-BE49-F238E27FC236}">
-                <a16:creationId xmlns:a16="http://schemas.microsoft.com/office/drawing/2014/main" xmlns="" id="{E9A453A8-9968-67AB-7B4A-83EEB4662AA6}"/>
+                <a16:creationId xmlns="" xmlns:a16="http://schemas.microsoft.com/office/drawing/2014/main" id="{E9A453A8-9968-67AB-7B4A-83EEB4662AA6}"/>
               </a:ext>
             </a:extLst>
           </p:cNvPr>
@@ -3746,7 +3746,7 @@
           <p:cNvPr id="4" name="TextBox 3">
             <a:extLst>
               <a:ext uri="{FF2B5EF4-FFF2-40B4-BE49-F238E27FC236}">
-                <a16:creationId xmlns:a16="http://schemas.microsoft.com/office/drawing/2014/main" xmlns="" id="{F4B7A35A-8AAC-4622-64BC-CAD1472D4115}"/>
+                <a16:creationId xmlns="" xmlns:a16="http://schemas.microsoft.com/office/drawing/2014/main" id="{F4B7A35A-8AAC-4622-64BC-CAD1472D4115}"/>
               </a:ext>
             </a:extLst>
           </p:cNvPr>
@@ -3818,7 +3818,7 @@
           <p:cNvPr id="7" name="TextBox 6">
             <a:extLst>
               <a:ext uri="{FF2B5EF4-FFF2-40B4-BE49-F238E27FC236}">
-                <a16:creationId xmlns:a16="http://schemas.microsoft.com/office/drawing/2014/main" xmlns="" id="{3ACE900A-D779-4343-6623-8588B376F0A1}"/>
+                <a16:creationId xmlns="" xmlns:a16="http://schemas.microsoft.com/office/drawing/2014/main" id="{3ACE900A-D779-4343-6623-8588B376F0A1}"/>
               </a:ext>
             </a:extLst>
           </p:cNvPr>
@@ -3961,7 +3961,7 @@
           <p:cNvPr id="14" name="직선 화살표 연결선 13">
             <a:extLst>
               <a:ext uri="{FF2B5EF4-FFF2-40B4-BE49-F238E27FC236}">
-                <a16:creationId xmlns:a16="http://schemas.microsoft.com/office/drawing/2014/main" xmlns="" id="{299DF5EC-9DF4-5255-06AC-0A7CE4FF58C3}"/>
+                <a16:creationId xmlns="" xmlns:a16="http://schemas.microsoft.com/office/drawing/2014/main" id="{299DF5EC-9DF4-5255-06AC-0A7CE4FF58C3}"/>
               </a:ext>
             </a:extLst>
           </p:cNvPr>
@@ -4002,7 +4002,7 @@
           <p:cNvPr id="15" name="TextBox 14">
             <a:extLst>
               <a:ext uri="{FF2B5EF4-FFF2-40B4-BE49-F238E27FC236}">
-                <a16:creationId xmlns:a16="http://schemas.microsoft.com/office/drawing/2014/main" xmlns="" id="{C6D113C6-EA5C-788F-0C77-E7CE6EBB865F}"/>
+                <a16:creationId xmlns="" xmlns:a16="http://schemas.microsoft.com/office/drawing/2014/main" id="{C6D113C6-EA5C-788F-0C77-E7CE6EBB865F}"/>
               </a:ext>
             </a:extLst>
           </p:cNvPr>
@@ -4222,7 +4222,7 @@
           <p:cNvPr id="4" name="TextBox 3">
             <a:extLst>
               <a:ext uri="{FF2B5EF4-FFF2-40B4-BE49-F238E27FC236}">
-                <a16:creationId xmlns:a16="http://schemas.microsoft.com/office/drawing/2014/main" xmlns="" id="{DF7DDD33-9412-2802-339A-E55446AC2DA7}"/>
+                <a16:creationId xmlns="" xmlns:a16="http://schemas.microsoft.com/office/drawing/2014/main" id="{DF7DDD33-9412-2802-339A-E55446AC2DA7}"/>
               </a:ext>
             </a:extLst>
           </p:cNvPr>
@@ -4294,7 +4294,7 @@
           <p:cNvPr id="8" name="TextBox 7">
             <a:extLst>
               <a:ext uri="{FF2B5EF4-FFF2-40B4-BE49-F238E27FC236}">
-                <a16:creationId xmlns:a16="http://schemas.microsoft.com/office/drawing/2014/main" xmlns="" id="{A2AD056B-97A4-5BCC-4460-250160F3E171}"/>
+                <a16:creationId xmlns="" xmlns:a16="http://schemas.microsoft.com/office/drawing/2014/main" id="{A2AD056B-97A4-5BCC-4460-250160F3E171}"/>
               </a:ext>
             </a:extLst>
           </p:cNvPr>
@@ -4570,7 +4570,7 @@
           <p:cNvPr id="4" name="TextBox 3">
             <a:extLst>
               <a:ext uri="{FF2B5EF4-FFF2-40B4-BE49-F238E27FC236}">
-                <a16:creationId xmlns:a16="http://schemas.microsoft.com/office/drawing/2014/main" xmlns="" id="{DF7DDD33-9412-2802-339A-E55446AC2DA7}"/>
+                <a16:creationId xmlns="" xmlns:a16="http://schemas.microsoft.com/office/drawing/2014/main" id="{DF7DDD33-9412-2802-339A-E55446AC2DA7}"/>
               </a:ext>
             </a:extLst>
           </p:cNvPr>
@@ -4652,7 +4652,7 @@
           <p:cNvPr id="6" name="직선 화살표 연결선 5">
             <a:extLst>
               <a:ext uri="{FF2B5EF4-FFF2-40B4-BE49-F238E27FC236}">
-                <a16:creationId xmlns:a16="http://schemas.microsoft.com/office/drawing/2014/main" xmlns="" id="{299DF5EC-9DF4-5255-06AC-0A7CE4FF58C3}"/>
+                <a16:creationId xmlns="" xmlns:a16="http://schemas.microsoft.com/office/drawing/2014/main" id="{299DF5EC-9DF4-5255-06AC-0A7CE4FF58C3}"/>
               </a:ext>
             </a:extLst>
           </p:cNvPr>
@@ -4693,7 +4693,7 @@
           <p:cNvPr id="7" name="직사각형 6">
             <a:extLst>
               <a:ext uri="{FF2B5EF4-FFF2-40B4-BE49-F238E27FC236}">
-                <a16:creationId xmlns:a16="http://schemas.microsoft.com/office/drawing/2014/main" xmlns="" id="{FFF506F9-840A-0508-4CAF-3AC711D8D5CE}"/>
+                <a16:creationId xmlns="" xmlns:a16="http://schemas.microsoft.com/office/drawing/2014/main" id="{FFF506F9-840A-0508-4CAF-3AC711D8D5CE}"/>
               </a:ext>
             </a:extLst>
           </p:cNvPr>
@@ -4745,7 +4745,7 @@
           <p:cNvPr id="8" name="TextBox 7">
             <a:extLst>
               <a:ext uri="{FF2B5EF4-FFF2-40B4-BE49-F238E27FC236}">
-                <a16:creationId xmlns:a16="http://schemas.microsoft.com/office/drawing/2014/main" xmlns="" id="{C6D113C6-EA5C-788F-0C77-E7CE6EBB865F}"/>
+                <a16:creationId xmlns="" xmlns:a16="http://schemas.microsoft.com/office/drawing/2014/main" id="{C6D113C6-EA5C-788F-0C77-E7CE6EBB865F}"/>
               </a:ext>
             </a:extLst>
           </p:cNvPr>
@@ -4827,7 +4827,7 @@
           <p:cNvPr id="10" name="직선 화살표 연결선 9">
             <a:extLst>
               <a:ext uri="{FF2B5EF4-FFF2-40B4-BE49-F238E27FC236}">
-                <a16:creationId xmlns:a16="http://schemas.microsoft.com/office/drawing/2014/main" xmlns="" id="{299DF5EC-9DF4-5255-06AC-0A7CE4FF58C3}"/>
+                <a16:creationId xmlns="" xmlns:a16="http://schemas.microsoft.com/office/drawing/2014/main" id="{299DF5EC-9DF4-5255-06AC-0A7CE4FF58C3}"/>
               </a:ext>
             </a:extLst>
           </p:cNvPr>
@@ -4868,7 +4868,7 @@
           <p:cNvPr id="11" name="TextBox 10">
             <a:extLst>
               <a:ext uri="{FF2B5EF4-FFF2-40B4-BE49-F238E27FC236}">
-                <a16:creationId xmlns:a16="http://schemas.microsoft.com/office/drawing/2014/main" xmlns="" id="{C6D113C6-EA5C-788F-0C77-E7CE6EBB865F}"/>
+                <a16:creationId xmlns="" xmlns:a16="http://schemas.microsoft.com/office/drawing/2014/main" id="{C6D113C6-EA5C-788F-0C77-E7CE6EBB865F}"/>
               </a:ext>
             </a:extLst>
           </p:cNvPr>
@@ -5463,7 +5463,7 @@
           <p:cNvPr id="2" name="TextBox 1">
             <a:extLst>
               <a:ext uri="{FF2B5EF4-FFF2-40B4-BE49-F238E27FC236}">
-                <a16:creationId xmlns:a16="http://schemas.microsoft.com/office/drawing/2014/main" xmlns="" id="{76F36AE5-79B5-0B9F-E510-1C27AAC4B649}"/>
+                <a16:creationId xmlns="" xmlns:a16="http://schemas.microsoft.com/office/drawing/2014/main" id="{76F36AE5-79B5-0B9F-E510-1C27AAC4B649}"/>
               </a:ext>
             </a:extLst>
           </p:cNvPr>
@@ -5548,7 +5548,7 @@
           <p:cNvPr id="4" name="TextBox 3">
             <a:extLst>
               <a:ext uri="{FF2B5EF4-FFF2-40B4-BE49-F238E27FC236}">
-                <a16:creationId xmlns:a16="http://schemas.microsoft.com/office/drawing/2014/main" xmlns="" id="{DF7DDD33-9412-2802-339A-E55446AC2DA7}"/>
+                <a16:creationId xmlns="" xmlns:a16="http://schemas.microsoft.com/office/drawing/2014/main" id="{DF7DDD33-9412-2802-339A-E55446AC2DA7}"/>
               </a:ext>
             </a:extLst>
           </p:cNvPr>
@@ -5626,7 +5626,7 @@
           <p:cNvPr id="6" name="그룹 1008">
             <a:extLst>
               <a:ext uri="{FF2B5EF4-FFF2-40B4-BE49-F238E27FC236}">
-                <a16:creationId xmlns:a16="http://schemas.microsoft.com/office/drawing/2014/main" xmlns="" id="{678F6342-C505-E8AD-ADA4-022CB2C2088E}"/>
+                <a16:creationId xmlns="" xmlns:a16="http://schemas.microsoft.com/office/drawing/2014/main" id="{678F6342-C505-E8AD-ADA4-022CB2C2088E}"/>
               </a:ext>
             </a:extLst>
           </p:cNvPr>
@@ -5646,7 +5646,7 @@
             <p:cNvPr id="7" name="그룹 1009">
               <a:extLst>
                 <a:ext uri="{FF2B5EF4-FFF2-40B4-BE49-F238E27FC236}">
-                  <a16:creationId xmlns:a16="http://schemas.microsoft.com/office/drawing/2014/main" xmlns="" id="{4E1F1FED-812B-9BBB-925A-84B54A077414}"/>
+                  <a16:creationId xmlns="" xmlns:a16="http://schemas.microsoft.com/office/drawing/2014/main" id="{4E1F1FED-812B-9BBB-925A-84B54A077414}"/>
                 </a:ext>
               </a:extLst>
             </p:cNvPr>
@@ -5666,7 +5666,7 @@
               <p:cNvPr id="12" name="Object 29">
                 <a:extLst>
                   <a:ext uri="{FF2B5EF4-FFF2-40B4-BE49-F238E27FC236}">
-                    <a16:creationId xmlns:a16="http://schemas.microsoft.com/office/drawing/2014/main" xmlns="" id="{7B078609-4286-7B00-51EB-809C8E2DE289}"/>
+                    <a16:creationId xmlns="" xmlns:a16="http://schemas.microsoft.com/office/drawing/2014/main" id="{7B078609-4286-7B00-51EB-809C8E2DE289}"/>
                   </a:ext>
                 </a:extLst>
               </p:cNvPr>
@@ -5697,7 +5697,7 @@
             <p:cNvPr id="8" name="그룹 1010">
               <a:extLst>
                 <a:ext uri="{FF2B5EF4-FFF2-40B4-BE49-F238E27FC236}">
-                  <a16:creationId xmlns:a16="http://schemas.microsoft.com/office/drawing/2014/main" xmlns="" id="{02A649BF-B5B5-FBAF-7DFD-E118A4DF8907}"/>
+                  <a16:creationId xmlns="" xmlns:a16="http://schemas.microsoft.com/office/drawing/2014/main" id="{02A649BF-B5B5-FBAF-7DFD-E118A4DF8907}"/>
                 </a:ext>
               </a:extLst>
             </p:cNvPr>
@@ -5717,7 +5717,7 @@
               <p:cNvPr id="11" name="Object 32">
                 <a:extLst>
                   <a:ext uri="{FF2B5EF4-FFF2-40B4-BE49-F238E27FC236}">
-                    <a16:creationId xmlns:a16="http://schemas.microsoft.com/office/drawing/2014/main" xmlns="" id="{2A0FFF23-B3C9-3EA0-1C1B-A87D4FF098AE}"/>
+                    <a16:creationId xmlns="" xmlns:a16="http://schemas.microsoft.com/office/drawing/2014/main" id="{2A0FFF23-B3C9-3EA0-1C1B-A87D4FF098AE}"/>
                   </a:ext>
                 </a:extLst>
               </p:cNvPr>
@@ -5748,7 +5748,7 @@
             <p:cNvPr id="9" name="그룹 1011">
               <a:extLst>
                 <a:ext uri="{FF2B5EF4-FFF2-40B4-BE49-F238E27FC236}">
-                  <a16:creationId xmlns:a16="http://schemas.microsoft.com/office/drawing/2014/main" xmlns="" id="{881F5410-F7FB-F261-A584-707359BAC593}"/>
+                  <a16:creationId xmlns="" xmlns:a16="http://schemas.microsoft.com/office/drawing/2014/main" id="{881F5410-F7FB-F261-A584-707359BAC593}"/>
                 </a:ext>
               </a:extLst>
             </p:cNvPr>
@@ -5768,7 +5768,7 @@
               <p:cNvPr id="10" name="Object 35">
                 <a:extLst>
                   <a:ext uri="{FF2B5EF4-FFF2-40B4-BE49-F238E27FC236}">
-                    <a16:creationId xmlns:a16="http://schemas.microsoft.com/office/drawing/2014/main" xmlns="" id="{4E99E669-73EB-F9F4-EFE8-DC107035C265}"/>
+                    <a16:creationId xmlns="" xmlns:a16="http://schemas.microsoft.com/office/drawing/2014/main" id="{4E99E669-73EB-F9F4-EFE8-DC107035C265}"/>
                   </a:ext>
                 </a:extLst>
               </p:cNvPr>
@@ -6145,7 +6145,7 @@
           <p:cNvPr id="4" name="TextBox 3">
             <a:extLst>
               <a:ext uri="{FF2B5EF4-FFF2-40B4-BE49-F238E27FC236}">
-                <a16:creationId xmlns:a16="http://schemas.microsoft.com/office/drawing/2014/main" xmlns="" id="{DF7DDD33-9412-2802-339A-E55446AC2DA7}"/>
+                <a16:creationId xmlns="" xmlns:a16="http://schemas.microsoft.com/office/drawing/2014/main" id="{DF7DDD33-9412-2802-339A-E55446AC2DA7}"/>
               </a:ext>
             </a:extLst>
           </p:cNvPr>
@@ -6284,7 +6284,7 @@
           <p:cNvPr id="8" name="직선 화살표 연결선 7">
             <a:extLst>
               <a:ext uri="{FF2B5EF4-FFF2-40B4-BE49-F238E27FC236}">
-                <a16:creationId xmlns:a16="http://schemas.microsoft.com/office/drawing/2014/main" xmlns="" id="{299DF5EC-9DF4-5255-06AC-0A7CE4FF58C3}"/>
+                <a16:creationId xmlns="" xmlns:a16="http://schemas.microsoft.com/office/drawing/2014/main" id="{299DF5EC-9DF4-5255-06AC-0A7CE4FF58C3}"/>
               </a:ext>
             </a:extLst>
           </p:cNvPr>
@@ -6325,7 +6325,7 @@
           <p:cNvPr id="10" name="직선 화살표 연결선 9">
             <a:extLst>
               <a:ext uri="{FF2B5EF4-FFF2-40B4-BE49-F238E27FC236}">
-                <a16:creationId xmlns:a16="http://schemas.microsoft.com/office/drawing/2014/main" xmlns="" id="{299DF5EC-9DF4-5255-06AC-0A7CE4FF58C3}"/>
+                <a16:creationId xmlns="" xmlns:a16="http://schemas.microsoft.com/office/drawing/2014/main" id="{299DF5EC-9DF4-5255-06AC-0A7CE4FF58C3}"/>
               </a:ext>
             </a:extLst>
           </p:cNvPr>
@@ -6690,7 +6690,7 @@
           <p:cNvPr id="10" name="TextBox 9">
             <a:extLst>
               <a:ext uri="{FF2B5EF4-FFF2-40B4-BE49-F238E27FC236}">
-                <a16:creationId xmlns:a16="http://schemas.microsoft.com/office/drawing/2014/main" xmlns="" id="{DF7DDD33-9412-2802-339A-E55446AC2DA7}"/>
+                <a16:creationId xmlns="" xmlns:a16="http://schemas.microsoft.com/office/drawing/2014/main" id="{DF7DDD33-9412-2802-339A-E55446AC2DA7}"/>
               </a:ext>
             </a:extLst>
           </p:cNvPr>
@@ -6980,7 +6980,7 @@
           <p:cNvPr id="5" name="그룹 1008">
             <a:extLst>
               <a:ext uri="{FF2B5EF4-FFF2-40B4-BE49-F238E27FC236}">
-                <a16:creationId xmlns:a16="http://schemas.microsoft.com/office/drawing/2014/main" xmlns="" id="{678F6342-C505-E8AD-ADA4-022CB2C2088E}"/>
+                <a16:creationId xmlns="" xmlns:a16="http://schemas.microsoft.com/office/drawing/2014/main" id="{678F6342-C505-E8AD-ADA4-022CB2C2088E}"/>
               </a:ext>
             </a:extLst>
           </p:cNvPr>
@@ -7000,7 +7000,7 @@
             <p:cNvPr id="6" name="그룹 1009">
               <a:extLst>
                 <a:ext uri="{FF2B5EF4-FFF2-40B4-BE49-F238E27FC236}">
-                  <a16:creationId xmlns:a16="http://schemas.microsoft.com/office/drawing/2014/main" xmlns="" id="{4E1F1FED-812B-9BBB-925A-84B54A077414}"/>
+                  <a16:creationId xmlns="" xmlns:a16="http://schemas.microsoft.com/office/drawing/2014/main" id="{4E1F1FED-812B-9BBB-925A-84B54A077414}"/>
                 </a:ext>
               </a:extLst>
             </p:cNvPr>
@@ -7020,7 +7020,7 @@
               <p:cNvPr id="11" name="Object 29">
                 <a:extLst>
                   <a:ext uri="{FF2B5EF4-FFF2-40B4-BE49-F238E27FC236}">
-                    <a16:creationId xmlns:a16="http://schemas.microsoft.com/office/drawing/2014/main" xmlns="" id="{7B078609-4286-7B00-51EB-809C8E2DE289}"/>
+                    <a16:creationId xmlns="" xmlns:a16="http://schemas.microsoft.com/office/drawing/2014/main" id="{7B078609-4286-7B00-51EB-809C8E2DE289}"/>
                   </a:ext>
                 </a:extLst>
               </p:cNvPr>
@@ -7051,7 +7051,7 @@
             <p:cNvPr id="7" name="그룹 1010">
               <a:extLst>
                 <a:ext uri="{FF2B5EF4-FFF2-40B4-BE49-F238E27FC236}">
-                  <a16:creationId xmlns:a16="http://schemas.microsoft.com/office/drawing/2014/main" xmlns="" id="{02A649BF-B5B5-FBAF-7DFD-E118A4DF8907}"/>
+                  <a16:creationId xmlns="" xmlns:a16="http://schemas.microsoft.com/office/drawing/2014/main" id="{02A649BF-B5B5-FBAF-7DFD-E118A4DF8907}"/>
                 </a:ext>
               </a:extLst>
             </p:cNvPr>
@@ -7071,7 +7071,7 @@
               <p:cNvPr id="10" name="Object 32">
                 <a:extLst>
                   <a:ext uri="{FF2B5EF4-FFF2-40B4-BE49-F238E27FC236}">
-                    <a16:creationId xmlns:a16="http://schemas.microsoft.com/office/drawing/2014/main" xmlns="" id="{2A0FFF23-B3C9-3EA0-1C1B-A87D4FF098AE}"/>
+                    <a16:creationId xmlns="" xmlns:a16="http://schemas.microsoft.com/office/drawing/2014/main" id="{2A0FFF23-B3C9-3EA0-1C1B-A87D4FF098AE}"/>
                   </a:ext>
                 </a:extLst>
               </p:cNvPr>
@@ -7102,7 +7102,7 @@
             <p:cNvPr id="8" name="그룹 1011">
               <a:extLst>
                 <a:ext uri="{FF2B5EF4-FFF2-40B4-BE49-F238E27FC236}">
-                  <a16:creationId xmlns:a16="http://schemas.microsoft.com/office/drawing/2014/main" xmlns="" id="{881F5410-F7FB-F261-A584-707359BAC593}"/>
+                  <a16:creationId xmlns="" xmlns:a16="http://schemas.microsoft.com/office/drawing/2014/main" id="{881F5410-F7FB-F261-A584-707359BAC593}"/>
                 </a:ext>
               </a:extLst>
             </p:cNvPr>
@@ -7122,7 +7122,7 @@
               <p:cNvPr id="9" name="Object 35">
                 <a:extLst>
                   <a:ext uri="{FF2B5EF4-FFF2-40B4-BE49-F238E27FC236}">
-                    <a16:creationId xmlns:a16="http://schemas.microsoft.com/office/drawing/2014/main" xmlns="" id="{4E99E669-73EB-F9F4-EFE8-DC107035C265}"/>
+                    <a16:creationId xmlns="" xmlns:a16="http://schemas.microsoft.com/office/drawing/2014/main" id="{4E99E669-73EB-F9F4-EFE8-DC107035C265}"/>
                   </a:ext>
                 </a:extLst>
               </p:cNvPr>
@@ -7178,7 +7178,7 @@
           <p:cNvPr id="14" name="직사각형 13">
             <a:extLst>
               <a:ext uri="{FF2B5EF4-FFF2-40B4-BE49-F238E27FC236}">
-                <a16:creationId xmlns:a16="http://schemas.microsoft.com/office/drawing/2014/main" xmlns="" id="{FFF506F9-840A-0508-4CAF-3AC711D8D5CE}"/>
+                <a16:creationId xmlns="" xmlns:a16="http://schemas.microsoft.com/office/drawing/2014/main" id="{FFF506F9-840A-0508-4CAF-3AC711D8D5CE}"/>
               </a:ext>
             </a:extLst>
           </p:cNvPr>
@@ -7230,7 +7230,7 @@
           <p:cNvPr id="15" name="직사각형 14">
             <a:extLst>
               <a:ext uri="{FF2B5EF4-FFF2-40B4-BE49-F238E27FC236}">
-                <a16:creationId xmlns:a16="http://schemas.microsoft.com/office/drawing/2014/main" xmlns="" id="{FFF506F9-840A-0508-4CAF-3AC711D8D5CE}"/>
+                <a16:creationId xmlns="" xmlns:a16="http://schemas.microsoft.com/office/drawing/2014/main" id="{FFF506F9-840A-0508-4CAF-3AC711D8D5CE}"/>
               </a:ext>
             </a:extLst>
           </p:cNvPr>
@@ -7552,7 +7552,7 @@
           <p:cNvPr id="4" name="TextBox 3">
             <a:extLst>
               <a:ext uri="{FF2B5EF4-FFF2-40B4-BE49-F238E27FC236}">
-                <a16:creationId xmlns:a16="http://schemas.microsoft.com/office/drawing/2014/main" xmlns="" id="{DF7DDD33-9412-2802-339A-E55446AC2DA7}"/>
+                <a16:creationId xmlns="" xmlns:a16="http://schemas.microsoft.com/office/drawing/2014/main" id="{DF7DDD33-9412-2802-339A-E55446AC2DA7}"/>
               </a:ext>
             </a:extLst>
           </p:cNvPr>
@@ -7624,7 +7624,7 @@
           <p:cNvPr id="6" name="직선 화살표 연결선 5">
             <a:extLst>
               <a:ext uri="{FF2B5EF4-FFF2-40B4-BE49-F238E27FC236}">
-                <a16:creationId xmlns:a16="http://schemas.microsoft.com/office/drawing/2014/main" xmlns="" id="{299DF5EC-9DF4-5255-06AC-0A7CE4FF58C3}"/>
+                <a16:creationId xmlns="" xmlns:a16="http://schemas.microsoft.com/office/drawing/2014/main" id="{299DF5EC-9DF4-5255-06AC-0A7CE4FF58C3}"/>
               </a:ext>
             </a:extLst>
           </p:cNvPr>
@@ -7665,7 +7665,7 @@
           <p:cNvPr id="7" name="TextBox 6">
             <a:extLst>
               <a:ext uri="{FF2B5EF4-FFF2-40B4-BE49-F238E27FC236}">
-                <a16:creationId xmlns:a16="http://schemas.microsoft.com/office/drawing/2014/main" xmlns="" id="{C6D113C6-EA5C-788F-0C77-E7CE6EBB865F}"/>
+                <a16:creationId xmlns="" xmlns:a16="http://schemas.microsoft.com/office/drawing/2014/main" id="{C6D113C6-EA5C-788F-0C77-E7CE6EBB865F}"/>
               </a:ext>
             </a:extLst>
           </p:cNvPr>
@@ -7982,7 +7982,7 @@
           <p:cNvPr id="7" name="TextBox 6">
             <a:extLst>
               <a:ext uri="{FF2B5EF4-FFF2-40B4-BE49-F238E27FC236}">
-                <a16:creationId xmlns:a16="http://schemas.microsoft.com/office/drawing/2014/main" xmlns="" id="{DF7DDD33-9412-2802-339A-E55446AC2DA7}"/>
+                <a16:creationId xmlns="" xmlns:a16="http://schemas.microsoft.com/office/drawing/2014/main" id="{DF7DDD33-9412-2802-339A-E55446AC2DA7}"/>
               </a:ext>
             </a:extLst>
           </p:cNvPr>
@@ -8338,7 +8338,7 @@
           <p:cNvPr id="11" name="TextBox 10">
             <a:extLst>
               <a:ext uri="{FF2B5EF4-FFF2-40B4-BE49-F238E27FC236}">
-                <a16:creationId xmlns:a16="http://schemas.microsoft.com/office/drawing/2014/main" xmlns="" id="{9F88F580-08BE-88C2-D640-13F0026591CB}"/>
+                <a16:creationId xmlns="" xmlns:a16="http://schemas.microsoft.com/office/drawing/2014/main" id="{9F88F580-08BE-88C2-D640-13F0026591CB}"/>
               </a:ext>
             </a:extLst>
           </p:cNvPr>
@@ -8389,7 +8389,7 @@
           <p:cNvPr id="13" name="TextBox 12">
             <a:extLst>
               <a:ext uri="{FF2B5EF4-FFF2-40B4-BE49-F238E27FC236}">
-                <a16:creationId xmlns:a16="http://schemas.microsoft.com/office/drawing/2014/main" xmlns="" id="{72769C28-9BB6-DE9C-7B6F-264B77B8DD0E}"/>
+                <a16:creationId xmlns="" xmlns:a16="http://schemas.microsoft.com/office/drawing/2014/main" id="{72769C28-9BB6-DE9C-7B6F-264B77B8DD0E}"/>
               </a:ext>
             </a:extLst>
           </p:cNvPr>
@@ -8430,7 +8430,7 @@
           <p:cNvPr id="14" name="TextBox 13">
             <a:extLst>
               <a:ext uri="{FF2B5EF4-FFF2-40B4-BE49-F238E27FC236}">
-                <a16:creationId xmlns:a16="http://schemas.microsoft.com/office/drawing/2014/main" xmlns="" id="{270FBB6A-01CE-5637-78DA-58F0C974145C}"/>
+                <a16:creationId xmlns="" xmlns:a16="http://schemas.microsoft.com/office/drawing/2014/main" id="{270FBB6A-01CE-5637-78DA-58F0C974145C}"/>
               </a:ext>
             </a:extLst>
           </p:cNvPr>
@@ -8478,7 +8478,7 @@
           <p:cNvPr id="2" name="Object 17">
             <a:extLst>
               <a:ext uri="{FF2B5EF4-FFF2-40B4-BE49-F238E27FC236}">
-                <a16:creationId xmlns:a16="http://schemas.microsoft.com/office/drawing/2014/main" xmlns="" id="{140B283D-FE58-FA6F-6F7C-E0F1DBB62A65}"/>
+                <a16:creationId xmlns="" xmlns:a16="http://schemas.microsoft.com/office/drawing/2014/main" id="{140B283D-FE58-FA6F-6F7C-E0F1DBB62A65}"/>
               </a:ext>
             </a:extLst>
           </p:cNvPr>
@@ -8508,7 +8508,7 @@
           <p:cNvPr id="4" name="TextBox 3">
             <a:extLst>
               <a:ext uri="{FF2B5EF4-FFF2-40B4-BE49-F238E27FC236}">
-                <a16:creationId xmlns:a16="http://schemas.microsoft.com/office/drawing/2014/main" xmlns="" id="{2C8D0998-79BC-6FD2-59D9-8052B4A25F65}"/>
+                <a16:creationId xmlns="" xmlns:a16="http://schemas.microsoft.com/office/drawing/2014/main" id="{2C8D0998-79BC-6FD2-59D9-8052B4A25F65}"/>
               </a:ext>
             </a:extLst>
           </p:cNvPr>
@@ -8556,7 +8556,7 @@
           <p:cNvPr id="5" name="Object 18">
             <a:extLst>
               <a:ext uri="{FF2B5EF4-FFF2-40B4-BE49-F238E27FC236}">
-                <a16:creationId xmlns:a16="http://schemas.microsoft.com/office/drawing/2014/main" xmlns="" id="{3F58EA3E-1018-64D3-FAB2-4F6B9618FA56}"/>
+                <a16:creationId xmlns="" xmlns:a16="http://schemas.microsoft.com/office/drawing/2014/main" id="{3F58EA3E-1018-64D3-FAB2-4F6B9618FA56}"/>
               </a:ext>
             </a:extLst>
           </p:cNvPr>
@@ -8586,7 +8586,7 @@
           <p:cNvPr id="8" name="TextBox 7">
             <a:extLst>
               <a:ext uri="{FF2B5EF4-FFF2-40B4-BE49-F238E27FC236}">
-                <a16:creationId xmlns:a16="http://schemas.microsoft.com/office/drawing/2014/main" xmlns="" id="{681D3F16-7DCF-41AD-F5F1-0558C78C0E4D}"/>
+                <a16:creationId xmlns="" xmlns:a16="http://schemas.microsoft.com/office/drawing/2014/main" id="{681D3F16-7DCF-41AD-F5F1-0558C78C0E4D}"/>
               </a:ext>
             </a:extLst>
           </p:cNvPr>
@@ -8674,7 +8674,7 @@
           <p:cNvPr id="4" name="Object 1">
             <a:extLst>
               <a:ext uri="{FF2B5EF4-FFF2-40B4-BE49-F238E27FC236}">
-                <a16:creationId xmlns:a16="http://schemas.microsoft.com/office/drawing/2014/main" xmlns="" id="{B0329035-BE76-33A8-0F2E-44624FCC1DED}"/>
+                <a16:creationId xmlns="" xmlns:a16="http://schemas.microsoft.com/office/drawing/2014/main" id="{B0329035-BE76-33A8-0F2E-44624FCC1DED}"/>
               </a:ext>
             </a:extLst>
           </p:cNvPr>
@@ -8704,7 +8704,7 @@
           <p:cNvPr id="7" name="그룹 1001">
             <a:extLst>
               <a:ext uri="{FF2B5EF4-FFF2-40B4-BE49-F238E27FC236}">
-                <a16:creationId xmlns:a16="http://schemas.microsoft.com/office/drawing/2014/main" xmlns="" id="{CD24CE9D-AC18-B6CD-F397-7E8E03D6FE26}"/>
+                <a16:creationId xmlns="" xmlns:a16="http://schemas.microsoft.com/office/drawing/2014/main" id="{CD24CE9D-AC18-B6CD-F397-7E8E03D6FE26}"/>
               </a:ext>
             </a:extLst>
           </p:cNvPr>
@@ -8724,7 +8724,7 @@
             <p:cNvPr id="8" name="Object 5">
               <a:extLst>
                 <a:ext uri="{FF2B5EF4-FFF2-40B4-BE49-F238E27FC236}">
-                  <a16:creationId xmlns:a16="http://schemas.microsoft.com/office/drawing/2014/main" xmlns="" id="{0EEF25E8-3BA8-EBAA-6DC2-66D70C3F9F4D}"/>
+                  <a16:creationId xmlns="" xmlns:a16="http://schemas.microsoft.com/office/drawing/2014/main" id="{0EEF25E8-3BA8-EBAA-6DC2-66D70C3F9F4D}"/>
                 </a:ext>
               </a:extLst>
             </p:cNvPr>
@@ -8755,7 +8755,7 @@
           <p:cNvPr id="9" name="그룹 1002">
             <a:extLst>
               <a:ext uri="{FF2B5EF4-FFF2-40B4-BE49-F238E27FC236}">
-                <a16:creationId xmlns:a16="http://schemas.microsoft.com/office/drawing/2014/main" xmlns="" id="{0F281BC9-DE1F-D1FE-E64C-C4640398F00C}"/>
+                <a16:creationId xmlns="" xmlns:a16="http://schemas.microsoft.com/office/drawing/2014/main" id="{0F281BC9-DE1F-D1FE-E64C-C4640398F00C}"/>
               </a:ext>
             </a:extLst>
           </p:cNvPr>
@@ -8775,7 +8775,7 @@
             <p:cNvPr id="10" name="Object 8">
               <a:extLst>
                 <a:ext uri="{FF2B5EF4-FFF2-40B4-BE49-F238E27FC236}">
-                  <a16:creationId xmlns:a16="http://schemas.microsoft.com/office/drawing/2014/main" xmlns="" id="{F669DCEF-04BB-7046-3F7F-5B513213556E}"/>
+                  <a16:creationId xmlns="" xmlns:a16="http://schemas.microsoft.com/office/drawing/2014/main" id="{F669DCEF-04BB-7046-3F7F-5B513213556E}"/>
                 </a:ext>
               </a:extLst>
             </p:cNvPr>
@@ -8806,7 +8806,7 @@
           <p:cNvPr id="11" name="그룹 1003">
             <a:extLst>
               <a:ext uri="{FF2B5EF4-FFF2-40B4-BE49-F238E27FC236}">
-                <a16:creationId xmlns:a16="http://schemas.microsoft.com/office/drawing/2014/main" xmlns="" id="{1F91EEF9-13EA-BB7F-B056-D35E7DB989AC}"/>
+                <a16:creationId xmlns="" xmlns:a16="http://schemas.microsoft.com/office/drawing/2014/main" id="{1F91EEF9-13EA-BB7F-B056-D35E7DB989AC}"/>
               </a:ext>
             </a:extLst>
           </p:cNvPr>
@@ -8826,7 +8826,7 @@
             <p:cNvPr id="12" name="Object 11">
               <a:extLst>
                 <a:ext uri="{FF2B5EF4-FFF2-40B4-BE49-F238E27FC236}">
-                  <a16:creationId xmlns:a16="http://schemas.microsoft.com/office/drawing/2014/main" xmlns="" id="{2CFFB217-AEFB-2C9E-5F86-6EE19510FFC6}"/>
+                  <a16:creationId xmlns="" xmlns:a16="http://schemas.microsoft.com/office/drawing/2014/main" id="{2CFFB217-AEFB-2C9E-5F86-6EE19510FFC6}"/>
                 </a:ext>
               </a:extLst>
             </p:cNvPr>
@@ -8857,7 +8857,7 @@
           <p:cNvPr id="13" name="그룹 1004">
             <a:extLst>
               <a:ext uri="{FF2B5EF4-FFF2-40B4-BE49-F238E27FC236}">
-                <a16:creationId xmlns:a16="http://schemas.microsoft.com/office/drawing/2014/main" xmlns="" id="{123B9C7E-94E8-E7E1-81BE-D59EA0299187}"/>
+                <a16:creationId xmlns="" xmlns:a16="http://schemas.microsoft.com/office/drawing/2014/main" id="{123B9C7E-94E8-E7E1-81BE-D59EA0299187}"/>
               </a:ext>
             </a:extLst>
           </p:cNvPr>
@@ -8877,7 +8877,7 @@
             <p:cNvPr id="14" name="Object 14">
               <a:extLst>
                 <a:ext uri="{FF2B5EF4-FFF2-40B4-BE49-F238E27FC236}">
-                  <a16:creationId xmlns:a16="http://schemas.microsoft.com/office/drawing/2014/main" xmlns="" id="{B6291552-2D89-A79F-7ACD-EA0EF9A4C389}"/>
+                  <a16:creationId xmlns="" xmlns:a16="http://schemas.microsoft.com/office/drawing/2014/main" id="{B6291552-2D89-A79F-7ACD-EA0EF9A4C389}"/>
                 </a:ext>
               </a:extLst>
             </p:cNvPr>
@@ -8908,7 +8908,7 @@
           <p:cNvPr id="15" name="TextBox 14">
             <a:extLst>
               <a:ext uri="{FF2B5EF4-FFF2-40B4-BE49-F238E27FC236}">
-                <a16:creationId xmlns:a16="http://schemas.microsoft.com/office/drawing/2014/main" xmlns="" id="{7D99763A-FC24-23F5-5BA9-D7B042E0F323}"/>
+                <a16:creationId xmlns="" xmlns:a16="http://schemas.microsoft.com/office/drawing/2014/main" id="{7D99763A-FC24-23F5-5BA9-D7B042E0F323}"/>
               </a:ext>
             </a:extLst>
           </p:cNvPr>
@@ -9017,7 +9017,7 @@
           <p:cNvPr id="5" name="직선 화살표 연결선 4">
             <a:extLst>
               <a:ext uri="{FF2B5EF4-FFF2-40B4-BE49-F238E27FC236}">
-                <a16:creationId xmlns:a16="http://schemas.microsoft.com/office/drawing/2014/main" xmlns="" id="{299DF5EC-9DF4-5255-06AC-0A7CE4FF58C3}"/>
+                <a16:creationId xmlns="" xmlns:a16="http://schemas.microsoft.com/office/drawing/2014/main" id="{299DF5EC-9DF4-5255-06AC-0A7CE4FF58C3}"/>
               </a:ext>
             </a:extLst>
           </p:cNvPr>
@@ -9058,7 +9058,7 @@
           <p:cNvPr id="6" name="직사각형 5">
             <a:extLst>
               <a:ext uri="{FF2B5EF4-FFF2-40B4-BE49-F238E27FC236}">
-                <a16:creationId xmlns:a16="http://schemas.microsoft.com/office/drawing/2014/main" xmlns="" id="{FFF506F9-840A-0508-4CAF-3AC711D8D5CE}"/>
+                <a16:creationId xmlns="" xmlns:a16="http://schemas.microsoft.com/office/drawing/2014/main" id="{FFF506F9-840A-0508-4CAF-3AC711D8D5CE}"/>
               </a:ext>
             </a:extLst>
           </p:cNvPr>
@@ -9110,7 +9110,7 @@
           <p:cNvPr id="7" name="TextBox 6">
             <a:extLst>
               <a:ext uri="{FF2B5EF4-FFF2-40B4-BE49-F238E27FC236}">
-                <a16:creationId xmlns:a16="http://schemas.microsoft.com/office/drawing/2014/main" xmlns="" id="{C6D113C6-EA5C-788F-0C77-E7CE6EBB865F}"/>
+                <a16:creationId xmlns="" xmlns:a16="http://schemas.microsoft.com/office/drawing/2014/main" id="{C6D113C6-EA5C-788F-0C77-E7CE6EBB865F}"/>
               </a:ext>
             </a:extLst>
           </p:cNvPr>
@@ -9158,7 +9158,7 @@
           <p:cNvPr id="8" name="직선 화살표 연결선 7">
             <a:extLst>
               <a:ext uri="{FF2B5EF4-FFF2-40B4-BE49-F238E27FC236}">
-                <a16:creationId xmlns:a16="http://schemas.microsoft.com/office/drawing/2014/main" xmlns="" id="{299DF5EC-9DF4-5255-06AC-0A7CE4FF58C3}"/>
+                <a16:creationId xmlns="" xmlns:a16="http://schemas.microsoft.com/office/drawing/2014/main" id="{299DF5EC-9DF4-5255-06AC-0A7CE4FF58C3}"/>
               </a:ext>
             </a:extLst>
           </p:cNvPr>
@@ -9199,7 +9199,7 @@
           <p:cNvPr id="9" name="직사각형 8">
             <a:extLst>
               <a:ext uri="{FF2B5EF4-FFF2-40B4-BE49-F238E27FC236}">
-                <a16:creationId xmlns:a16="http://schemas.microsoft.com/office/drawing/2014/main" xmlns="" id="{FFF506F9-840A-0508-4CAF-3AC711D8D5CE}"/>
+                <a16:creationId xmlns="" xmlns:a16="http://schemas.microsoft.com/office/drawing/2014/main" id="{FFF506F9-840A-0508-4CAF-3AC711D8D5CE}"/>
               </a:ext>
             </a:extLst>
           </p:cNvPr>
@@ -9251,7 +9251,7 @@
           <p:cNvPr id="10" name="TextBox 9">
             <a:extLst>
               <a:ext uri="{FF2B5EF4-FFF2-40B4-BE49-F238E27FC236}">
-                <a16:creationId xmlns:a16="http://schemas.microsoft.com/office/drawing/2014/main" xmlns="" id="{C6D113C6-EA5C-788F-0C77-E7CE6EBB865F}"/>
+                <a16:creationId xmlns="" xmlns:a16="http://schemas.microsoft.com/office/drawing/2014/main" id="{C6D113C6-EA5C-788F-0C77-E7CE6EBB865F}"/>
               </a:ext>
             </a:extLst>
           </p:cNvPr>
@@ -9299,7 +9299,7 @@
           <p:cNvPr id="11" name="TextBox 10">
             <a:extLst>
               <a:ext uri="{FF2B5EF4-FFF2-40B4-BE49-F238E27FC236}">
-                <a16:creationId xmlns:a16="http://schemas.microsoft.com/office/drawing/2014/main" xmlns="" id="{C6D113C6-EA5C-788F-0C77-E7CE6EBB865F}"/>
+                <a16:creationId xmlns="" xmlns:a16="http://schemas.microsoft.com/office/drawing/2014/main" id="{C6D113C6-EA5C-788F-0C77-E7CE6EBB865F}"/>
               </a:ext>
             </a:extLst>
           </p:cNvPr>
@@ -9357,7 +9357,7 @@
           <p:cNvPr id="12" name="표 2">
             <a:extLst>
               <a:ext uri="{FF2B5EF4-FFF2-40B4-BE49-F238E27FC236}">
-                <a16:creationId xmlns="" xmlns:a16="http://schemas.microsoft.com/office/drawing/2014/main" id="{D2CC6F32-611A-E22D-EB8C-52D626A5B319}"/>
+                <a16:creationId xmlns:a16="http://schemas.microsoft.com/office/drawing/2014/main" xmlns="" id="{D2CC6F32-611A-E22D-EB8C-52D626A5B319}"/>
               </a:ext>
             </a:extLst>
           </p:cNvPr>
@@ -9386,14 +9386,14 @@
                 <a:gridCol w="1731833">
                   <a:extLst>
                     <a:ext uri="{9D8B030D-6E8A-4147-A177-3AD203B41FA5}">
-                      <a16:colId xmlns="" xmlns:a16="http://schemas.microsoft.com/office/drawing/2014/main" val="1960770391"/>
+                      <a16:colId xmlns:a16="http://schemas.microsoft.com/office/drawing/2014/main" xmlns="" val="1960770391"/>
                     </a:ext>
                   </a:extLst>
                 </a:gridCol>
                 <a:gridCol w="1752960">
                   <a:extLst>
                     <a:ext uri="{9D8B030D-6E8A-4147-A177-3AD203B41FA5}">
-                      <a16:colId xmlns="" xmlns:a16="http://schemas.microsoft.com/office/drawing/2014/main" val="733308553"/>
+                      <a16:colId xmlns:a16="http://schemas.microsoft.com/office/drawing/2014/main" xmlns="" val="733308553"/>
                     </a:ext>
                   </a:extLst>
                 </a:gridCol>
@@ -9531,7 +9531,7 @@
                 </a:tc>
                 <a:extLst>
                   <a:ext uri="{0D108BD9-81ED-4DB2-BD59-A6C34878D82A}">
-                    <a16:rowId xmlns="" xmlns:a16="http://schemas.microsoft.com/office/drawing/2014/main" val="2452905565"/>
+                    <a16:rowId xmlns:a16="http://schemas.microsoft.com/office/drawing/2014/main" xmlns="" val="2452905565"/>
                   </a:ext>
                 </a:extLst>
               </a:tr>
@@ -9668,7 +9668,7 @@
                 </a:tc>
                 <a:extLst>
                   <a:ext uri="{0D108BD9-81ED-4DB2-BD59-A6C34878D82A}">
-                    <a16:rowId xmlns="" xmlns:a16="http://schemas.microsoft.com/office/drawing/2014/main" val="3551452526"/>
+                    <a16:rowId xmlns:a16="http://schemas.microsoft.com/office/drawing/2014/main" xmlns="" val="3551452526"/>
                   </a:ext>
                 </a:extLst>
               </a:tr>
@@ -9789,7 +9789,7 @@
                 </a:tc>
                 <a:extLst>
                   <a:ext uri="{0D108BD9-81ED-4DB2-BD59-A6C34878D82A}">
-                    <a16:rowId xmlns="" xmlns:a16="http://schemas.microsoft.com/office/drawing/2014/main" val="3645064171"/>
+                    <a16:rowId xmlns:a16="http://schemas.microsoft.com/office/drawing/2014/main" xmlns="" val="3645064171"/>
                   </a:ext>
                 </a:extLst>
               </a:tr>
@@ -9910,7 +9910,7 @@
                 </a:tc>
                 <a:extLst>
                   <a:ext uri="{0D108BD9-81ED-4DB2-BD59-A6C34878D82A}">
-                    <a16:rowId xmlns="" xmlns:a16="http://schemas.microsoft.com/office/drawing/2014/main" val="2802120283"/>
+                    <a16:rowId xmlns:a16="http://schemas.microsoft.com/office/drawing/2014/main" xmlns="" val="2802120283"/>
                   </a:ext>
                 </a:extLst>
               </a:tr>
@@ -10031,7 +10031,7 @@
                 </a:tc>
                 <a:extLst>
                   <a:ext uri="{0D108BD9-81ED-4DB2-BD59-A6C34878D82A}">
-                    <a16:rowId xmlns="" xmlns:a16="http://schemas.microsoft.com/office/drawing/2014/main" val="1362299918"/>
+                    <a16:rowId xmlns:a16="http://schemas.microsoft.com/office/drawing/2014/main" xmlns="" val="1362299918"/>
                   </a:ext>
                 </a:extLst>
               </a:tr>
@@ -10153,7 +10153,7 @@
           <p:cNvPr id="60" name="TextBox 59">
             <a:extLst>
               <a:ext uri="{FF2B5EF4-FFF2-40B4-BE49-F238E27FC236}">
-                <a16:creationId xmlns:a16="http://schemas.microsoft.com/office/drawing/2014/main" xmlns="" id="{5ADC00B6-990A-40DC-3CEA-505258F5E8DA}"/>
+                <a16:creationId xmlns="" xmlns:a16="http://schemas.microsoft.com/office/drawing/2014/main" id="{5ADC00B6-990A-40DC-3CEA-505258F5E8DA}"/>
               </a:ext>
             </a:extLst>
           </p:cNvPr>
@@ -10201,7 +10201,7 @@
           <p:cNvPr id="61" name="TextBox 60">
             <a:extLst>
               <a:ext uri="{FF2B5EF4-FFF2-40B4-BE49-F238E27FC236}">
-                <a16:creationId xmlns:a16="http://schemas.microsoft.com/office/drawing/2014/main" xmlns="" id="{5ADC00B6-990A-40DC-3CEA-505258F5E8DA}"/>
+                <a16:creationId xmlns="" xmlns:a16="http://schemas.microsoft.com/office/drawing/2014/main" id="{5ADC00B6-990A-40DC-3CEA-505258F5E8DA}"/>
               </a:ext>
             </a:extLst>
           </p:cNvPr>
@@ -10249,7 +10249,7 @@
           <p:cNvPr id="62" name="TextBox 61">
             <a:extLst>
               <a:ext uri="{FF2B5EF4-FFF2-40B4-BE49-F238E27FC236}">
-                <a16:creationId xmlns:a16="http://schemas.microsoft.com/office/drawing/2014/main" xmlns="" id="{5ADC00B6-990A-40DC-3CEA-505258F5E8DA}"/>
+                <a16:creationId xmlns="" xmlns:a16="http://schemas.microsoft.com/office/drawing/2014/main" id="{5ADC00B6-990A-40DC-3CEA-505258F5E8DA}"/>
               </a:ext>
             </a:extLst>
           </p:cNvPr>
@@ -10297,7 +10297,7 @@
           <p:cNvPr id="19" name="TextBox 18">
             <a:extLst>
               <a:ext uri="{FF2B5EF4-FFF2-40B4-BE49-F238E27FC236}">
-                <a16:creationId xmlns:a16="http://schemas.microsoft.com/office/drawing/2014/main" xmlns="" id="{5ADC00B6-990A-40DC-3CEA-505258F5E8DA}"/>
+                <a16:creationId xmlns="" xmlns:a16="http://schemas.microsoft.com/office/drawing/2014/main" id="{5ADC00B6-990A-40DC-3CEA-505258F5E8DA}"/>
               </a:ext>
             </a:extLst>
           </p:cNvPr>
@@ -10402,7 +10402,7 @@
           <p:cNvPr id="4" name="TextBox 3">
             <a:extLst>
               <a:ext uri="{FF2B5EF4-FFF2-40B4-BE49-F238E27FC236}">
-                <a16:creationId xmlns:a16="http://schemas.microsoft.com/office/drawing/2014/main" xmlns="" id="{5ADC00B6-990A-40DC-3CEA-505258F5E8DA}"/>
+                <a16:creationId xmlns="" xmlns:a16="http://schemas.microsoft.com/office/drawing/2014/main" id="{5ADC00B6-990A-40DC-3CEA-505258F5E8DA}"/>
               </a:ext>
             </a:extLst>
           </p:cNvPr>
@@ -10474,7 +10474,7 @@
           <p:cNvPr id="6" name="TextBox 5">
             <a:extLst>
               <a:ext uri="{FF2B5EF4-FFF2-40B4-BE49-F238E27FC236}">
-                <a16:creationId xmlns:a16="http://schemas.microsoft.com/office/drawing/2014/main" xmlns="" id="{5ADC00B6-990A-40DC-3CEA-505258F5E8DA}"/>
+                <a16:creationId xmlns="" xmlns:a16="http://schemas.microsoft.com/office/drawing/2014/main" id="{5ADC00B6-990A-40DC-3CEA-505258F5E8DA}"/>
               </a:ext>
             </a:extLst>
           </p:cNvPr>
@@ -10664,7 +10664,7 @@
           <p:cNvPr id="4" name="TextBox 3">
             <a:extLst>
               <a:ext uri="{FF2B5EF4-FFF2-40B4-BE49-F238E27FC236}">
-                <a16:creationId xmlns:a16="http://schemas.microsoft.com/office/drawing/2014/main" xmlns="" id="{5ADC00B6-990A-40DC-3CEA-505258F5E8DA}"/>
+                <a16:creationId xmlns="" xmlns:a16="http://schemas.microsoft.com/office/drawing/2014/main" id="{5ADC00B6-990A-40DC-3CEA-505258F5E8DA}"/>
               </a:ext>
             </a:extLst>
           </p:cNvPr>
@@ -10736,7 +10736,7 @@
           <p:cNvPr id="8" name="직사각형 7">
             <a:extLst>
               <a:ext uri="{FF2B5EF4-FFF2-40B4-BE49-F238E27FC236}">
-                <a16:creationId xmlns:a16="http://schemas.microsoft.com/office/drawing/2014/main" xmlns="" id="{FFF506F9-840A-0508-4CAF-3AC711D8D5CE}"/>
+                <a16:creationId xmlns="" xmlns:a16="http://schemas.microsoft.com/office/drawing/2014/main" id="{FFF506F9-840A-0508-4CAF-3AC711D8D5CE}"/>
               </a:ext>
             </a:extLst>
           </p:cNvPr>
@@ -10788,7 +10788,7 @@
           <p:cNvPr id="9" name="직사각형 8">
             <a:extLst>
               <a:ext uri="{FF2B5EF4-FFF2-40B4-BE49-F238E27FC236}">
-                <a16:creationId xmlns:a16="http://schemas.microsoft.com/office/drawing/2014/main" xmlns="" id="{FFF506F9-840A-0508-4CAF-3AC711D8D5CE}"/>
+                <a16:creationId xmlns="" xmlns:a16="http://schemas.microsoft.com/office/drawing/2014/main" id="{FFF506F9-840A-0508-4CAF-3AC711D8D5CE}"/>
               </a:ext>
             </a:extLst>
           </p:cNvPr>
@@ -10840,7 +10840,7 @@
           <p:cNvPr id="10" name="직사각형 9">
             <a:extLst>
               <a:ext uri="{FF2B5EF4-FFF2-40B4-BE49-F238E27FC236}">
-                <a16:creationId xmlns:a16="http://schemas.microsoft.com/office/drawing/2014/main" xmlns="" id="{FFF506F9-840A-0508-4CAF-3AC711D8D5CE}"/>
+                <a16:creationId xmlns="" xmlns:a16="http://schemas.microsoft.com/office/drawing/2014/main" id="{FFF506F9-840A-0508-4CAF-3AC711D8D5CE}"/>
               </a:ext>
             </a:extLst>
           </p:cNvPr>
@@ -10892,7 +10892,7 @@
           <p:cNvPr id="12" name="그룹 1008">
             <a:extLst>
               <a:ext uri="{FF2B5EF4-FFF2-40B4-BE49-F238E27FC236}">
-                <a16:creationId xmlns:a16="http://schemas.microsoft.com/office/drawing/2014/main" xmlns="" id="{678F6342-C505-E8AD-ADA4-022CB2C2088E}"/>
+                <a16:creationId xmlns="" xmlns:a16="http://schemas.microsoft.com/office/drawing/2014/main" id="{678F6342-C505-E8AD-ADA4-022CB2C2088E}"/>
               </a:ext>
             </a:extLst>
           </p:cNvPr>
@@ -10912,7 +10912,7 @@
             <p:cNvPr id="13" name="그룹 1009">
               <a:extLst>
                 <a:ext uri="{FF2B5EF4-FFF2-40B4-BE49-F238E27FC236}">
-                  <a16:creationId xmlns:a16="http://schemas.microsoft.com/office/drawing/2014/main" xmlns="" id="{4E1F1FED-812B-9BBB-925A-84B54A077414}"/>
+                  <a16:creationId xmlns="" xmlns:a16="http://schemas.microsoft.com/office/drawing/2014/main" id="{4E1F1FED-812B-9BBB-925A-84B54A077414}"/>
                 </a:ext>
               </a:extLst>
             </p:cNvPr>
@@ -10932,7 +10932,7 @@
               <p:cNvPr id="18" name="Object 29">
                 <a:extLst>
                   <a:ext uri="{FF2B5EF4-FFF2-40B4-BE49-F238E27FC236}">
-                    <a16:creationId xmlns:a16="http://schemas.microsoft.com/office/drawing/2014/main" xmlns="" id="{7B078609-4286-7B00-51EB-809C8E2DE289}"/>
+                    <a16:creationId xmlns="" xmlns:a16="http://schemas.microsoft.com/office/drawing/2014/main" id="{7B078609-4286-7B00-51EB-809C8E2DE289}"/>
                   </a:ext>
                 </a:extLst>
               </p:cNvPr>
@@ -10963,7 +10963,7 @@
             <p:cNvPr id="14" name="그룹 1010">
               <a:extLst>
                 <a:ext uri="{FF2B5EF4-FFF2-40B4-BE49-F238E27FC236}">
-                  <a16:creationId xmlns:a16="http://schemas.microsoft.com/office/drawing/2014/main" xmlns="" id="{02A649BF-B5B5-FBAF-7DFD-E118A4DF8907}"/>
+                  <a16:creationId xmlns="" xmlns:a16="http://schemas.microsoft.com/office/drawing/2014/main" id="{02A649BF-B5B5-FBAF-7DFD-E118A4DF8907}"/>
                 </a:ext>
               </a:extLst>
             </p:cNvPr>
@@ -10983,7 +10983,7 @@
               <p:cNvPr id="17" name="Object 32">
                 <a:extLst>
                   <a:ext uri="{FF2B5EF4-FFF2-40B4-BE49-F238E27FC236}">
-                    <a16:creationId xmlns:a16="http://schemas.microsoft.com/office/drawing/2014/main" xmlns="" id="{2A0FFF23-B3C9-3EA0-1C1B-A87D4FF098AE}"/>
+                    <a16:creationId xmlns="" xmlns:a16="http://schemas.microsoft.com/office/drawing/2014/main" id="{2A0FFF23-B3C9-3EA0-1C1B-A87D4FF098AE}"/>
                   </a:ext>
                 </a:extLst>
               </p:cNvPr>
@@ -11014,7 +11014,7 @@
             <p:cNvPr id="15" name="그룹 1011">
               <a:extLst>
                 <a:ext uri="{FF2B5EF4-FFF2-40B4-BE49-F238E27FC236}">
-                  <a16:creationId xmlns:a16="http://schemas.microsoft.com/office/drawing/2014/main" xmlns="" id="{881F5410-F7FB-F261-A584-707359BAC593}"/>
+                  <a16:creationId xmlns="" xmlns:a16="http://schemas.microsoft.com/office/drawing/2014/main" id="{881F5410-F7FB-F261-A584-707359BAC593}"/>
                 </a:ext>
               </a:extLst>
             </p:cNvPr>
@@ -11034,7 +11034,7 @@
               <p:cNvPr id="16" name="Object 35">
                 <a:extLst>
                   <a:ext uri="{FF2B5EF4-FFF2-40B4-BE49-F238E27FC236}">
-                    <a16:creationId xmlns:a16="http://schemas.microsoft.com/office/drawing/2014/main" xmlns="" id="{4E99E669-73EB-F9F4-EFE8-DC107035C265}"/>
+                    <a16:creationId xmlns="" xmlns:a16="http://schemas.microsoft.com/office/drawing/2014/main" id="{4E99E669-73EB-F9F4-EFE8-DC107035C265}"/>
                   </a:ext>
                 </a:extLst>
               </p:cNvPr>
@@ -11066,7 +11066,7 @@
           <p:cNvPr id="19" name="직사각형 18">
             <a:extLst>
               <a:ext uri="{FF2B5EF4-FFF2-40B4-BE49-F238E27FC236}">
-                <a16:creationId xmlns:a16="http://schemas.microsoft.com/office/drawing/2014/main" xmlns="" id="{FFF506F9-840A-0508-4CAF-3AC711D8D5CE}"/>
+                <a16:creationId xmlns="" xmlns:a16="http://schemas.microsoft.com/office/drawing/2014/main" id="{FFF506F9-840A-0508-4CAF-3AC711D8D5CE}"/>
               </a:ext>
             </a:extLst>
           </p:cNvPr>
@@ -11364,7 +11364,7 @@
           <p:cNvPr id="4" name="TextBox 3">
             <a:extLst>
               <a:ext uri="{FF2B5EF4-FFF2-40B4-BE49-F238E27FC236}">
-                <a16:creationId xmlns:a16="http://schemas.microsoft.com/office/drawing/2014/main" xmlns="" id="{5ADC00B6-990A-40DC-3CEA-505258F5E8DA}"/>
+                <a16:creationId xmlns="" xmlns:a16="http://schemas.microsoft.com/office/drawing/2014/main" id="{5ADC00B6-990A-40DC-3CEA-505258F5E8DA}"/>
               </a:ext>
             </a:extLst>
           </p:cNvPr>
@@ -11476,7 +11476,7 @@
           <p:cNvPr id="5" name="TextBox 4">
             <a:extLst>
               <a:ext uri="{FF2B5EF4-FFF2-40B4-BE49-F238E27FC236}">
-                <a16:creationId xmlns:a16="http://schemas.microsoft.com/office/drawing/2014/main" xmlns="" id="{5ADC00B6-990A-40DC-3CEA-505258F5E8DA}"/>
+                <a16:creationId xmlns="" xmlns:a16="http://schemas.microsoft.com/office/drawing/2014/main" id="{5ADC00B6-990A-40DC-3CEA-505258F5E8DA}"/>
               </a:ext>
             </a:extLst>
           </p:cNvPr>
@@ -11530,7 +11530,7 @@
           <p:cNvPr id="6" name="TextBox 5">
             <a:extLst>
               <a:ext uri="{FF2B5EF4-FFF2-40B4-BE49-F238E27FC236}">
-                <a16:creationId xmlns:a16="http://schemas.microsoft.com/office/drawing/2014/main" xmlns="" id="{5ADC00B6-990A-40DC-3CEA-505258F5E8DA}"/>
+                <a16:creationId xmlns="" xmlns:a16="http://schemas.microsoft.com/office/drawing/2014/main" id="{5ADC00B6-990A-40DC-3CEA-505258F5E8DA}"/>
               </a:ext>
             </a:extLst>
           </p:cNvPr>
@@ -11578,7 +11578,7 @@
           <p:cNvPr id="7" name="TextBox 6">
             <a:extLst>
               <a:ext uri="{FF2B5EF4-FFF2-40B4-BE49-F238E27FC236}">
-                <a16:creationId xmlns:a16="http://schemas.microsoft.com/office/drawing/2014/main" xmlns="" id="{5ADC00B6-990A-40DC-3CEA-505258F5E8DA}"/>
+                <a16:creationId xmlns="" xmlns:a16="http://schemas.microsoft.com/office/drawing/2014/main" id="{5ADC00B6-990A-40DC-3CEA-505258F5E8DA}"/>
               </a:ext>
             </a:extLst>
           </p:cNvPr>
@@ -11848,7 +11848,7 @@
           <p:cNvPr id="5" name="직선 화살표 연결선 4">
             <a:extLst>
               <a:ext uri="{FF2B5EF4-FFF2-40B4-BE49-F238E27FC236}">
-                <a16:creationId xmlns:a16="http://schemas.microsoft.com/office/drawing/2014/main" xmlns="" id="{299DF5EC-9DF4-5255-06AC-0A7CE4FF58C3}"/>
+                <a16:creationId xmlns="" xmlns:a16="http://schemas.microsoft.com/office/drawing/2014/main" id="{299DF5EC-9DF4-5255-06AC-0A7CE4FF58C3}"/>
               </a:ext>
             </a:extLst>
           </p:cNvPr>
@@ -11889,7 +11889,7 @@
           <p:cNvPr id="6" name="직사각형 5">
             <a:extLst>
               <a:ext uri="{FF2B5EF4-FFF2-40B4-BE49-F238E27FC236}">
-                <a16:creationId xmlns:a16="http://schemas.microsoft.com/office/drawing/2014/main" xmlns="" id="{FFF506F9-840A-0508-4CAF-3AC711D8D5CE}"/>
+                <a16:creationId xmlns="" xmlns:a16="http://schemas.microsoft.com/office/drawing/2014/main" id="{FFF506F9-840A-0508-4CAF-3AC711D8D5CE}"/>
               </a:ext>
             </a:extLst>
           </p:cNvPr>
@@ -11941,7 +11941,7 @@
           <p:cNvPr id="7" name="TextBox 6">
             <a:extLst>
               <a:ext uri="{FF2B5EF4-FFF2-40B4-BE49-F238E27FC236}">
-                <a16:creationId xmlns:a16="http://schemas.microsoft.com/office/drawing/2014/main" xmlns="" id="{C6D113C6-EA5C-788F-0C77-E7CE6EBB865F}"/>
+                <a16:creationId xmlns="" xmlns:a16="http://schemas.microsoft.com/office/drawing/2014/main" id="{C6D113C6-EA5C-788F-0C77-E7CE6EBB865F}"/>
               </a:ext>
             </a:extLst>
           </p:cNvPr>
@@ -12200,7 +12200,7 @@
           <p:cNvPr id="2" name="TextBox 1">
             <a:extLst>
               <a:ext uri="{FF2B5EF4-FFF2-40B4-BE49-F238E27FC236}">
-                <a16:creationId xmlns:a16="http://schemas.microsoft.com/office/drawing/2014/main" xmlns="" id="{76F36AE5-79B5-0B9F-E510-1C27AAC4B649}"/>
+                <a16:creationId xmlns="" xmlns:a16="http://schemas.microsoft.com/office/drawing/2014/main" id="{76F36AE5-79B5-0B9F-E510-1C27AAC4B649}"/>
               </a:ext>
             </a:extLst>
           </p:cNvPr>
@@ -12309,7 +12309,7 @@
           <p:cNvPr id="4" name="TextBox 3">
             <a:extLst>
               <a:ext uri="{FF2B5EF4-FFF2-40B4-BE49-F238E27FC236}">
-                <a16:creationId xmlns:a16="http://schemas.microsoft.com/office/drawing/2014/main" xmlns="" id="{5ADC00B6-990A-40DC-3CEA-505258F5E8DA}"/>
+                <a16:creationId xmlns="" xmlns:a16="http://schemas.microsoft.com/office/drawing/2014/main" id="{5ADC00B6-990A-40DC-3CEA-505258F5E8DA}"/>
               </a:ext>
             </a:extLst>
           </p:cNvPr>
@@ -12318,7 +12318,7 @@
         </p:nvSpPr>
         <p:spPr>
           <a:xfrm>
-            <a:off x="1143000" y="571500"/>
+            <a:off x="762000" y="197703"/>
             <a:ext cx="3048000" cy="830997"/>
           </a:xfrm>
           <a:prstGeom prst="rect">
@@ -12367,7 +12367,7 @@
           <p:cNvPr id="5" name="TextBox 4">
             <a:extLst>
               <a:ext uri="{FF2B5EF4-FFF2-40B4-BE49-F238E27FC236}">
-                <a16:creationId xmlns:a16="http://schemas.microsoft.com/office/drawing/2014/main" xmlns="" id="{A2AD056B-97A4-5BCC-4460-250160F3E171}"/>
+                <a16:creationId xmlns="" xmlns:a16="http://schemas.microsoft.com/office/drawing/2014/main" id="{A2AD056B-97A4-5BCC-4460-250160F3E171}"/>
               </a:ext>
             </a:extLst>
           </p:cNvPr>
@@ -12376,8 +12376,8 @@
         </p:nvSpPr>
         <p:spPr>
           <a:xfrm>
-            <a:off x="1600200" y="1402497"/>
-            <a:ext cx="14782800" cy="707886"/>
+            <a:off x="0" y="876300"/>
+            <a:ext cx="8763000" cy="1323439"/>
           </a:xfrm>
           <a:prstGeom prst="rect">
             <a:avLst/>
@@ -12390,6 +12390,9 @@
           </a:bodyPr>
           <a:lstStyle/>
           <a:p>
+            <a:pPr marL="742950" indent="-742950">
+              <a:buAutoNum type="arabicPeriod"/>
+            </a:pPr>
             <a:r>
               <a:rPr lang="en-US" altLang="ko-KR" sz="4000" smtClean="0">
                 <a:solidFill>
@@ -12401,7 +12404,7 @@
                 <a:latin typeface="G마켓 산스 Medium" panose="02000000000000000000" pitchFamily="50" charset="-127"/>
                 <a:ea typeface="G마켓 산스 Medium" panose="02000000000000000000" pitchFamily="50" charset="-127"/>
               </a:rPr>
-              <a:t>1. Student </a:t>
+              <a:t>Student </a:t>
             </a:r>
             <a:r>
               <a:rPr lang="ko-KR" altLang="en-US" sz="4000" smtClean="0">
@@ -12414,7 +12417,58 @@
                 <a:latin typeface="G마켓 산스 Medium" panose="02000000000000000000" pitchFamily="50" charset="-127"/>
                 <a:ea typeface="G마켓 산스 Medium" panose="02000000000000000000" pitchFamily="50" charset="-127"/>
               </a:rPr>
-              <a:t>클래스가 생성 될때마다 학생수 카운트를 올려보자</a:t>
+              <a:t>클래스가 생성 될때마다 </a:t>
+            </a:r>
+            <a:endParaRPr lang="en-US" altLang="ko-KR" sz="4000" smtClean="0">
+              <a:solidFill>
+                <a:schemeClr val="tx1">
+                  <a:lumMod val="50000"/>
+                  <a:lumOff val="50000"/>
+                </a:schemeClr>
+              </a:solidFill>
+              <a:latin typeface="G마켓 산스 Medium" panose="02000000000000000000" pitchFamily="50" charset="-127"/>
+              <a:ea typeface="G마켓 산스 Medium" panose="02000000000000000000" pitchFamily="50" charset="-127"/>
+            </a:endParaRPr>
+          </a:p>
+          <a:p>
+            <a:r>
+              <a:rPr lang="ko-KR" altLang="en-US" sz="4000" smtClean="0">
+                <a:solidFill>
+                  <a:schemeClr val="tx1">
+                    <a:lumMod val="50000"/>
+                    <a:lumOff val="50000"/>
+                  </a:schemeClr>
+                </a:solidFill>
+                <a:latin typeface="G마켓 산스 Medium" panose="02000000000000000000" pitchFamily="50" charset="-127"/>
+                <a:ea typeface="G마켓 산스 Medium" panose="02000000000000000000" pitchFamily="50" charset="-127"/>
+              </a:rPr>
+              <a:t>     학생수 </a:t>
+            </a:r>
+            <a:r>
+              <a:rPr lang="ko-KR" altLang="en-US" sz="4000" smtClean="0">
+                <a:solidFill>
+                  <a:schemeClr val="tx1">
+                    <a:lumMod val="50000"/>
+                    <a:lumOff val="50000"/>
+                  </a:schemeClr>
+                </a:solidFill>
+                <a:latin typeface="G마켓 산스 Medium" panose="02000000000000000000" pitchFamily="50" charset="-127"/>
+                <a:ea typeface="G마켓 산스 Medium" panose="02000000000000000000" pitchFamily="50" charset="-127"/>
+              </a:rPr>
+              <a:t>카운트를 </a:t>
+            </a:r>
+            <a:r>
+              <a:rPr lang="ko-KR" altLang="en-US" sz="4000" smtClean="0">
+                <a:solidFill>
+                  <a:schemeClr val="tx1">
+                    <a:lumMod val="50000"/>
+                    <a:lumOff val="50000"/>
+                  </a:schemeClr>
+                </a:solidFill>
+                <a:latin typeface="G마켓 산스 Medium" panose="02000000000000000000" pitchFamily="50" charset="-127"/>
+                <a:ea typeface="G마켓 산스 Medium" panose="02000000000000000000" pitchFamily="50" charset="-127"/>
+              </a:rPr>
+              <a:t>올려보자</a:t>
             </a:r>
             <a:endParaRPr lang="en-US" altLang="ko-KR" sz="4000" dirty="0">
               <a:solidFill>
@@ -12429,6 +12483,2044 @@
           </a:p>
         </p:txBody>
       </p:sp>
+      <p:pic>
+        <p:nvPicPr>
+          <p:cNvPr id="3" name="그림 2"/>
+          <p:cNvPicPr>
+            <a:picLocks noChangeAspect="1"/>
+          </p:cNvPicPr>
+          <p:nvPr/>
+        </p:nvPicPr>
+        <p:blipFill>
+          <a:blip r:embed="rId2"/>
+          <a:stretch>
+            <a:fillRect/>
+          </a:stretch>
+        </p:blipFill>
+        <p:spPr>
+          <a:xfrm>
+            <a:off x="6545486" y="2397821"/>
+            <a:ext cx="990600" cy="961030"/>
+          </a:xfrm>
+          <a:prstGeom prst="rect">
+            <a:avLst/>
+          </a:prstGeom>
+        </p:spPr>
+      </p:pic>
+      <p:pic>
+        <p:nvPicPr>
+          <p:cNvPr id="6" name="그림 5"/>
+          <p:cNvPicPr>
+            <a:picLocks noChangeAspect="1"/>
+          </p:cNvPicPr>
+          <p:nvPr/>
+        </p:nvPicPr>
+        <p:blipFill>
+          <a:blip r:embed="rId3"/>
+          <a:stretch>
+            <a:fillRect/>
+          </a:stretch>
+        </p:blipFill>
+        <p:spPr>
+          <a:xfrm>
+            <a:off x="762000" y="2171700"/>
+            <a:ext cx="5217763" cy="1828800"/>
+          </a:xfrm>
+          <a:prstGeom prst="rect">
+            <a:avLst/>
+          </a:prstGeom>
+        </p:spPr>
+      </p:pic>
+      <p:sp>
+        <p:nvSpPr>
+          <p:cNvPr id="7" name="TextBox 6">
+            <a:extLst>
+              <a:ext uri="{FF2B5EF4-FFF2-40B4-BE49-F238E27FC236}">
+                <a16:creationId xmlns="" xmlns:a16="http://schemas.microsoft.com/office/drawing/2014/main" id="{A2AD056B-97A4-5BCC-4460-250160F3E171}"/>
+              </a:ext>
+            </a:extLst>
+          </p:cNvPr>
+          <p:cNvSpPr txBox="1"/>
+          <p:nvPr/>
+        </p:nvSpPr>
+        <p:spPr>
+          <a:xfrm>
+            <a:off x="152400" y="4622542"/>
+            <a:ext cx="17602200" cy="5016758"/>
+          </a:xfrm>
+          <a:prstGeom prst="rect">
+            <a:avLst/>
+          </a:prstGeom>
+          <a:noFill/>
+        </p:spPr>
+        <p:txBody>
+          <a:bodyPr wrap="square" rtlCol="0">
+            <a:spAutoFit/>
+          </a:bodyPr>
+          <a:lstStyle/>
+          <a:p>
+            <a:r>
+              <a:rPr lang="en-US" altLang="ko-KR" sz="4000" smtClean="0">
+                <a:solidFill>
+                  <a:schemeClr val="tx1">
+                    <a:lumMod val="50000"/>
+                    <a:lumOff val="50000"/>
+                  </a:schemeClr>
+                </a:solidFill>
+                <a:latin typeface="G마켓 산스 Medium" panose="02000000000000000000" pitchFamily="50" charset="-127"/>
+                <a:ea typeface="G마켓 산스 Medium" panose="02000000000000000000" pitchFamily="50" charset="-127"/>
+              </a:rPr>
+              <a:t>2.</a:t>
+            </a:r>
+            <a:r>
+              <a:rPr lang="en-US" altLang="ko-KR" sz="4000" smtClean="0">
+                <a:solidFill>
+                  <a:schemeClr val="tx1">
+                    <a:lumMod val="50000"/>
+                    <a:lumOff val="50000"/>
+                  </a:schemeClr>
+                </a:solidFill>
+                <a:latin typeface="G마켓 산스 Medium" panose="02000000000000000000" pitchFamily="50" charset="-127"/>
+                <a:ea typeface="G마켓 산스 Medium" panose="02000000000000000000" pitchFamily="50" charset="-127"/>
+              </a:rPr>
+              <a:t> </a:t>
+            </a:r>
+            <a:r>
+              <a:rPr lang="ko-KR" altLang="en-US" sz="4000" smtClean="0">
+                <a:solidFill>
+                  <a:schemeClr val="tx1">
+                    <a:lumMod val="50000"/>
+                    <a:lumOff val="50000"/>
+                  </a:schemeClr>
+                </a:solidFill>
+                <a:latin typeface="G마켓 산스 Medium" panose="02000000000000000000" pitchFamily="50" charset="-127"/>
+                <a:ea typeface="G마켓 산스 Medium" panose="02000000000000000000" pitchFamily="50" charset="-127"/>
+              </a:rPr>
+              <a:t>오른쪽의 클래스를 만든후 각각 </a:t>
+            </a:r>
+            <a:r>
+              <a:rPr lang="en-US" altLang="ko-KR" sz="4000" smtClean="0">
+                <a:solidFill>
+                  <a:schemeClr val="tx1">
+                    <a:lumMod val="50000"/>
+                    <a:lumOff val="50000"/>
+                  </a:schemeClr>
+                </a:solidFill>
+                <a:latin typeface="G마켓 산스 Medium" panose="02000000000000000000" pitchFamily="50" charset="-127"/>
+                <a:ea typeface="G마켓 산스 Medium" panose="02000000000000000000" pitchFamily="50" charset="-127"/>
+              </a:rPr>
+              <a:t>12</a:t>
+            </a:r>
+            <a:r>
+              <a:rPr lang="ko-KR" altLang="en-US" sz="4000" smtClean="0">
+                <a:solidFill>
+                  <a:schemeClr val="tx1">
+                    <a:lumMod val="50000"/>
+                    <a:lumOff val="50000"/>
+                  </a:schemeClr>
+                </a:solidFill>
+                <a:latin typeface="G마켓 산스 Medium" panose="02000000000000000000" pitchFamily="50" charset="-127"/>
+                <a:ea typeface="G마켓 산스 Medium" panose="02000000000000000000" pitchFamily="50" charset="-127"/>
+              </a:rPr>
+              <a:t>개의 객체를 </a:t>
+            </a:r>
+            <a:endParaRPr lang="en-US" altLang="ko-KR" sz="4000" smtClean="0">
+              <a:solidFill>
+                <a:schemeClr val="tx1">
+                  <a:lumMod val="50000"/>
+                  <a:lumOff val="50000"/>
+                </a:schemeClr>
+              </a:solidFill>
+              <a:latin typeface="G마켓 산스 Medium" panose="02000000000000000000" pitchFamily="50" charset="-127"/>
+              <a:ea typeface="G마켓 산스 Medium" panose="02000000000000000000" pitchFamily="50" charset="-127"/>
+            </a:endParaRPr>
+          </a:p>
+          <a:p>
+            <a:r>
+              <a:rPr lang="ko-KR" altLang="en-US" sz="4000" smtClean="0">
+                <a:solidFill>
+                  <a:schemeClr val="tx1">
+                    <a:lumMod val="50000"/>
+                    <a:lumOff val="50000"/>
+                  </a:schemeClr>
+                </a:solidFill>
+                <a:latin typeface="G마켓 산스 Medium" panose="02000000000000000000" pitchFamily="50" charset="-127"/>
+                <a:ea typeface="G마켓 산스 Medium" panose="02000000000000000000" pitchFamily="50" charset="-127"/>
+              </a:rPr>
+              <a:t>생성하여</a:t>
+            </a:r>
+            <a:r>
+              <a:rPr lang="ko-KR" altLang="en-US" sz="4000" smtClean="0">
+                <a:solidFill>
+                  <a:schemeClr val="tx1">
+                    <a:lumMod val="50000"/>
+                    <a:lumOff val="50000"/>
+                  </a:schemeClr>
+                </a:solidFill>
+                <a:latin typeface="G마켓 산스 Medium" panose="02000000000000000000" pitchFamily="50" charset="-127"/>
+                <a:ea typeface="G마켓 산스 Medium" panose="02000000000000000000" pitchFamily="50" charset="-127"/>
+              </a:rPr>
+              <a:t>랜덤하게 공격하자</a:t>
+            </a:r>
+            <a:r>
+              <a:rPr lang="en-US" altLang="ko-KR" sz="4000" smtClean="0">
+                <a:solidFill>
+                  <a:schemeClr val="tx1">
+                    <a:lumMod val="50000"/>
+                    <a:lumOff val="50000"/>
+                  </a:schemeClr>
+                </a:solidFill>
+                <a:latin typeface="G마켓 산스 Medium" panose="02000000000000000000" pitchFamily="50" charset="-127"/>
+                <a:ea typeface="G마켓 산스 Medium" panose="02000000000000000000" pitchFamily="50" charset="-127"/>
+              </a:rPr>
+              <a:t>.</a:t>
+            </a:r>
+          </a:p>
+          <a:p>
+            <a:r>
+              <a:rPr lang="en-US" altLang="ko-KR" sz="4000" smtClean="0">
+                <a:solidFill>
+                  <a:schemeClr val="tx1">
+                    <a:lumMod val="50000"/>
+                    <a:lumOff val="50000"/>
+                  </a:schemeClr>
+                </a:solidFill>
+                <a:latin typeface="G마켓 산스 Medium" panose="02000000000000000000" pitchFamily="50" charset="-127"/>
+                <a:ea typeface="G마켓 산스 Medium" panose="02000000000000000000" pitchFamily="50" charset="-127"/>
+              </a:rPr>
+              <a:t>(</a:t>
+            </a:r>
+            <a:r>
+              <a:rPr lang="ko-KR" altLang="en-US" sz="4000" smtClean="0">
+                <a:solidFill>
+                  <a:schemeClr val="tx1">
+                    <a:lumMod val="50000"/>
+                    <a:lumOff val="50000"/>
+                  </a:schemeClr>
+                </a:solidFill>
+                <a:latin typeface="G마켓 산스 Medium" panose="02000000000000000000" pitchFamily="50" charset="-127"/>
+                <a:ea typeface="G마켓 산스 Medium" panose="02000000000000000000" pitchFamily="50" charset="-127"/>
+              </a:rPr>
+              <a:t>한팀씩 번갈아 가며 공격하며 어떤마린이 어떤 저글링을 공격할지는 랜덤이다</a:t>
+            </a:r>
+            <a:r>
+              <a:rPr lang="en-US" altLang="ko-KR" sz="4000" smtClean="0">
+                <a:solidFill>
+                  <a:schemeClr val="tx1">
+                    <a:lumMod val="50000"/>
+                    <a:lumOff val="50000"/>
+                  </a:schemeClr>
+                </a:solidFill>
+                <a:latin typeface="G마켓 산스 Medium" panose="02000000000000000000" pitchFamily="50" charset="-127"/>
+                <a:ea typeface="G마켓 산스 Medium" panose="02000000000000000000" pitchFamily="50" charset="-127"/>
+              </a:rPr>
+              <a:t>.</a:t>
+            </a:r>
+          </a:p>
+          <a:p>
+            <a:r>
+              <a:rPr lang="ko-KR" altLang="en-US" sz="4000" smtClean="0">
+                <a:solidFill>
+                  <a:schemeClr val="tx1">
+                    <a:lumMod val="50000"/>
+                    <a:lumOff val="50000"/>
+                  </a:schemeClr>
+                </a:solidFill>
+                <a:latin typeface="G마켓 산스 Medium" panose="02000000000000000000" pitchFamily="50" charset="-127"/>
+                <a:ea typeface="G마켓 산스 Medium" panose="02000000000000000000" pitchFamily="50" charset="-127"/>
+              </a:rPr>
+              <a:t>즉 마린의 공격턴일때 공격안하는 마린이 있을수도 있다</a:t>
+            </a:r>
+            <a:r>
+              <a:rPr lang="en-US" altLang="ko-KR" sz="4000" smtClean="0">
+                <a:solidFill>
+                  <a:schemeClr val="tx1">
+                    <a:lumMod val="50000"/>
+                    <a:lumOff val="50000"/>
+                  </a:schemeClr>
+                </a:solidFill>
+                <a:latin typeface="G마켓 산스 Medium" panose="02000000000000000000" pitchFamily="50" charset="-127"/>
+                <a:ea typeface="G마켓 산스 Medium" panose="02000000000000000000" pitchFamily="50" charset="-127"/>
+              </a:rPr>
+              <a:t>.)</a:t>
+            </a:r>
+            <a:endParaRPr lang="en-US" altLang="ko-KR" sz="4000">
+              <a:solidFill>
+                <a:schemeClr val="tx1">
+                  <a:lumMod val="50000"/>
+                  <a:lumOff val="50000"/>
+                </a:schemeClr>
+              </a:solidFill>
+              <a:latin typeface="G마켓 산스 Medium" panose="02000000000000000000" pitchFamily="50" charset="-127"/>
+              <a:ea typeface="G마켓 산스 Medium" panose="02000000000000000000" pitchFamily="50" charset="-127"/>
+            </a:endParaRPr>
+          </a:p>
+          <a:p>
+            <a:r>
+              <a:rPr lang="ko-KR" altLang="en-US" sz="4000" smtClean="0">
+                <a:solidFill>
+                  <a:schemeClr val="tx1">
+                    <a:lumMod val="50000"/>
+                    <a:lumOff val="50000"/>
+                  </a:schemeClr>
+                </a:solidFill>
+                <a:latin typeface="G마켓 산스 Medium" panose="02000000000000000000" pitchFamily="50" charset="-127"/>
+                <a:ea typeface="G마켓 산스 Medium" panose="02000000000000000000" pitchFamily="50" charset="-127"/>
+              </a:rPr>
+              <a:t>어느 한쪽이 전멸할때까지 진행되며 승리팀이 </a:t>
+            </a:r>
+            <a:endParaRPr lang="en-US" altLang="ko-KR" sz="4000" smtClean="0">
+              <a:solidFill>
+                <a:schemeClr val="tx1">
+                  <a:lumMod val="50000"/>
+                  <a:lumOff val="50000"/>
+                </a:schemeClr>
+              </a:solidFill>
+              <a:latin typeface="G마켓 산스 Medium" panose="02000000000000000000" pitchFamily="50" charset="-127"/>
+              <a:ea typeface="G마켓 산스 Medium" panose="02000000000000000000" pitchFamily="50" charset="-127"/>
+            </a:endParaRPr>
+          </a:p>
+          <a:p>
+            <a:r>
+              <a:rPr lang="ko-KR" altLang="en-US" sz="4000" smtClean="0">
+                <a:solidFill>
+                  <a:schemeClr val="tx1">
+                    <a:lumMod val="50000"/>
+                    <a:lumOff val="50000"/>
+                  </a:schemeClr>
+                </a:solidFill>
+                <a:latin typeface="G마켓 산스 Medium" panose="02000000000000000000" pitchFamily="50" charset="-127"/>
+                <a:ea typeface="G마켓 산스 Medium" panose="02000000000000000000" pitchFamily="50" charset="-127"/>
+              </a:rPr>
+              <a:t>어디인지 그리고 승리팀의 남은 유닛들의 상태를</a:t>
+            </a:r>
+            <a:endParaRPr lang="en-US" altLang="ko-KR" sz="4000" smtClean="0">
+              <a:solidFill>
+                <a:schemeClr val="tx1">
+                  <a:lumMod val="50000"/>
+                  <a:lumOff val="50000"/>
+                </a:schemeClr>
+              </a:solidFill>
+              <a:latin typeface="G마켓 산스 Medium" panose="02000000000000000000" pitchFamily="50" charset="-127"/>
+              <a:ea typeface="G마켓 산스 Medium" panose="02000000000000000000" pitchFamily="50" charset="-127"/>
+            </a:endParaRPr>
+          </a:p>
+          <a:p>
+            <a:r>
+              <a:rPr lang="ko-KR" altLang="en-US" sz="4000" smtClean="0">
+                <a:solidFill>
+                  <a:schemeClr val="tx1">
+                    <a:lumMod val="50000"/>
+                    <a:lumOff val="50000"/>
+                  </a:schemeClr>
+                </a:solidFill>
+                <a:latin typeface="G마켓 산스 Medium" panose="02000000000000000000" pitchFamily="50" charset="-127"/>
+                <a:ea typeface="G마켓 산스 Medium" panose="02000000000000000000" pitchFamily="50" charset="-127"/>
+              </a:rPr>
+              <a:t> 출력하자</a:t>
+            </a:r>
+            <a:endParaRPr lang="en-US" altLang="ko-KR" sz="4000" smtClean="0">
+              <a:solidFill>
+                <a:schemeClr val="tx1">
+                  <a:lumMod val="50000"/>
+                  <a:lumOff val="50000"/>
+                </a:schemeClr>
+              </a:solidFill>
+              <a:latin typeface="G마켓 산스 Medium" panose="02000000000000000000" pitchFamily="50" charset="-127"/>
+              <a:ea typeface="G마켓 산스 Medium" panose="02000000000000000000" pitchFamily="50" charset="-127"/>
+            </a:endParaRPr>
+          </a:p>
+          <a:p>
+            <a:endParaRPr lang="en-US" altLang="ko-KR" sz="4000" dirty="0">
+              <a:solidFill>
+                <a:schemeClr val="tx1">
+                  <a:lumMod val="50000"/>
+                  <a:lumOff val="50000"/>
+                </a:schemeClr>
+              </a:solidFill>
+              <a:latin typeface="G마켓 산스 Medium" panose="02000000000000000000" pitchFamily="50" charset="-127"/>
+              <a:ea typeface="G마켓 산스 Medium" panose="02000000000000000000" pitchFamily="50" charset="-127"/>
+            </a:endParaRPr>
+          </a:p>
+        </p:txBody>
+      </p:sp>
+      <p:graphicFrame>
+        <p:nvGraphicFramePr>
+          <p:cNvPr id="10" name="표 9"/>
+          <p:cNvGraphicFramePr>
+            <a:graphicFrameLocks noGrp="1"/>
+          </p:cNvGraphicFramePr>
+          <p:nvPr>
+            <p:extLst>
+              <p:ext uri="{D42A27DB-BD31-4B8C-83A1-F6EECF244321}">
+                <p14:modId xmlns:p14="http://schemas.microsoft.com/office/powerpoint/2010/main" val="501112536"/>
+              </p:ext>
+            </p:extLst>
+          </p:nvPr>
+        </p:nvGraphicFramePr>
+        <p:xfrm>
+          <a:off x="11353800" y="38100"/>
+          <a:ext cx="6841672" cy="5724218"/>
+        </p:xfrm>
+        <a:graphic>
+          <a:graphicData uri="http://schemas.openxmlformats.org/drawingml/2006/table">
+            <a:tbl>
+              <a:tblPr firstRow="1" bandRow="1">
+                <a:tableStyleId>{5C22544A-7EE6-4342-B048-85BDC9FD1C3A}</a:tableStyleId>
+              </a:tblPr>
+              <a:tblGrid>
+                <a:gridCol w="1906229"/>
+                <a:gridCol w="2132371"/>
+                <a:gridCol w="2803072"/>
+              </a:tblGrid>
+              <a:tr h="447162">
+                <a:tc>
+                  <a:txBody>
+                    <a:bodyPr/>
+                    <a:lstStyle/>
+                    <a:p>
+                      <a:pPr latinLnBrk="1"/>
+                      <a:r>
+                        <a:rPr lang="ko-KR" altLang="en-US" sz="2200" dirty="0">
+                          <a:solidFill>
+                            <a:schemeClr val="bg1"/>
+                          </a:solidFill>
+                          <a:ea typeface="G마켓 산스 Medium" panose="02000000000000000000"/>
+                        </a:rPr>
+                        <a:t>클래스명</a:t>
+                      </a:r>
+                    </a:p>
+                  </a:txBody>
+                  <a:tcPr>
+                    <a:lnL w="12700" cap="flat" cmpd="sng" algn="ctr">
+                      <a:solidFill>
+                        <a:schemeClr val="tx1"/>
+                      </a:solidFill>
+                      <a:prstDash val="solid"/>
+                      <a:round/>
+                      <a:headEnd type="none" w="med" len="med"/>
+                      <a:tailEnd type="none" w="med" len="med"/>
+                    </a:lnL>
+                    <a:lnR w="12700" cap="flat" cmpd="sng" algn="ctr">
+                      <a:solidFill>
+                        <a:schemeClr val="tx1"/>
+                      </a:solidFill>
+                      <a:prstDash val="solid"/>
+                      <a:round/>
+                      <a:headEnd type="none" w="med" len="med"/>
+                      <a:tailEnd type="none" w="med" len="med"/>
+                    </a:lnR>
+                    <a:lnT w="12700" cap="flat" cmpd="sng" algn="ctr">
+                      <a:solidFill>
+                        <a:schemeClr val="tx1"/>
+                      </a:solidFill>
+                      <a:prstDash val="solid"/>
+                      <a:round/>
+                      <a:headEnd type="none" w="med" len="med"/>
+                      <a:tailEnd type="none" w="med" len="med"/>
+                    </a:lnT>
+                    <a:lnB w="12700" cap="flat" cmpd="sng" algn="ctr">
+                      <a:solidFill>
+                        <a:schemeClr val="tx1"/>
+                      </a:solidFill>
+                      <a:prstDash val="solid"/>
+                      <a:round/>
+                      <a:headEnd type="none" w="med" len="med"/>
+                      <a:tailEnd type="none" w="med" len="med"/>
+                    </a:lnB>
+                    <a:solidFill>
+                      <a:srgbClr val="4C50BC"/>
+                    </a:solidFill>
+                  </a:tcPr>
+                </a:tc>
+                <a:tc>
+                  <a:txBody>
+                    <a:bodyPr/>
+                    <a:lstStyle/>
+                    <a:p>
+                      <a:pPr latinLnBrk="1"/>
+                      <a:r>
+                        <a:rPr lang="en-US" altLang="ko-KR" sz="2200" smtClean="0">
+                          <a:solidFill>
+                            <a:schemeClr val="bg1"/>
+                          </a:solidFill>
+                          <a:ea typeface="G마켓 산스 Medium" panose="02000000000000000000"/>
+                        </a:rPr>
+                        <a:t>Marine,Zergling</a:t>
+                      </a:r>
+                      <a:endParaRPr lang="ko-KR" altLang="en-US" sz="2200" dirty="0">
+                        <a:solidFill>
+                          <a:schemeClr val="bg1"/>
+                        </a:solidFill>
+                        <a:ea typeface="G마켓 산스 Medium" panose="02000000000000000000"/>
+                      </a:endParaRPr>
+                    </a:p>
+                  </a:txBody>
+                  <a:tcPr>
+                    <a:lnL w="12700" cap="flat" cmpd="sng" algn="ctr">
+                      <a:solidFill>
+                        <a:schemeClr val="tx1"/>
+                      </a:solidFill>
+                      <a:prstDash val="solid"/>
+                      <a:round/>
+                      <a:headEnd type="none" w="med" len="med"/>
+                      <a:tailEnd type="none" w="med" len="med"/>
+                    </a:lnL>
+                    <a:lnR w="12700" cap="flat" cmpd="sng" algn="ctr">
+                      <a:solidFill>
+                        <a:schemeClr val="tx1"/>
+                      </a:solidFill>
+                      <a:prstDash val="solid"/>
+                      <a:round/>
+                      <a:headEnd type="none" w="med" len="med"/>
+                      <a:tailEnd type="none" w="med" len="med"/>
+                    </a:lnR>
+                    <a:lnT w="12700" cap="flat" cmpd="sng" algn="ctr">
+                      <a:solidFill>
+                        <a:schemeClr val="tx1"/>
+                      </a:solidFill>
+                      <a:prstDash val="solid"/>
+                      <a:round/>
+                      <a:headEnd type="none" w="med" len="med"/>
+                      <a:tailEnd type="none" w="med" len="med"/>
+                    </a:lnT>
+                    <a:lnB w="12700" cap="flat" cmpd="sng" algn="ctr">
+                      <a:solidFill>
+                        <a:schemeClr val="tx1"/>
+                      </a:solidFill>
+                      <a:prstDash val="solid"/>
+                      <a:round/>
+                      <a:headEnd type="none" w="med" len="med"/>
+                      <a:tailEnd type="none" w="med" len="med"/>
+                    </a:lnB>
+                    <a:solidFill>
+                      <a:srgbClr val="4C50BC"/>
+                    </a:solidFill>
+                  </a:tcPr>
+                </a:tc>
+                <a:tc>
+                  <a:txBody>
+                    <a:bodyPr/>
+                    <a:lstStyle/>
+                    <a:p>
+                      <a:pPr latinLnBrk="1"/>
+                      <a:endParaRPr lang="ko-KR" altLang="en-US" sz="2000" dirty="0">
+                        <a:solidFill>
+                          <a:schemeClr val="bg1"/>
+                        </a:solidFill>
+                        <a:ea typeface="G마켓 산스 Medium" panose="02000000000000000000"/>
+                      </a:endParaRPr>
+                    </a:p>
+                  </a:txBody>
+                  <a:tcPr>
+                    <a:lnL w="12700" cap="flat" cmpd="sng" algn="ctr">
+                      <a:solidFill>
+                        <a:schemeClr val="tx1"/>
+                      </a:solidFill>
+                      <a:prstDash val="solid"/>
+                      <a:round/>
+                      <a:headEnd type="none" w="med" len="med"/>
+                      <a:tailEnd type="none" w="med" len="med"/>
+                    </a:lnL>
+                    <a:lnR w="12700" cap="flat" cmpd="sng" algn="ctr">
+                      <a:solidFill>
+                        <a:schemeClr val="tx1"/>
+                      </a:solidFill>
+                      <a:prstDash val="solid"/>
+                      <a:round/>
+                      <a:headEnd type="none" w="med" len="med"/>
+                      <a:tailEnd type="none" w="med" len="med"/>
+                    </a:lnR>
+                    <a:lnT w="12700" cap="flat" cmpd="sng" algn="ctr">
+                      <a:solidFill>
+                        <a:schemeClr val="tx1"/>
+                      </a:solidFill>
+                      <a:prstDash val="solid"/>
+                      <a:round/>
+                      <a:headEnd type="none" w="med" len="med"/>
+                      <a:tailEnd type="none" w="med" len="med"/>
+                    </a:lnT>
+                    <a:lnB w="12700" cap="flat" cmpd="sng" algn="ctr">
+                      <a:solidFill>
+                        <a:schemeClr val="tx1"/>
+                      </a:solidFill>
+                      <a:prstDash val="solid"/>
+                      <a:round/>
+                      <a:headEnd type="none" w="med" len="med"/>
+                      <a:tailEnd type="none" w="med" len="med"/>
+                    </a:lnB>
+                    <a:solidFill>
+                      <a:srgbClr val="4C50BC"/>
+                    </a:solidFill>
+                  </a:tcPr>
+                </a:tc>
+              </a:tr>
+              <a:tr h="447162">
+                <a:tc>
+                  <a:txBody>
+                    <a:bodyPr/>
+                    <a:lstStyle/>
+                    <a:p>
+                      <a:pPr latinLnBrk="1"/>
+                      <a:r>
+                        <a:rPr lang="ko-KR" altLang="en-US" sz="2200" dirty="0">
+                          <a:ea typeface="G마켓 산스 Medium" panose="02000000000000000000"/>
+                        </a:rPr>
+                        <a:t>멤버변수</a:t>
+                      </a:r>
+                    </a:p>
+                  </a:txBody>
+                  <a:tcPr>
+                    <a:lnL w="12700" cap="flat" cmpd="sng" algn="ctr">
+                      <a:solidFill>
+                        <a:schemeClr val="tx1"/>
+                      </a:solidFill>
+                      <a:prstDash val="solid"/>
+                      <a:round/>
+                      <a:headEnd type="none" w="med" len="med"/>
+                      <a:tailEnd type="none" w="med" len="med"/>
+                    </a:lnL>
+                    <a:lnR w="12700" cap="flat" cmpd="sng" algn="ctr">
+                      <a:solidFill>
+                        <a:schemeClr val="tx1"/>
+                      </a:solidFill>
+                      <a:prstDash val="solid"/>
+                      <a:round/>
+                      <a:headEnd type="none" w="med" len="med"/>
+                      <a:tailEnd type="none" w="med" len="med"/>
+                    </a:lnR>
+                    <a:lnT w="12700" cap="flat" cmpd="sng" algn="ctr">
+                      <a:solidFill>
+                        <a:schemeClr val="tx1"/>
+                      </a:solidFill>
+                      <a:prstDash val="solid"/>
+                      <a:round/>
+                      <a:headEnd type="none" w="med" len="med"/>
+                      <a:tailEnd type="none" w="med" len="med"/>
+                    </a:lnT>
+                    <a:lnB w="12700" cap="flat" cmpd="sng" algn="ctr">
+                      <a:solidFill>
+                        <a:schemeClr val="tx1"/>
+                      </a:solidFill>
+                      <a:prstDash val="solid"/>
+                      <a:round/>
+                      <a:headEnd type="none" w="med" len="med"/>
+                      <a:tailEnd type="none" w="med" len="med"/>
+                    </a:lnB>
+                    <a:noFill/>
+                  </a:tcPr>
+                </a:tc>
+                <a:tc>
+                  <a:txBody>
+                    <a:bodyPr/>
+                    <a:lstStyle/>
+                    <a:p>
+                      <a:pPr marL="0" marR="0" lvl="0" indent="0" algn="l" defTabSz="914400" rtl="0" eaLnBrk="1" fontAlgn="auto" latinLnBrk="1" hangingPunct="1">
+                        <a:lnSpc>
+                          <a:spcPct val="100000"/>
+                        </a:lnSpc>
+                        <a:spcBef>
+                          <a:spcPts val="0"/>
+                        </a:spcBef>
+                        <a:spcAft>
+                          <a:spcPts val="0"/>
+                        </a:spcAft>
+                        <a:buClrTx/>
+                        <a:buSzTx/>
+                        <a:buFontTx/>
+                        <a:buNone/>
+                        <a:tabLst/>
+                        <a:defRPr/>
+                      </a:pPr>
+                      <a:r>
+                        <a:rPr lang="en-US" altLang="ko-KR" sz="2200" dirty="0">
+                          <a:ea typeface="G마켓 산스 Medium" panose="02000000000000000000"/>
+                        </a:rPr>
+                        <a:t>int hp</a:t>
+                      </a:r>
+                      <a:endParaRPr lang="ko-KR" altLang="en-US" sz="2200" dirty="0">
+                        <a:ea typeface="G마켓 산스 Medium" panose="02000000000000000000"/>
+                      </a:endParaRPr>
+                    </a:p>
+                  </a:txBody>
+                  <a:tcPr>
+                    <a:lnL w="12700" cap="flat" cmpd="sng" algn="ctr">
+                      <a:solidFill>
+                        <a:schemeClr val="tx1"/>
+                      </a:solidFill>
+                      <a:prstDash val="solid"/>
+                      <a:round/>
+                      <a:headEnd type="none" w="med" len="med"/>
+                      <a:tailEnd type="none" w="med" len="med"/>
+                    </a:lnL>
+                    <a:lnR w="12700" cap="flat" cmpd="sng" algn="ctr">
+                      <a:solidFill>
+                        <a:schemeClr val="tx1"/>
+                      </a:solidFill>
+                      <a:prstDash val="solid"/>
+                      <a:round/>
+                      <a:headEnd type="none" w="med" len="med"/>
+                      <a:tailEnd type="none" w="med" len="med"/>
+                    </a:lnR>
+                    <a:lnT w="12700" cap="flat" cmpd="sng" algn="ctr">
+                      <a:solidFill>
+                        <a:schemeClr val="tx1"/>
+                      </a:solidFill>
+                      <a:prstDash val="solid"/>
+                      <a:round/>
+                      <a:headEnd type="none" w="med" len="med"/>
+                      <a:tailEnd type="none" w="med" len="med"/>
+                    </a:lnT>
+                    <a:lnB w="12700" cap="flat" cmpd="sng" algn="ctr">
+                      <a:solidFill>
+                        <a:schemeClr val="tx1"/>
+                      </a:solidFill>
+                      <a:prstDash val="solid"/>
+                      <a:round/>
+                      <a:headEnd type="none" w="med" len="med"/>
+                      <a:tailEnd type="none" w="med" len="med"/>
+                    </a:lnB>
+                    <a:noFill/>
+                  </a:tcPr>
+                </a:tc>
+                <a:tc>
+                  <a:txBody>
+                    <a:bodyPr/>
+                    <a:lstStyle/>
+                    <a:p>
+                      <a:pPr marL="0" marR="0" lvl="0" indent="0" algn="l" defTabSz="914400" rtl="0" eaLnBrk="1" fontAlgn="auto" latinLnBrk="1" hangingPunct="1">
+                        <a:lnSpc>
+                          <a:spcPct val="100000"/>
+                        </a:lnSpc>
+                        <a:spcBef>
+                          <a:spcPts val="0"/>
+                        </a:spcBef>
+                        <a:spcAft>
+                          <a:spcPts val="0"/>
+                        </a:spcAft>
+                        <a:buClrTx/>
+                        <a:buSzTx/>
+                        <a:buFontTx/>
+                        <a:buNone/>
+                        <a:tabLst/>
+                        <a:defRPr/>
+                      </a:pPr>
+                      <a:r>
+                        <a:rPr lang="en-US" altLang="ko-KR" sz="2000" dirty="0">
+                          <a:ea typeface="G마켓 산스 Medium" panose="02000000000000000000"/>
+                        </a:rPr>
+                        <a:t>40</a:t>
+                      </a:r>
+                      <a:endParaRPr lang="ko-KR" altLang="en-US" sz="2000" dirty="0">
+                        <a:ea typeface="G마켓 산스 Medium" panose="02000000000000000000"/>
+                      </a:endParaRPr>
+                    </a:p>
+                  </a:txBody>
+                  <a:tcPr>
+                    <a:lnL w="12700" cap="flat" cmpd="sng" algn="ctr">
+                      <a:solidFill>
+                        <a:schemeClr val="tx1"/>
+                      </a:solidFill>
+                      <a:prstDash val="solid"/>
+                      <a:round/>
+                      <a:headEnd type="none" w="med" len="med"/>
+                      <a:tailEnd type="none" w="med" len="med"/>
+                    </a:lnL>
+                    <a:lnR w="12700" cap="flat" cmpd="sng" algn="ctr">
+                      <a:solidFill>
+                        <a:schemeClr val="tx1"/>
+                      </a:solidFill>
+                      <a:prstDash val="solid"/>
+                      <a:round/>
+                      <a:headEnd type="none" w="med" len="med"/>
+                      <a:tailEnd type="none" w="med" len="med"/>
+                    </a:lnR>
+                    <a:lnT w="12700" cap="flat" cmpd="sng" algn="ctr">
+                      <a:solidFill>
+                        <a:schemeClr val="tx1"/>
+                      </a:solidFill>
+                      <a:prstDash val="solid"/>
+                      <a:round/>
+                      <a:headEnd type="none" w="med" len="med"/>
+                      <a:tailEnd type="none" w="med" len="med"/>
+                    </a:lnT>
+                    <a:lnB w="12700" cap="flat" cmpd="sng" algn="ctr">
+                      <a:solidFill>
+                        <a:schemeClr val="tx1"/>
+                      </a:solidFill>
+                      <a:prstDash val="solid"/>
+                      <a:round/>
+                      <a:headEnd type="none" w="med" len="med"/>
+                      <a:tailEnd type="none" w="med" len="med"/>
+                    </a:lnB>
+                    <a:noFill/>
+                  </a:tcPr>
+                </a:tc>
+              </a:tr>
+              <a:tr h="447162">
+                <a:tc>
+                  <a:txBody>
+                    <a:bodyPr/>
+                    <a:lstStyle/>
+                    <a:p>
+                      <a:pPr latinLnBrk="1"/>
+                      <a:endParaRPr lang="ko-KR" altLang="en-US" sz="2200" dirty="0">
+                        <a:ea typeface="G마켓 산스 Medium" panose="02000000000000000000"/>
+                      </a:endParaRPr>
+                    </a:p>
+                  </a:txBody>
+                  <a:tcPr>
+                    <a:lnL w="12700" cap="flat" cmpd="sng" algn="ctr">
+                      <a:solidFill>
+                        <a:schemeClr val="tx1"/>
+                      </a:solidFill>
+                      <a:prstDash val="solid"/>
+                      <a:round/>
+                      <a:headEnd type="none" w="med" len="med"/>
+                      <a:tailEnd type="none" w="med" len="med"/>
+                    </a:lnL>
+                    <a:lnR w="12700" cap="flat" cmpd="sng" algn="ctr">
+                      <a:solidFill>
+                        <a:schemeClr val="tx1"/>
+                      </a:solidFill>
+                      <a:prstDash val="solid"/>
+                      <a:round/>
+                      <a:headEnd type="none" w="med" len="med"/>
+                      <a:tailEnd type="none" w="med" len="med"/>
+                    </a:lnR>
+                    <a:lnT w="12700" cap="flat" cmpd="sng" algn="ctr">
+                      <a:solidFill>
+                        <a:schemeClr val="tx1"/>
+                      </a:solidFill>
+                      <a:prstDash val="solid"/>
+                      <a:round/>
+                      <a:headEnd type="none" w="med" len="med"/>
+                      <a:tailEnd type="none" w="med" len="med"/>
+                    </a:lnT>
+                    <a:lnB w="12700" cap="flat" cmpd="sng" algn="ctr">
+                      <a:solidFill>
+                        <a:schemeClr val="tx1"/>
+                      </a:solidFill>
+                      <a:prstDash val="solid"/>
+                      <a:round/>
+                      <a:headEnd type="none" w="med" len="med"/>
+                      <a:tailEnd type="none" w="med" len="med"/>
+                    </a:lnB>
+                    <a:noFill/>
+                  </a:tcPr>
+                </a:tc>
+                <a:tc>
+                  <a:txBody>
+                    <a:bodyPr/>
+                    <a:lstStyle/>
+                    <a:p>
+                      <a:pPr latinLnBrk="1"/>
+                      <a:r>
+                        <a:rPr lang="en-US" altLang="ko-KR" sz="2200" dirty="0">
+                          <a:ea typeface="G마켓 산스 Medium" panose="02000000000000000000"/>
+                        </a:rPr>
+                        <a:t>int power</a:t>
+                      </a:r>
+                      <a:endParaRPr lang="ko-KR" altLang="en-US" sz="2200" dirty="0">
+                        <a:ea typeface="G마켓 산스 Medium" panose="02000000000000000000"/>
+                      </a:endParaRPr>
+                    </a:p>
+                  </a:txBody>
+                  <a:tcPr>
+                    <a:lnL w="12700" cap="flat" cmpd="sng" algn="ctr">
+                      <a:solidFill>
+                        <a:schemeClr val="tx1"/>
+                      </a:solidFill>
+                      <a:prstDash val="solid"/>
+                      <a:round/>
+                      <a:headEnd type="none" w="med" len="med"/>
+                      <a:tailEnd type="none" w="med" len="med"/>
+                    </a:lnL>
+                    <a:lnR w="12700" cap="flat" cmpd="sng" algn="ctr">
+                      <a:solidFill>
+                        <a:schemeClr val="tx1"/>
+                      </a:solidFill>
+                      <a:prstDash val="solid"/>
+                      <a:round/>
+                      <a:headEnd type="none" w="med" len="med"/>
+                      <a:tailEnd type="none" w="med" len="med"/>
+                    </a:lnR>
+                    <a:lnT w="12700" cap="flat" cmpd="sng" algn="ctr">
+                      <a:solidFill>
+                        <a:schemeClr val="tx1"/>
+                      </a:solidFill>
+                      <a:prstDash val="solid"/>
+                      <a:round/>
+                      <a:headEnd type="none" w="med" len="med"/>
+                      <a:tailEnd type="none" w="med" len="med"/>
+                    </a:lnT>
+                    <a:lnB w="12700" cap="flat" cmpd="sng" algn="ctr">
+                      <a:solidFill>
+                        <a:schemeClr val="tx1"/>
+                      </a:solidFill>
+                      <a:prstDash val="solid"/>
+                      <a:round/>
+                      <a:headEnd type="none" w="med" len="med"/>
+                      <a:tailEnd type="none" w="med" len="med"/>
+                    </a:lnB>
+                    <a:noFill/>
+                  </a:tcPr>
+                </a:tc>
+                <a:tc>
+                  <a:txBody>
+                    <a:bodyPr/>
+                    <a:lstStyle/>
+                    <a:p>
+                      <a:pPr latinLnBrk="1"/>
+                      <a:r>
+                        <a:rPr lang="en-US" altLang="ko-KR" sz="2000" smtClean="0">
+                          <a:ea typeface="G마켓 산스 Medium" panose="02000000000000000000"/>
+                        </a:rPr>
+                        <a:t>5</a:t>
+                      </a:r>
+                      <a:endParaRPr lang="ko-KR" altLang="en-US" sz="2000" dirty="0">
+                        <a:ea typeface="G마켓 산스 Medium" panose="02000000000000000000"/>
+                      </a:endParaRPr>
+                    </a:p>
+                  </a:txBody>
+                  <a:tcPr>
+                    <a:lnL w="12700" cap="flat" cmpd="sng" algn="ctr">
+                      <a:solidFill>
+                        <a:schemeClr val="tx1"/>
+                      </a:solidFill>
+                      <a:prstDash val="solid"/>
+                      <a:round/>
+                      <a:headEnd type="none" w="med" len="med"/>
+                      <a:tailEnd type="none" w="med" len="med"/>
+                    </a:lnL>
+                    <a:lnR w="12700" cap="flat" cmpd="sng" algn="ctr">
+                      <a:solidFill>
+                        <a:schemeClr val="tx1"/>
+                      </a:solidFill>
+                      <a:prstDash val="solid"/>
+                      <a:round/>
+                      <a:headEnd type="none" w="med" len="med"/>
+                      <a:tailEnd type="none" w="med" len="med"/>
+                    </a:lnR>
+                    <a:lnT w="12700" cap="flat" cmpd="sng" algn="ctr">
+                      <a:solidFill>
+                        <a:schemeClr val="tx1"/>
+                      </a:solidFill>
+                      <a:prstDash val="solid"/>
+                      <a:round/>
+                      <a:headEnd type="none" w="med" len="med"/>
+                      <a:tailEnd type="none" w="med" len="med"/>
+                    </a:lnT>
+                    <a:lnB w="12700" cap="flat" cmpd="sng" algn="ctr">
+                      <a:solidFill>
+                        <a:schemeClr val="tx1"/>
+                      </a:solidFill>
+                      <a:prstDash val="solid"/>
+                      <a:round/>
+                      <a:headEnd type="none" w="med" len="med"/>
+                      <a:tailEnd type="none" w="med" len="med"/>
+                    </a:lnB>
+                    <a:noFill/>
+                  </a:tcPr>
+                </a:tc>
+              </a:tr>
+              <a:tr h="447162">
+                <a:tc>
+                  <a:txBody>
+                    <a:bodyPr/>
+                    <a:lstStyle/>
+                    <a:p>
+                      <a:pPr latinLnBrk="1"/>
+                      <a:endParaRPr lang="ko-KR" altLang="en-US" sz="2200" dirty="0">
+                        <a:ea typeface="G마켓 산스 Medium" panose="02000000000000000000"/>
+                      </a:endParaRPr>
+                    </a:p>
+                  </a:txBody>
+                  <a:tcPr>
+                    <a:lnL w="12700" cap="flat" cmpd="sng" algn="ctr">
+                      <a:solidFill>
+                        <a:schemeClr val="tx1"/>
+                      </a:solidFill>
+                      <a:prstDash val="solid"/>
+                      <a:round/>
+                      <a:headEnd type="none" w="med" len="med"/>
+                      <a:tailEnd type="none" w="med" len="med"/>
+                    </a:lnL>
+                    <a:lnR w="12700" cap="flat" cmpd="sng" algn="ctr">
+                      <a:solidFill>
+                        <a:schemeClr val="tx1"/>
+                      </a:solidFill>
+                      <a:prstDash val="solid"/>
+                      <a:round/>
+                      <a:headEnd type="none" w="med" len="med"/>
+                      <a:tailEnd type="none" w="med" len="med"/>
+                    </a:lnR>
+                    <a:lnT w="12700" cap="flat" cmpd="sng" algn="ctr">
+                      <a:solidFill>
+                        <a:schemeClr val="tx1"/>
+                      </a:solidFill>
+                      <a:prstDash val="solid"/>
+                      <a:round/>
+                      <a:headEnd type="none" w="med" len="med"/>
+                      <a:tailEnd type="none" w="med" len="med"/>
+                    </a:lnT>
+                    <a:lnB w="12700" cap="flat" cmpd="sng" algn="ctr">
+                      <a:solidFill>
+                        <a:schemeClr val="tx1"/>
+                      </a:solidFill>
+                      <a:prstDash val="solid"/>
+                      <a:round/>
+                      <a:headEnd type="none" w="med" len="med"/>
+                      <a:tailEnd type="none" w="med" len="med"/>
+                    </a:lnB>
+                    <a:noFill/>
+                  </a:tcPr>
+                </a:tc>
+                <a:tc>
+                  <a:txBody>
+                    <a:bodyPr/>
+                    <a:lstStyle/>
+                    <a:p>
+                      <a:pPr latinLnBrk="1"/>
+                      <a:r>
+                        <a:rPr lang="en-US" altLang="ko-KR" sz="2200" dirty="0">
+                          <a:ea typeface="G마켓 산스 Medium" panose="02000000000000000000"/>
+                        </a:rPr>
+                        <a:t>int armor</a:t>
+                      </a:r>
+                      <a:endParaRPr lang="ko-KR" altLang="en-US" sz="2200" dirty="0">
+                        <a:ea typeface="G마켓 산스 Medium" panose="02000000000000000000"/>
+                      </a:endParaRPr>
+                    </a:p>
+                  </a:txBody>
+                  <a:tcPr>
+                    <a:lnL w="12700" cap="flat" cmpd="sng" algn="ctr">
+                      <a:solidFill>
+                        <a:schemeClr val="tx1"/>
+                      </a:solidFill>
+                      <a:prstDash val="solid"/>
+                      <a:round/>
+                      <a:headEnd type="none" w="med" len="med"/>
+                      <a:tailEnd type="none" w="med" len="med"/>
+                    </a:lnL>
+                    <a:lnR w="12700" cap="flat" cmpd="sng" algn="ctr">
+                      <a:solidFill>
+                        <a:schemeClr val="tx1"/>
+                      </a:solidFill>
+                      <a:prstDash val="solid"/>
+                      <a:round/>
+                      <a:headEnd type="none" w="med" len="med"/>
+                      <a:tailEnd type="none" w="med" len="med"/>
+                    </a:lnR>
+                    <a:lnT w="12700" cap="flat" cmpd="sng" algn="ctr">
+                      <a:solidFill>
+                        <a:schemeClr val="tx1"/>
+                      </a:solidFill>
+                      <a:prstDash val="solid"/>
+                      <a:round/>
+                      <a:headEnd type="none" w="med" len="med"/>
+                      <a:tailEnd type="none" w="med" len="med"/>
+                    </a:lnT>
+                    <a:lnB w="12700" cap="flat" cmpd="sng" algn="ctr">
+                      <a:solidFill>
+                        <a:schemeClr val="tx1"/>
+                      </a:solidFill>
+                      <a:prstDash val="solid"/>
+                      <a:round/>
+                      <a:headEnd type="none" w="med" len="med"/>
+                      <a:tailEnd type="none" w="med" len="med"/>
+                    </a:lnB>
+                    <a:noFill/>
+                  </a:tcPr>
+                </a:tc>
+                <a:tc>
+                  <a:txBody>
+                    <a:bodyPr/>
+                    <a:lstStyle/>
+                    <a:p>
+                      <a:pPr latinLnBrk="1"/>
+                      <a:r>
+                        <a:rPr lang="en-US" altLang="ko-KR" sz="2000" dirty="0">
+                          <a:ea typeface="G마켓 산스 Medium" panose="02000000000000000000"/>
+                        </a:rPr>
+                        <a:t>0</a:t>
+                      </a:r>
+                      <a:endParaRPr lang="ko-KR" altLang="en-US" sz="2000" dirty="0">
+                        <a:ea typeface="G마켓 산스 Medium" panose="02000000000000000000"/>
+                      </a:endParaRPr>
+                    </a:p>
+                  </a:txBody>
+                  <a:tcPr>
+                    <a:lnL w="12700" cap="flat" cmpd="sng" algn="ctr">
+                      <a:solidFill>
+                        <a:schemeClr val="tx1"/>
+                      </a:solidFill>
+                      <a:prstDash val="solid"/>
+                      <a:round/>
+                      <a:headEnd type="none" w="med" len="med"/>
+                      <a:tailEnd type="none" w="med" len="med"/>
+                    </a:lnL>
+                    <a:lnR w="12700" cap="flat" cmpd="sng" algn="ctr">
+                      <a:solidFill>
+                        <a:schemeClr val="tx1"/>
+                      </a:solidFill>
+                      <a:prstDash val="solid"/>
+                      <a:round/>
+                      <a:headEnd type="none" w="med" len="med"/>
+                      <a:tailEnd type="none" w="med" len="med"/>
+                    </a:lnR>
+                    <a:lnT w="12700" cap="flat" cmpd="sng" algn="ctr">
+                      <a:solidFill>
+                        <a:schemeClr val="tx1"/>
+                      </a:solidFill>
+                      <a:prstDash val="solid"/>
+                      <a:round/>
+                      <a:headEnd type="none" w="med" len="med"/>
+                      <a:tailEnd type="none" w="med" len="med"/>
+                    </a:lnT>
+                    <a:lnB w="12700" cap="flat" cmpd="sng" algn="ctr">
+                      <a:solidFill>
+                        <a:schemeClr val="tx1"/>
+                      </a:solidFill>
+                      <a:prstDash val="solid"/>
+                      <a:round/>
+                      <a:headEnd type="none" w="med" len="med"/>
+                      <a:tailEnd type="none" w="med" len="med"/>
+                    </a:lnB>
+                    <a:noFill/>
+                  </a:tcPr>
+                </a:tc>
+              </a:tr>
+              <a:tr h="1373425">
+                <a:tc>
+                  <a:txBody>
+                    <a:bodyPr/>
+                    <a:lstStyle/>
+                    <a:p>
+                      <a:pPr marL="0" marR="0" lvl="0" indent="0" algn="l" defTabSz="914400" rtl="0" eaLnBrk="1" fontAlgn="auto" latinLnBrk="1" hangingPunct="1">
+                        <a:lnSpc>
+                          <a:spcPct val="100000"/>
+                        </a:lnSpc>
+                        <a:spcBef>
+                          <a:spcPts val="0"/>
+                        </a:spcBef>
+                        <a:spcAft>
+                          <a:spcPts val="0"/>
+                        </a:spcAft>
+                        <a:buClrTx/>
+                        <a:buSzTx/>
+                        <a:buFontTx/>
+                        <a:buNone/>
+                        <a:tabLst/>
+                        <a:defRPr/>
+                      </a:pPr>
+                      <a:r>
+                        <a:rPr lang="ko-KR" altLang="en-US" sz="2200" dirty="0">
+                          <a:ea typeface="G마켓 산스 Medium" panose="02000000000000000000"/>
+                        </a:rPr>
+                        <a:t>메서드</a:t>
+                      </a:r>
+                    </a:p>
+                  </a:txBody>
+                  <a:tcPr>
+                    <a:lnL w="12700" cap="flat" cmpd="sng" algn="ctr">
+                      <a:solidFill>
+                        <a:schemeClr val="tx1"/>
+                      </a:solidFill>
+                      <a:prstDash val="solid"/>
+                      <a:round/>
+                      <a:headEnd type="none" w="med" len="med"/>
+                      <a:tailEnd type="none" w="med" len="med"/>
+                    </a:lnL>
+                    <a:lnR w="12700" cap="flat" cmpd="sng" algn="ctr">
+                      <a:solidFill>
+                        <a:schemeClr val="tx1"/>
+                      </a:solidFill>
+                      <a:prstDash val="solid"/>
+                      <a:round/>
+                      <a:headEnd type="none" w="med" len="med"/>
+                      <a:tailEnd type="none" w="med" len="med"/>
+                    </a:lnR>
+                    <a:lnT w="12700" cap="flat" cmpd="sng" algn="ctr">
+                      <a:solidFill>
+                        <a:schemeClr val="tx1"/>
+                      </a:solidFill>
+                      <a:prstDash val="solid"/>
+                      <a:round/>
+                      <a:headEnd type="none" w="med" len="med"/>
+                      <a:tailEnd type="none" w="med" len="med"/>
+                    </a:lnT>
+                    <a:lnB w="12700" cap="flat" cmpd="sng" algn="ctr">
+                      <a:solidFill>
+                        <a:schemeClr val="tx1"/>
+                      </a:solidFill>
+                      <a:prstDash val="solid"/>
+                      <a:round/>
+                      <a:headEnd type="none" w="med" len="med"/>
+                      <a:tailEnd type="none" w="med" len="med"/>
+                    </a:lnB>
+                    <a:noFill/>
+                  </a:tcPr>
+                </a:tc>
+                <a:tc>
+                  <a:txBody>
+                    <a:bodyPr/>
+                    <a:lstStyle/>
+                    <a:p>
+                      <a:pPr latinLnBrk="1"/>
+                      <a:r>
+                        <a:rPr lang="en-US" altLang="ko-KR" sz="2200" dirty="0" err="1">
+                          <a:ea typeface="G마켓 산스 Medium" panose="02000000000000000000"/>
+                        </a:rPr>
+                        <a:t>powerUp</a:t>
+                      </a:r>
+                      <a:r>
+                        <a:rPr lang="en-US" altLang="ko-KR" sz="2200" dirty="0">
+                          <a:ea typeface="G마켓 산스 Medium" panose="02000000000000000000"/>
+                        </a:rPr>
+                        <a:t>()</a:t>
+                      </a:r>
+                      <a:endParaRPr lang="ko-KR" altLang="en-US" sz="2200" dirty="0">
+                        <a:ea typeface="G마켓 산스 Medium" panose="02000000000000000000"/>
+                      </a:endParaRPr>
+                    </a:p>
+                  </a:txBody>
+                  <a:tcPr>
+                    <a:lnL w="12700" cap="flat" cmpd="sng" algn="ctr">
+                      <a:solidFill>
+                        <a:schemeClr val="tx1"/>
+                      </a:solidFill>
+                      <a:prstDash val="solid"/>
+                      <a:round/>
+                      <a:headEnd type="none" w="med" len="med"/>
+                      <a:tailEnd type="none" w="med" len="med"/>
+                    </a:lnL>
+                    <a:lnR w="12700" cap="flat" cmpd="sng" algn="ctr">
+                      <a:solidFill>
+                        <a:schemeClr val="tx1"/>
+                      </a:solidFill>
+                      <a:prstDash val="solid"/>
+                      <a:round/>
+                      <a:headEnd type="none" w="med" len="med"/>
+                      <a:tailEnd type="none" w="med" len="med"/>
+                    </a:lnR>
+                    <a:lnT w="12700" cap="flat" cmpd="sng" algn="ctr">
+                      <a:solidFill>
+                        <a:schemeClr val="tx1"/>
+                      </a:solidFill>
+                      <a:prstDash val="solid"/>
+                      <a:round/>
+                      <a:headEnd type="none" w="med" len="med"/>
+                      <a:tailEnd type="none" w="med" len="med"/>
+                    </a:lnT>
+                    <a:lnB w="12700" cap="flat" cmpd="sng" algn="ctr">
+                      <a:solidFill>
+                        <a:schemeClr val="tx1"/>
+                      </a:solidFill>
+                      <a:prstDash val="solid"/>
+                      <a:round/>
+                      <a:headEnd type="none" w="med" len="med"/>
+                      <a:tailEnd type="none" w="med" len="med"/>
+                    </a:lnB>
+                    <a:noFill/>
+                  </a:tcPr>
+                </a:tc>
+                <a:tc>
+                  <a:txBody>
+                    <a:bodyPr/>
+                    <a:lstStyle/>
+                    <a:p>
+                      <a:pPr latinLnBrk="1"/>
+                      <a:r>
+                        <a:rPr lang="ko-KR" altLang="en-US" sz="2000" dirty="0">
+                          <a:ea typeface="G마켓 산스 Medium" panose="02000000000000000000"/>
+                        </a:rPr>
+                        <a:t>매개변수</a:t>
+                      </a:r>
+                      <a:r>
+                        <a:rPr lang="en-US" altLang="ko-KR" sz="2000" dirty="0">
+                          <a:ea typeface="G마켓 산스 Medium" panose="02000000000000000000"/>
+                        </a:rPr>
+                        <a:t>:</a:t>
+                      </a:r>
+                      <a:r>
+                        <a:rPr lang="ko-KR" altLang="en-US" sz="2000" dirty="0">
+                          <a:ea typeface="G마켓 산스 Medium" panose="02000000000000000000"/>
+                        </a:rPr>
+                        <a:t>없음</a:t>
+                      </a:r>
+                      <a:endParaRPr lang="en-US" altLang="ko-KR" sz="2000" dirty="0">
+                        <a:ea typeface="G마켓 산스 Medium" panose="02000000000000000000"/>
+                      </a:endParaRPr>
+                    </a:p>
+                    <a:p>
+                      <a:pPr latinLnBrk="1"/>
+                      <a:r>
+                        <a:rPr lang="ko-KR" altLang="en-US" sz="2000" dirty="0">
+                          <a:ea typeface="G마켓 산스 Medium" panose="02000000000000000000"/>
+                        </a:rPr>
+                        <a:t>내용</a:t>
+                      </a:r>
+                      <a:r>
+                        <a:rPr lang="en-US" altLang="ko-KR" sz="2000" dirty="0">
+                          <a:ea typeface="G마켓 산스 Medium" panose="02000000000000000000"/>
+                        </a:rPr>
+                        <a:t>: </a:t>
+                      </a:r>
+                      <a:r>
+                        <a:rPr lang="ko-KR" altLang="en-US" sz="2000" dirty="0">
+                          <a:ea typeface="G마켓 산스 Medium" panose="02000000000000000000"/>
+                        </a:rPr>
+                        <a:t>모든 유닛의</a:t>
+                      </a:r>
+                      <a:r>
+                        <a:rPr lang="en-US" altLang="ko-KR" sz="2000" dirty="0">
+                          <a:ea typeface="G마켓 산스 Medium" panose="02000000000000000000"/>
+                        </a:rPr>
+                        <a:t>power</a:t>
+                      </a:r>
+                      <a:r>
+                        <a:rPr lang="ko-KR" altLang="en-US" sz="2000" dirty="0">
+                          <a:ea typeface="G마켓 산스 Medium" panose="02000000000000000000"/>
+                        </a:rPr>
+                        <a:t>를 </a:t>
+                      </a:r>
+                      <a:r>
+                        <a:rPr lang="en-US" altLang="ko-KR" sz="2000" dirty="0">
+                          <a:ea typeface="G마켓 산스 Medium" panose="02000000000000000000"/>
+                        </a:rPr>
+                        <a:t>1</a:t>
+                      </a:r>
+                      <a:r>
+                        <a:rPr lang="ko-KR" altLang="en-US" sz="2000" dirty="0">
+                          <a:ea typeface="G마켓 산스 Medium" panose="02000000000000000000"/>
+                        </a:rPr>
+                        <a:t>증가 시킨다</a:t>
+                      </a:r>
+                      <a:r>
+                        <a:rPr lang="en-US" altLang="ko-KR" sz="2000" dirty="0">
+                          <a:ea typeface="G마켓 산스 Medium" panose="02000000000000000000"/>
+                        </a:rPr>
+                        <a:t>.</a:t>
+                      </a:r>
+                    </a:p>
+                    <a:p>
+                      <a:pPr latinLnBrk="1"/>
+                      <a:r>
+                        <a:rPr lang="ko-KR" altLang="en-US" sz="2000" dirty="0">
+                          <a:ea typeface="G마켓 산스 Medium" panose="02000000000000000000"/>
+                        </a:rPr>
+                        <a:t>리턴</a:t>
+                      </a:r>
+                      <a:r>
+                        <a:rPr lang="en-US" altLang="ko-KR" sz="2000" dirty="0">
+                          <a:ea typeface="G마켓 산스 Medium" panose="02000000000000000000"/>
+                        </a:rPr>
+                        <a:t>:</a:t>
+                      </a:r>
+                      <a:r>
+                        <a:rPr lang="ko-KR" altLang="en-US" sz="2000" dirty="0">
+                          <a:ea typeface="G마켓 산스 Medium" panose="02000000000000000000"/>
+                        </a:rPr>
+                        <a:t>없음</a:t>
+                      </a:r>
+                    </a:p>
+                  </a:txBody>
+                  <a:tcPr>
+                    <a:lnL w="12700" cap="flat" cmpd="sng" algn="ctr">
+                      <a:solidFill>
+                        <a:schemeClr val="tx1"/>
+                      </a:solidFill>
+                      <a:prstDash val="solid"/>
+                      <a:round/>
+                      <a:headEnd type="none" w="med" len="med"/>
+                      <a:tailEnd type="none" w="med" len="med"/>
+                    </a:lnL>
+                    <a:lnR w="12700" cap="flat" cmpd="sng" algn="ctr">
+                      <a:solidFill>
+                        <a:schemeClr val="tx1"/>
+                      </a:solidFill>
+                      <a:prstDash val="solid"/>
+                      <a:round/>
+                      <a:headEnd type="none" w="med" len="med"/>
+                      <a:tailEnd type="none" w="med" len="med"/>
+                    </a:lnR>
+                    <a:lnT w="12700" cap="flat" cmpd="sng" algn="ctr">
+                      <a:solidFill>
+                        <a:schemeClr val="tx1"/>
+                      </a:solidFill>
+                      <a:prstDash val="solid"/>
+                      <a:round/>
+                      <a:headEnd type="none" w="med" len="med"/>
+                      <a:tailEnd type="none" w="med" len="med"/>
+                    </a:lnT>
+                    <a:lnB w="12700" cap="flat" cmpd="sng" algn="ctr">
+                      <a:solidFill>
+                        <a:schemeClr val="tx1"/>
+                      </a:solidFill>
+                      <a:prstDash val="solid"/>
+                      <a:round/>
+                      <a:headEnd type="none" w="med" len="med"/>
+                      <a:tailEnd type="none" w="med" len="med"/>
+                    </a:lnB>
+                    <a:noFill/>
+                  </a:tcPr>
+                </a:tc>
+              </a:tr>
+              <a:tr h="1373425">
+                <a:tc>
+                  <a:txBody>
+                    <a:bodyPr/>
+                    <a:lstStyle/>
+                    <a:p>
+                      <a:pPr latinLnBrk="1"/>
+                      <a:endParaRPr lang="ko-KR" altLang="en-US" sz="2200" dirty="0">
+                        <a:ea typeface="G마켓 산스 Medium" panose="02000000000000000000"/>
+                      </a:endParaRPr>
+                    </a:p>
+                  </a:txBody>
+                  <a:tcPr>
+                    <a:lnL w="12700" cap="flat" cmpd="sng" algn="ctr">
+                      <a:solidFill>
+                        <a:schemeClr val="tx1"/>
+                      </a:solidFill>
+                      <a:prstDash val="solid"/>
+                      <a:round/>
+                      <a:headEnd type="none" w="med" len="med"/>
+                      <a:tailEnd type="none" w="med" len="med"/>
+                    </a:lnL>
+                    <a:lnR w="12700" cap="flat" cmpd="sng" algn="ctr">
+                      <a:solidFill>
+                        <a:schemeClr val="tx1"/>
+                      </a:solidFill>
+                      <a:prstDash val="solid"/>
+                      <a:round/>
+                      <a:headEnd type="none" w="med" len="med"/>
+                      <a:tailEnd type="none" w="med" len="med"/>
+                    </a:lnR>
+                    <a:lnT w="12700" cap="flat" cmpd="sng" algn="ctr">
+                      <a:solidFill>
+                        <a:schemeClr val="tx1"/>
+                      </a:solidFill>
+                      <a:prstDash val="solid"/>
+                      <a:round/>
+                      <a:headEnd type="none" w="med" len="med"/>
+                      <a:tailEnd type="none" w="med" len="med"/>
+                    </a:lnT>
+                    <a:lnB w="12700" cap="flat" cmpd="sng" algn="ctr">
+                      <a:solidFill>
+                        <a:schemeClr val="tx1"/>
+                      </a:solidFill>
+                      <a:prstDash val="solid"/>
+                      <a:round/>
+                      <a:headEnd type="none" w="med" len="med"/>
+                      <a:tailEnd type="none" w="med" len="med"/>
+                    </a:lnB>
+                    <a:noFill/>
+                  </a:tcPr>
+                </a:tc>
+                <a:tc>
+                  <a:txBody>
+                    <a:bodyPr/>
+                    <a:lstStyle/>
+                    <a:p>
+                      <a:pPr latinLnBrk="1"/>
+                      <a:r>
+                        <a:rPr lang="en-US" altLang="ko-KR" sz="2200" dirty="0" err="1">
+                          <a:ea typeface="G마켓 산스 Medium" panose="02000000000000000000"/>
+                        </a:rPr>
+                        <a:t>armorUp</a:t>
+                      </a:r>
+                      <a:r>
+                        <a:rPr lang="en-US" altLang="ko-KR" sz="2200" dirty="0">
+                          <a:ea typeface="G마켓 산스 Medium" panose="02000000000000000000"/>
+                        </a:rPr>
+                        <a:t>()</a:t>
+                      </a:r>
+                      <a:endParaRPr lang="ko-KR" altLang="en-US" sz="2200" dirty="0">
+                        <a:ea typeface="G마켓 산스 Medium" panose="02000000000000000000"/>
+                      </a:endParaRPr>
+                    </a:p>
+                  </a:txBody>
+                  <a:tcPr>
+                    <a:lnL w="12700" cap="flat" cmpd="sng" algn="ctr">
+                      <a:solidFill>
+                        <a:schemeClr val="tx1"/>
+                      </a:solidFill>
+                      <a:prstDash val="solid"/>
+                      <a:round/>
+                      <a:headEnd type="none" w="med" len="med"/>
+                      <a:tailEnd type="none" w="med" len="med"/>
+                    </a:lnL>
+                    <a:lnR w="12700" cap="flat" cmpd="sng" algn="ctr">
+                      <a:solidFill>
+                        <a:schemeClr val="tx1"/>
+                      </a:solidFill>
+                      <a:prstDash val="solid"/>
+                      <a:round/>
+                      <a:headEnd type="none" w="med" len="med"/>
+                      <a:tailEnd type="none" w="med" len="med"/>
+                    </a:lnR>
+                    <a:lnT w="12700" cap="flat" cmpd="sng" algn="ctr">
+                      <a:solidFill>
+                        <a:schemeClr val="tx1"/>
+                      </a:solidFill>
+                      <a:prstDash val="solid"/>
+                      <a:round/>
+                      <a:headEnd type="none" w="med" len="med"/>
+                      <a:tailEnd type="none" w="med" len="med"/>
+                    </a:lnT>
+                    <a:lnB w="12700" cap="flat" cmpd="sng" algn="ctr">
+                      <a:solidFill>
+                        <a:schemeClr val="tx1"/>
+                      </a:solidFill>
+                      <a:prstDash val="solid"/>
+                      <a:round/>
+                      <a:headEnd type="none" w="med" len="med"/>
+                      <a:tailEnd type="none" w="med" len="med"/>
+                    </a:lnB>
+                    <a:noFill/>
+                  </a:tcPr>
+                </a:tc>
+                <a:tc>
+                  <a:txBody>
+                    <a:bodyPr/>
+                    <a:lstStyle/>
+                    <a:p>
+                      <a:pPr latinLnBrk="1"/>
+                      <a:r>
+                        <a:rPr lang="ko-KR" altLang="en-US" sz="2000" dirty="0">
+                          <a:ea typeface="G마켓 산스 Medium" panose="02000000000000000000"/>
+                        </a:rPr>
+                        <a:t>매개변수</a:t>
+                      </a:r>
+                      <a:r>
+                        <a:rPr lang="en-US" altLang="ko-KR" sz="2000" dirty="0">
+                          <a:ea typeface="G마켓 산스 Medium" panose="02000000000000000000"/>
+                        </a:rPr>
+                        <a:t>:</a:t>
+                      </a:r>
+                      <a:r>
+                        <a:rPr lang="ko-KR" altLang="en-US" sz="2000" dirty="0">
+                          <a:ea typeface="G마켓 산스 Medium" panose="02000000000000000000"/>
+                        </a:rPr>
+                        <a:t>없음</a:t>
+                      </a:r>
+                      <a:endParaRPr lang="en-US" altLang="ko-KR" sz="2000" dirty="0">
+                        <a:ea typeface="G마켓 산스 Medium" panose="02000000000000000000"/>
+                      </a:endParaRPr>
+                    </a:p>
+                    <a:p>
+                      <a:pPr latinLnBrk="1"/>
+                      <a:r>
+                        <a:rPr lang="ko-KR" altLang="en-US" sz="2000" dirty="0">
+                          <a:ea typeface="G마켓 산스 Medium" panose="02000000000000000000"/>
+                        </a:rPr>
+                        <a:t>내용</a:t>
+                      </a:r>
+                      <a:r>
+                        <a:rPr lang="en-US" altLang="ko-KR" sz="2000" dirty="0">
+                          <a:ea typeface="G마켓 산스 Medium" panose="02000000000000000000"/>
+                        </a:rPr>
+                        <a:t>: </a:t>
+                      </a:r>
+                      <a:r>
+                        <a:rPr lang="ko-KR" altLang="en-US" sz="2000" dirty="0">
+                          <a:ea typeface="G마켓 산스 Medium" panose="02000000000000000000"/>
+                        </a:rPr>
+                        <a:t>모든 유닛의</a:t>
+                      </a:r>
+                      <a:r>
+                        <a:rPr lang="en-US" altLang="ko-KR" sz="2000" dirty="0">
+                          <a:ea typeface="G마켓 산스 Medium" panose="02000000000000000000"/>
+                        </a:rPr>
+                        <a:t>armor</a:t>
+                      </a:r>
+                      <a:r>
+                        <a:rPr lang="ko-KR" altLang="en-US" sz="2000" dirty="0">
+                          <a:ea typeface="G마켓 산스 Medium" panose="02000000000000000000"/>
+                        </a:rPr>
+                        <a:t>를 </a:t>
+                      </a:r>
+                      <a:r>
+                        <a:rPr lang="en-US" altLang="ko-KR" sz="2000" dirty="0">
+                          <a:ea typeface="G마켓 산스 Medium" panose="02000000000000000000"/>
+                        </a:rPr>
+                        <a:t>1</a:t>
+                      </a:r>
+                      <a:r>
+                        <a:rPr lang="ko-KR" altLang="en-US" sz="2000" dirty="0">
+                          <a:ea typeface="G마켓 산스 Medium" panose="02000000000000000000"/>
+                        </a:rPr>
+                        <a:t>증가 시킨다</a:t>
+                      </a:r>
+                      <a:r>
+                        <a:rPr lang="en-US" altLang="ko-KR" sz="2000" dirty="0">
+                          <a:ea typeface="G마켓 산스 Medium" panose="02000000000000000000"/>
+                        </a:rPr>
+                        <a:t>.</a:t>
+                      </a:r>
+                    </a:p>
+                    <a:p>
+                      <a:pPr latinLnBrk="1"/>
+                      <a:r>
+                        <a:rPr lang="ko-KR" altLang="en-US" sz="2000" dirty="0">
+                          <a:ea typeface="G마켓 산스 Medium" panose="02000000000000000000"/>
+                        </a:rPr>
+                        <a:t>리턴</a:t>
+                      </a:r>
+                      <a:r>
+                        <a:rPr lang="en-US" altLang="ko-KR" sz="2000" dirty="0">
+                          <a:ea typeface="G마켓 산스 Medium" panose="02000000000000000000"/>
+                        </a:rPr>
+                        <a:t>:</a:t>
+                      </a:r>
+                      <a:r>
+                        <a:rPr lang="ko-KR" altLang="en-US" sz="2000" dirty="0">
+                          <a:ea typeface="G마켓 산스 Medium" panose="02000000000000000000"/>
+                        </a:rPr>
+                        <a:t>없음</a:t>
+                      </a:r>
+                    </a:p>
+                  </a:txBody>
+                  <a:tcPr>
+                    <a:lnL w="12700" cap="flat" cmpd="sng" algn="ctr">
+                      <a:solidFill>
+                        <a:schemeClr val="tx1"/>
+                      </a:solidFill>
+                      <a:prstDash val="solid"/>
+                      <a:round/>
+                      <a:headEnd type="none" w="med" len="med"/>
+                      <a:tailEnd type="none" w="med" len="med"/>
+                    </a:lnL>
+                    <a:lnR w="12700" cap="flat" cmpd="sng" algn="ctr">
+                      <a:solidFill>
+                        <a:schemeClr val="tx1"/>
+                      </a:solidFill>
+                      <a:prstDash val="solid"/>
+                      <a:round/>
+                      <a:headEnd type="none" w="med" len="med"/>
+                      <a:tailEnd type="none" w="med" len="med"/>
+                    </a:lnR>
+                    <a:lnT w="12700" cap="flat" cmpd="sng" algn="ctr">
+                      <a:solidFill>
+                        <a:schemeClr val="tx1"/>
+                      </a:solidFill>
+                      <a:prstDash val="solid"/>
+                      <a:round/>
+                      <a:headEnd type="none" w="med" len="med"/>
+                      <a:tailEnd type="none" w="med" len="med"/>
+                    </a:lnT>
+                    <a:lnB w="12700" cap="flat" cmpd="sng" algn="ctr">
+                      <a:solidFill>
+                        <a:schemeClr val="tx1"/>
+                      </a:solidFill>
+                      <a:prstDash val="solid"/>
+                      <a:round/>
+                      <a:headEnd type="none" w="med" len="med"/>
+                      <a:tailEnd type="none" w="med" len="med"/>
+                    </a:lnB>
+                    <a:noFill/>
+                  </a:tcPr>
+                </a:tc>
+              </a:tr>
+              <a:tr h="399252">
+                <a:tc>
+                  <a:txBody>
+                    <a:bodyPr/>
+                    <a:lstStyle/>
+                    <a:p>
+                      <a:pPr latinLnBrk="1"/>
+                      <a:endParaRPr lang="ko-KR" altLang="en-US" sz="2200" dirty="0">
+                        <a:ea typeface="G마켓 산스 Medium" panose="02000000000000000000"/>
+                      </a:endParaRPr>
+                    </a:p>
+                  </a:txBody>
+                  <a:tcPr>
+                    <a:lnL w="12700" cap="flat" cmpd="sng" algn="ctr">
+                      <a:solidFill>
+                        <a:schemeClr val="tx1"/>
+                      </a:solidFill>
+                      <a:prstDash val="solid"/>
+                      <a:round/>
+                      <a:headEnd type="none" w="med" len="med"/>
+                      <a:tailEnd type="none" w="med" len="med"/>
+                    </a:lnL>
+                    <a:lnR w="12700" cap="flat" cmpd="sng" algn="ctr">
+                      <a:solidFill>
+                        <a:schemeClr val="tx1"/>
+                      </a:solidFill>
+                      <a:prstDash val="solid"/>
+                      <a:round/>
+                      <a:headEnd type="none" w="med" len="med"/>
+                      <a:tailEnd type="none" w="med" len="med"/>
+                    </a:lnR>
+                    <a:lnT w="12700" cap="flat" cmpd="sng" algn="ctr">
+                      <a:solidFill>
+                        <a:schemeClr val="tx1"/>
+                      </a:solidFill>
+                      <a:prstDash val="solid"/>
+                      <a:round/>
+                      <a:headEnd type="none" w="med" len="med"/>
+                      <a:tailEnd type="none" w="med" len="med"/>
+                    </a:lnT>
+                    <a:lnB w="12700" cap="flat" cmpd="sng" algn="ctr">
+                      <a:solidFill>
+                        <a:schemeClr val="tx1"/>
+                      </a:solidFill>
+                      <a:prstDash val="solid"/>
+                      <a:round/>
+                      <a:headEnd type="none" w="med" len="med"/>
+                      <a:tailEnd type="none" w="med" len="med"/>
+                    </a:lnB>
+                    <a:noFill/>
+                  </a:tcPr>
+                </a:tc>
+                <a:tc>
+                  <a:txBody>
+                    <a:bodyPr/>
+                    <a:lstStyle/>
+                    <a:p>
+                      <a:pPr latinLnBrk="1"/>
+                      <a:r>
+                        <a:rPr lang="en-US" altLang="ko-KR" sz="2200" smtClean="0">
+                          <a:ea typeface="G마켓 산스 Medium" panose="02000000000000000000"/>
+                        </a:rPr>
+                        <a:t>attack(Marine)</a:t>
+                      </a:r>
+                    </a:p>
+                    <a:p>
+                      <a:pPr marL="0" marR="0" lvl="0" indent="0" algn="l" defTabSz="914400" rtl="0" eaLnBrk="1" fontAlgn="auto" latinLnBrk="1" hangingPunct="1">
+                        <a:lnSpc>
+                          <a:spcPct val="100000"/>
+                        </a:lnSpc>
+                        <a:spcBef>
+                          <a:spcPts val="0"/>
+                        </a:spcBef>
+                        <a:spcAft>
+                          <a:spcPts val="0"/>
+                        </a:spcAft>
+                        <a:buClrTx/>
+                        <a:buSzTx/>
+                        <a:buFontTx/>
+                        <a:buNone/>
+                        <a:tabLst/>
+                        <a:defRPr/>
+                      </a:pPr>
+                      <a:r>
+                        <a:rPr lang="en-US" altLang="ko-KR" sz="2200" smtClean="0">
+                          <a:ea typeface="G마켓 산스 Medium" panose="02000000000000000000"/>
+                        </a:rPr>
+                        <a:t>attack(Zergling)</a:t>
+                      </a:r>
+                      <a:endParaRPr lang="ko-KR" altLang="en-US" sz="2200" smtClean="0">
+                        <a:ea typeface="G마켓 산스 Medium" panose="02000000000000000000"/>
+                      </a:endParaRPr>
+                    </a:p>
+                  </a:txBody>
+                  <a:tcPr>
+                    <a:lnL w="12700" cap="flat" cmpd="sng" algn="ctr">
+                      <a:solidFill>
+                        <a:schemeClr val="tx1"/>
+                      </a:solidFill>
+                      <a:prstDash val="solid"/>
+                      <a:round/>
+                      <a:headEnd type="none" w="med" len="med"/>
+                      <a:tailEnd type="none" w="med" len="med"/>
+                    </a:lnL>
+                    <a:lnR w="12700" cap="flat" cmpd="sng" algn="ctr">
+                      <a:solidFill>
+                        <a:schemeClr val="tx1"/>
+                      </a:solidFill>
+                      <a:prstDash val="solid"/>
+                      <a:round/>
+                      <a:headEnd type="none" w="med" len="med"/>
+                      <a:tailEnd type="none" w="med" len="med"/>
+                    </a:lnR>
+                    <a:lnT w="12700" cap="flat" cmpd="sng" algn="ctr">
+                      <a:solidFill>
+                        <a:schemeClr val="tx1"/>
+                      </a:solidFill>
+                      <a:prstDash val="solid"/>
+                      <a:round/>
+                      <a:headEnd type="none" w="med" len="med"/>
+                      <a:tailEnd type="none" w="med" len="med"/>
+                    </a:lnT>
+                    <a:lnB w="12700" cap="flat" cmpd="sng" algn="ctr">
+                      <a:solidFill>
+                        <a:schemeClr val="tx1"/>
+                      </a:solidFill>
+                      <a:prstDash val="solid"/>
+                      <a:round/>
+                      <a:headEnd type="none" w="med" len="med"/>
+                      <a:tailEnd type="none" w="med" len="med"/>
+                    </a:lnB>
+                    <a:noFill/>
+                  </a:tcPr>
+                </a:tc>
+                <a:tc>
+                  <a:txBody>
+                    <a:bodyPr/>
+                    <a:lstStyle/>
+                    <a:p>
+                      <a:pPr latinLnBrk="1"/>
+                      <a:endParaRPr lang="en-US" altLang="ko-KR" sz="2000" dirty="0">
+                        <a:ea typeface="G마켓 산스 Medium" panose="02000000000000000000"/>
+                      </a:endParaRPr>
+                    </a:p>
+                  </a:txBody>
+                  <a:tcPr>
+                    <a:lnL w="12700" cap="flat" cmpd="sng" algn="ctr">
+                      <a:solidFill>
+                        <a:schemeClr val="tx1"/>
+                      </a:solidFill>
+                      <a:prstDash val="solid"/>
+                      <a:round/>
+                      <a:headEnd type="none" w="med" len="med"/>
+                      <a:tailEnd type="none" w="med" len="med"/>
+                    </a:lnL>
+                    <a:lnR w="12700" cap="flat" cmpd="sng" algn="ctr">
+                      <a:solidFill>
+                        <a:schemeClr val="tx1"/>
+                      </a:solidFill>
+                      <a:prstDash val="solid"/>
+                      <a:round/>
+                      <a:headEnd type="none" w="med" len="med"/>
+                      <a:tailEnd type="none" w="med" len="med"/>
+                    </a:lnR>
+                    <a:lnT w="12700" cap="flat" cmpd="sng" algn="ctr">
+                      <a:solidFill>
+                        <a:schemeClr val="tx1"/>
+                      </a:solidFill>
+                      <a:prstDash val="solid"/>
+                      <a:round/>
+                      <a:headEnd type="none" w="med" len="med"/>
+                      <a:tailEnd type="none" w="med" len="med"/>
+                    </a:lnT>
+                    <a:lnB w="12700" cap="flat" cmpd="sng" algn="ctr">
+                      <a:solidFill>
+                        <a:schemeClr val="tx1"/>
+                      </a:solidFill>
+                      <a:prstDash val="solid"/>
+                      <a:round/>
+                      <a:headEnd type="none" w="med" len="med"/>
+                      <a:tailEnd type="none" w="med" len="med"/>
+                    </a:lnB>
+                    <a:noFill/>
+                  </a:tcPr>
+                </a:tc>
+              </a:tr>
+              <a:tr h="399252">
+                <a:tc>
+                  <a:txBody>
+                    <a:bodyPr/>
+                    <a:lstStyle/>
+                    <a:p>
+                      <a:pPr latinLnBrk="1"/>
+                      <a:endParaRPr lang="ko-KR" altLang="en-US" sz="2200" dirty="0">
+                        <a:ea typeface="G마켓 산스 Medium" panose="02000000000000000000"/>
+                      </a:endParaRPr>
+                    </a:p>
+                  </a:txBody>
+                  <a:tcPr>
+                    <a:lnL w="12700" cap="flat" cmpd="sng" algn="ctr">
+                      <a:solidFill>
+                        <a:schemeClr val="tx1"/>
+                      </a:solidFill>
+                      <a:prstDash val="solid"/>
+                      <a:round/>
+                      <a:headEnd type="none" w="med" len="med"/>
+                      <a:tailEnd type="none" w="med" len="med"/>
+                    </a:lnL>
+                    <a:lnR w="12700" cap="flat" cmpd="sng" algn="ctr">
+                      <a:solidFill>
+                        <a:schemeClr val="tx1"/>
+                      </a:solidFill>
+                      <a:prstDash val="solid"/>
+                      <a:round/>
+                      <a:headEnd type="none" w="med" len="med"/>
+                      <a:tailEnd type="none" w="med" len="med"/>
+                    </a:lnR>
+                    <a:lnT w="12700" cap="flat" cmpd="sng" algn="ctr">
+                      <a:solidFill>
+                        <a:schemeClr val="tx1"/>
+                      </a:solidFill>
+                      <a:prstDash val="solid"/>
+                      <a:round/>
+                      <a:headEnd type="none" w="med" len="med"/>
+                      <a:tailEnd type="none" w="med" len="med"/>
+                    </a:lnT>
+                    <a:lnB w="12700" cap="flat" cmpd="sng" algn="ctr">
+                      <a:solidFill>
+                        <a:schemeClr val="tx1"/>
+                      </a:solidFill>
+                      <a:prstDash val="solid"/>
+                      <a:round/>
+                      <a:headEnd type="none" w="med" len="med"/>
+                      <a:tailEnd type="none" w="med" len="med"/>
+                    </a:lnB>
+                    <a:noFill/>
+                  </a:tcPr>
+                </a:tc>
+                <a:tc>
+                  <a:txBody>
+                    <a:bodyPr/>
+                    <a:lstStyle/>
+                    <a:p>
+                      <a:pPr marL="0" marR="0" lvl="0" indent="0" algn="l" defTabSz="914400" rtl="0" eaLnBrk="1" fontAlgn="auto" latinLnBrk="1" hangingPunct="1">
+                        <a:lnSpc>
+                          <a:spcPct val="100000"/>
+                        </a:lnSpc>
+                        <a:spcBef>
+                          <a:spcPts val="0"/>
+                        </a:spcBef>
+                        <a:spcAft>
+                          <a:spcPts val="0"/>
+                        </a:spcAft>
+                        <a:buClrTx/>
+                        <a:buSzTx/>
+                        <a:buFontTx/>
+                        <a:buNone/>
+                        <a:tabLst/>
+                        <a:defRPr/>
+                      </a:pPr>
+                      <a:r>
+                        <a:rPr lang="en-US" altLang="ko-KR" sz="2200" smtClean="0">
+                          <a:ea typeface="G마켓 산스 Medium" panose="02000000000000000000"/>
+                        </a:rPr>
+                        <a:t>showState()</a:t>
+                      </a:r>
+                      <a:endParaRPr lang="ko-KR" altLang="en-US" sz="2200" smtClean="0">
+                        <a:ea typeface="G마켓 산스 Medium" panose="02000000000000000000"/>
+                      </a:endParaRPr>
+                    </a:p>
+                  </a:txBody>
+                  <a:tcPr>
+                    <a:lnL w="12700" cap="flat" cmpd="sng" algn="ctr">
+                      <a:solidFill>
+                        <a:schemeClr val="tx1"/>
+                      </a:solidFill>
+                      <a:prstDash val="solid"/>
+                      <a:round/>
+                      <a:headEnd type="none" w="med" len="med"/>
+                      <a:tailEnd type="none" w="med" len="med"/>
+                    </a:lnL>
+                    <a:lnR w="12700" cap="flat" cmpd="sng" algn="ctr">
+                      <a:solidFill>
+                        <a:schemeClr val="tx1"/>
+                      </a:solidFill>
+                      <a:prstDash val="solid"/>
+                      <a:round/>
+                      <a:headEnd type="none" w="med" len="med"/>
+                      <a:tailEnd type="none" w="med" len="med"/>
+                    </a:lnR>
+                    <a:lnT w="12700" cap="flat" cmpd="sng" algn="ctr">
+                      <a:solidFill>
+                        <a:schemeClr val="tx1"/>
+                      </a:solidFill>
+                      <a:prstDash val="solid"/>
+                      <a:round/>
+                      <a:headEnd type="none" w="med" len="med"/>
+                      <a:tailEnd type="none" w="med" len="med"/>
+                    </a:lnT>
+                    <a:lnB w="12700" cap="flat" cmpd="sng" algn="ctr">
+                      <a:solidFill>
+                        <a:schemeClr val="tx1"/>
+                      </a:solidFill>
+                      <a:prstDash val="solid"/>
+                      <a:round/>
+                      <a:headEnd type="none" w="med" len="med"/>
+                      <a:tailEnd type="none" w="med" len="med"/>
+                    </a:lnB>
+                    <a:noFill/>
+                  </a:tcPr>
+                </a:tc>
+                <a:tc>
+                  <a:txBody>
+                    <a:bodyPr/>
+                    <a:lstStyle/>
+                    <a:p>
+                      <a:pPr latinLnBrk="1"/>
+                      <a:r>
+                        <a:rPr lang="ko-KR" altLang="en-US" sz="2000" smtClean="0">
+                          <a:ea typeface="G마켓 산스 Medium" panose="02000000000000000000"/>
+                        </a:rPr>
+                        <a:t>유닛의 상태 출력</a:t>
+                      </a:r>
+                      <a:endParaRPr lang="en-US" altLang="ko-KR" sz="2000" dirty="0">
+                        <a:ea typeface="G마켓 산스 Medium" panose="02000000000000000000"/>
+                      </a:endParaRPr>
+                    </a:p>
+                  </a:txBody>
+                  <a:tcPr>
+                    <a:lnL w="12700" cap="flat" cmpd="sng" algn="ctr">
+                      <a:solidFill>
+                        <a:schemeClr val="tx1"/>
+                      </a:solidFill>
+                      <a:prstDash val="solid"/>
+                      <a:round/>
+                      <a:headEnd type="none" w="med" len="med"/>
+                      <a:tailEnd type="none" w="med" len="med"/>
+                    </a:lnL>
+                    <a:lnR w="12700" cap="flat" cmpd="sng" algn="ctr">
+                      <a:solidFill>
+                        <a:schemeClr val="tx1"/>
+                      </a:solidFill>
+                      <a:prstDash val="solid"/>
+                      <a:round/>
+                      <a:headEnd type="none" w="med" len="med"/>
+                      <a:tailEnd type="none" w="med" len="med"/>
+                    </a:lnR>
+                    <a:lnT w="12700" cap="flat" cmpd="sng" algn="ctr">
+                      <a:solidFill>
+                        <a:schemeClr val="tx1"/>
+                      </a:solidFill>
+                      <a:prstDash val="solid"/>
+                      <a:round/>
+                      <a:headEnd type="none" w="med" len="med"/>
+                      <a:tailEnd type="none" w="med" len="med"/>
+                    </a:lnT>
+                    <a:lnB w="12700" cap="flat" cmpd="sng" algn="ctr">
+                      <a:solidFill>
+                        <a:schemeClr val="tx1"/>
+                      </a:solidFill>
+                      <a:prstDash val="solid"/>
+                      <a:round/>
+                      <a:headEnd type="none" w="med" len="med"/>
+                      <a:tailEnd type="none" w="med" len="med"/>
+                    </a:lnB>
+                    <a:noFill/>
+                  </a:tcPr>
+                </a:tc>
+              </a:tr>
+            </a:tbl>
+          </a:graphicData>
+        </a:graphic>
+      </p:graphicFrame>
+      <p:pic>
+        <p:nvPicPr>
+          <p:cNvPr id="13" name="그림 12"/>
+          <p:cNvPicPr>
+            <a:picLocks noChangeAspect="1"/>
+          </p:cNvPicPr>
+          <p:nvPr/>
+        </p:nvPicPr>
+        <p:blipFill>
+          <a:blip r:embed="rId4"/>
+          <a:stretch>
+            <a:fillRect/>
+          </a:stretch>
+        </p:blipFill>
+        <p:spPr>
+          <a:xfrm>
+            <a:off x="12801600" y="6518976"/>
+            <a:ext cx="4191000" cy="3676316"/>
+          </a:xfrm>
+          <a:prstGeom prst="rect">
+            <a:avLst/>
+          </a:prstGeom>
+        </p:spPr>
+      </p:pic>
     </p:spTree>
     <p:extLst>
       <p:ext uri="{BB962C8B-B14F-4D97-AF65-F5344CB8AC3E}">
@@ -12737,7 +14829,7 @@
           <p:cNvPr id="2" name="TextBox 1">
             <a:extLst>
               <a:ext uri="{FF2B5EF4-FFF2-40B4-BE49-F238E27FC236}">
-                <a16:creationId xmlns:a16="http://schemas.microsoft.com/office/drawing/2014/main" xmlns="" id="{715D88A2-BD52-978B-A00A-540446126E3D}"/>
+                <a16:creationId xmlns="" xmlns:a16="http://schemas.microsoft.com/office/drawing/2014/main" id="{715D88A2-BD52-978B-A00A-540446126E3D}"/>
               </a:ext>
             </a:extLst>
           </p:cNvPr>
@@ -13005,7 +15097,7 @@
           <p:cNvPr id="2" name="TextBox 1">
             <a:extLst>
               <a:ext uri="{FF2B5EF4-FFF2-40B4-BE49-F238E27FC236}">
-                <a16:creationId xmlns:a16="http://schemas.microsoft.com/office/drawing/2014/main" xmlns="" id="{8D19D88B-9541-32D7-90F1-0C45C993E21C}"/>
+                <a16:creationId xmlns="" xmlns:a16="http://schemas.microsoft.com/office/drawing/2014/main" id="{8D19D88B-9541-32D7-90F1-0C45C993E21C}"/>
               </a:ext>
             </a:extLst>
           </p:cNvPr>
@@ -13085,7 +15177,7 @@
           <p:cNvPr id="4" name="TextBox 3">
             <a:extLst>
               <a:ext uri="{FF2B5EF4-FFF2-40B4-BE49-F238E27FC236}">
-                <a16:creationId xmlns:a16="http://schemas.microsoft.com/office/drawing/2014/main" xmlns="" id="{DF7DDD33-9412-2802-339A-E55446AC2DA7}"/>
+                <a16:creationId xmlns="" xmlns:a16="http://schemas.microsoft.com/office/drawing/2014/main" id="{DF7DDD33-9412-2802-339A-E55446AC2DA7}"/>
               </a:ext>
             </a:extLst>
           </p:cNvPr>
@@ -13126,7 +15218,7 @@
           <p:cNvPr id="3" name="TextBox 2">
             <a:extLst>
               <a:ext uri="{FF2B5EF4-FFF2-40B4-BE49-F238E27FC236}">
-                <a16:creationId xmlns:a16="http://schemas.microsoft.com/office/drawing/2014/main" xmlns="" id="{A2AD056B-97A4-5BCC-4460-250160F3E171}"/>
+                <a16:creationId xmlns="" xmlns:a16="http://schemas.microsoft.com/office/drawing/2014/main" id="{A2AD056B-97A4-5BCC-4460-250160F3E171}"/>
               </a:ext>
             </a:extLst>
           </p:cNvPr>
@@ -13465,7 +15557,7 @@
           <p:cNvPr id="4" name="TextBox 3">
             <a:extLst>
               <a:ext uri="{FF2B5EF4-FFF2-40B4-BE49-F238E27FC236}">
-                <a16:creationId xmlns:a16="http://schemas.microsoft.com/office/drawing/2014/main" xmlns="" id="{DF7DDD33-9412-2802-339A-E55446AC2DA7}"/>
+                <a16:creationId xmlns="" xmlns:a16="http://schemas.microsoft.com/office/drawing/2014/main" id="{DF7DDD33-9412-2802-339A-E55446AC2DA7}"/>
               </a:ext>
             </a:extLst>
           </p:cNvPr>
@@ -13666,7 +15758,7 @@
           <p:cNvPr id="4" name="TextBox 3">
             <a:extLst>
               <a:ext uri="{FF2B5EF4-FFF2-40B4-BE49-F238E27FC236}">
-                <a16:creationId xmlns:a16="http://schemas.microsoft.com/office/drawing/2014/main" xmlns="" id="{DF7DDD33-9412-2802-339A-E55446AC2DA7}"/>
+                <a16:creationId xmlns="" xmlns:a16="http://schemas.microsoft.com/office/drawing/2014/main" id="{DF7DDD33-9412-2802-339A-E55446AC2DA7}"/>
               </a:ext>
             </a:extLst>
           </p:cNvPr>
@@ -13785,7 +15877,7 @@
           <p:cNvPr id="4" name="TextBox 3">
             <a:extLst>
               <a:ext uri="{FF2B5EF4-FFF2-40B4-BE49-F238E27FC236}">
-                <a16:creationId xmlns:a16="http://schemas.microsoft.com/office/drawing/2014/main" xmlns="" id="{DF7DDD33-9412-2802-339A-E55446AC2DA7}"/>
+                <a16:creationId xmlns="" xmlns:a16="http://schemas.microsoft.com/office/drawing/2014/main" id="{DF7DDD33-9412-2802-339A-E55446AC2DA7}"/>
               </a:ext>
             </a:extLst>
           </p:cNvPr>
@@ -13833,7 +15925,7 @@
           <p:cNvPr id="10" name="직선 화살표 연결선 9">
             <a:extLst>
               <a:ext uri="{FF2B5EF4-FFF2-40B4-BE49-F238E27FC236}">
-                <a16:creationId xmlns:a16="http://schemas.microsoft.com/office/drawing/2014/main" xmlns="" id="{299DF5EC-9DF4-5255-06AC-0A7CE4FF58C3}"/>
+                <a16:creationId xmlns="" xmlns:a16="http://schemas.microsoft.com/office/drawing/2014/main" id="{299DF5EC-9DF4-5255-06AC-0A7CE4FF58C3}"/>
               </a:ext>
             </a:extLst>
           </p:cNvPr>
@@ -13874,7 +15966,7 @@
           <p:cNvPr id="11" name="TextBox 10">
             <a:extLst>
               <a:ext uri="{FF2B5EF4-FFF2-40B4-BE49-F238E27FC236}">
-                <a16:creationId xmlns:a16="http://schemas.microsoft.com/office/drawing/2014/main" xmlns="" id="{C6D113C6-EA5C-788F-0C77-E7CE6EBB865F}"/>
+                <a16:creationId xmlns="" xmlns:a16="http://schemas.microsoft.com/office/drawing/2014/main" id="{C6D113C6-EA5C-788F-0C77-E7CE6EBB865F}"/>
               </a:ext>
             </a:extLst>
           </p:cNvPr>
@@ -13956,7 +16048,7 @@
           <p:cNvPr id="18" name="직사각형 17">
             <a:extLst>
               <a:ext uri="{FF2B5EF4-FFF2-40B4-BE49-F238E27FC236}">
-                <a16:creationId xmlns:a16="http://schemas.microsoft.com/office/drawing/2014/main" xmlns="" id="{FFF506F9-840A-0508-4CAF-3AC711D8D5CE}"/>
+                <a16:creationId xmlns="" xmlns:a16="http://schemas.microsoft.com/office/drawing/2014/main" id="{FFF506F9-840A-0508-4CAF-3AC711D8D5CE}"/>
               </a:ext>
             </a:extLst>
           </p:cNvPr>
@@ -14161,7 +16253,7 @@
           <p:cNvPr id="6" name="직선 화살표 연결선 5">
             <a:extLst>
               <a:ext uri="{FF2B5EF4-FFF2-40B4-BE49-F238E27FC236}">
-                <a16:creationId xmlns:a16="http://schemas.microsoft.com/office/drawing/2014/main" xmlns="" id="{299DF5EC-9DF4-5255-06AC-0A7CE4FF58C3}"/>
+                <a16:creationId xmlns="" xmlns:a16="http://schemas.microsoft.com/office/drawing/2014/main" id="{299DF5EC-9DF4-5255-06AC-0A7CE4FF58C3}"/>
               </a:ext>
             </a:extLst>
           </p:cNvPr>
@@ -14202,7 +16294,7 @@
           <p:cNvPr id="7" name="TextBox 6">
             <a:extLst>
               <a:ext uri="{FF2B5EF4-FFF2-40B4-BE49-F238E27FC236}">
-                <a16:creationId xmlns:a16="http://schemas.microsoft.com/office/drawing/2014/main" xmlns="" id="{C6D113C6-EA5C-788F-0C77-E7CE6EBB865F}"/>
+                <a16:creationId xmlns="" xmlns:a16="http://schemas.microsoft.com/office/drawing/2014/main" id="{C6D113C6-EA5C-788F-0C77-E7CE6EBB865F}"/>
               </a:ext>
             </a:extLst>
           </p:cNvPr>
@@ -14422,7 +16514,7 @@
           <p:cNvPr id="4" name="TextBox 3">
             <a:extLst>
               <a:ext uri="{FF2B5EF4-FFF2-40B4-BE49-F238E27FC236}">
-                <a16:creationId xmlns:a16="http://schemas.microsoft.com/office/drawing/2014/main" xmlns="" id="{DF7DDD33-9412-2802-339A-E55446AC2DA7}"/>
+                <a16:creationId xmlns="" xmlns:a16="http://schemas.microsoft.com/office/drawing/2014/main" id="{DF7DDD33-9412-2802-339A-E55446AC2DA7}"/>
               </a:ext>
             </a:extLst>
           </p:cNvPr>
@@ -14453,17 +16545,7 @@
                 <a:latin typeface="G마켓 산스 Bold"/>
                 <a:ea typeface="G마켓 산스 Medium" panose="02000000000000000000" pitchFamily="50" charset="-127"/>
               </a:rPr>
-              <a:t>기본 </a:t>
-            </a:r>
-            <a:r>
-              <a:rPr lang="ko-KR" altLang="en-US" sz="5400" smtClean="0">
-                <a:solidFill>
-                  <a:srgbClr val="4C50BC"/>
-                </a:solidFill>
-                <a:latin typeface="G마켓 산스 Bold"/>
-                <a:ea typeface="G마켓 산스 Medium" panose="02000000000000000000" pitchFamily="50" charset="-127"/>
-              </a:rPr>
-              <a:t>생성자로 생성시 기본값을 셋팅하면 어떨까</a:t>
+              <a:t>기본 생성자로 생성시 기본값을 셋팅하면 어떨까</a:t>
             </a:r>
             <a:r>
               <a:rPr lang="en-US" altLang="ko-KR" sz="5400" smtClean="0">

--- a/JavaLecture/LectureFile/java 8강.pptx
+++ b/JavaLecture/LectureFile/java 8강.pptx
@@ -236,7 +236,7 @@
           <a:p>
             <a:fld id="{D79F2C30-10E1-4C46-91DC-BBDB9629E720}" type="datetimeFigureOut">
               <a:rPr lang="ko-KR" altLang="en-US" smtClean="0"/>
-              <a:t>2023-02-05</a:t>
+              <a:t>2023-02-08 Wednesday</a:t>
             </a:fld>
             <a:endParaRPr lang="ko-KR" altLang="en-US"/>
           </a:p>
@@ -682,7 +682,7 @@
           <a:p>
             <a:fld id="{F8166F1F-CE9B-4651-A6AA-CD717754106B}" type="datetimeFigureOut">
               <a:rPr lang="en-US" smtClean="0"/>
-              <a:t>2/5/2023</a:t>
+              <a:t>2/8/2023</a:t>
             </a:fld>
             <a:endParaRPr lang="en-US"/>
           </a:p>
@@ -845,7 +845,7 @@
           <a:p>
             <a:fld id="{A76116CE-C4A3-4A05-B2D7-7C2E9A889C0F}" type="datetimeFigureOut">
               <a:rPr lang="en-US" smtClean="0"/>
-              <a:t>2/5/2023</a:t>
+              <a:t>2/8/2023</a:t>
             </a:fld>
             <a:endParaRPr lang="en-US"/>
           </a:p>
@@ -1018,7 +1018,7 @@
           <a:p>
             <a:fld id="{A76116CE-C4A3-4A05-B2D7-7C2E9A889C0F}" type="datetimeFigureOut">
               <a:rPr lang="en-US" smtClean="0"/>
-              <a:t>2/5/2023</a:t>
+              <a:t>2/8/2023</a:t>
             </a:fld>
             <a:endParaRPr lang="en-US"/>
           </a:p>
@@ -1183,7 +1183,7 @@
           <a:p>
             <a:fld id="{A76116CE-C4A3-4A05-B2D7-7C2E9A889C0F}" type="datetimeFigureOut">
               <a:rPr lang="en-US" smtClean="0"/>
-              <a:t>2/5/2023</a:t>
+              <a:t>2/8/2023</a:t>
             </a:fld>
             <a:endParaRPr lang="en-US"/>
           </a:p>
@@ -1423,7 +1423,7 @@
           <a:p>
             <a:fld id="{A76116CE-C4A3-4A05-B2D7-7C2E9A889C0F}" type="datetimeFigureOut">
               <a:rPr lang="en-US" smtClean="0"/>
-              <a:t>2/5/2023</a:t>
+              <a:t>2/8/2023</a:t>
             </a:fld>
             <a:endParaRPr lang="en-US"/>
           </a:p>
@@ -1703,7 +1703,7 @@
           <a:p>
             <a:fld id="{A76116CE-C4A3-4A05-B2D7-7C2E9A889C0F}" type="datetimeFigureOut">
               <a:rPr lang="en-US" smtClean="0"/>
-              <a:t>2/5/2023</a:t>
+              <a:t>2/8/2023</a:t>
             </a:fld>
             <a:endParaRPr lang="en-US"/>
           </a:p>
@@ -2117,7 +2117,7 @@
           <a:p>
             <a:fld id="{A76116CE-C4A3-4A05-B2D7-7C2E9A889C0F}" type="datetimeFigureOut">
               <a:rPr lang="en-US" smtClean="0"/>
-              <a:t>2/5/2023</a:t>
+              <a:t>2/8/2023</a:t>
             </a:fld>
             <a:endParaRPr lang="en-US"/>
           </a:p>
@@ -2229,7 +2229,7 @@
           <a:p>
             <a:fld id="{A76116CE-C4A3-4A05-B2D7-7C2E9A889C0F}" type="datetimeFigureOut">
               <a:rPr lang="en-US" smtClean="0"/>
-              <a:t>2/5/2023</a:t>
+              <a:t>2/8/2023</a:t>
             </a:fld>
             <a:endParaRPr lang="en-US"/>
           </a:p>
@@ -2319,7 +2319,7 @@
           <a:p>
             <a:fld id="{A76116CE-C4A3-4A05-B2D7-7C2E9A889C0F}" type="datetimeFigureOut">
               <a:rPr lang="en-US" smtClean="0"/>
-              <a:t>2/5/2023</a:t>
+              <a:t>2/8/2023</a:t>
             </a:fld>
             <a:endParaRPr lang="en-US"/>
           </a:p>
@@ -2589,7 +2589,7 @@
           <a:p>
             <a:fld id="{A76116CE-C4A3-4A05-B2D7-7C2E9A889C0F}" type="datetimeFigureOut">
               <a:rPr lang="en-US" smtClean="0"/>
-              <a:t>2/5/2023</a:t>
+              <a:t>2/8/2023</a:t>
             </a:fld>
             <a:endParaRPr lang="en-US"/>
           </a:p>
@@ -2836,7 +2836,7 @@
           <a:p>
             <a:fld id="{A76116CE-C4A3-4A05-B2D7-7C2E9A889C0F}" type="datetimeFigureOut">
               <a:rPr lang="en-US" smtClean="0"/>
-              <a:t>2/5/2023</a:t>
+              <a:t>2/8/2023</a:t>
             </a:fld>
             <a:endParaRPr lang="en-US"/>
           </a:p>
@@ -3042,7 +3042,7 @@
           <a:p>
             <a:fld id="{F8166F1F-CE9B-4651-A6AA-CD717754106B}" type="datetimeFigureOut">
               <a:rPr lang="en-US" smtClean="0"/>
-              <a:t>2/5/2023</a:t>
+              <a:t>2/8/2023</a:t>
             </a:fld>
             <a:endParaRPr lang="en-US"/>
           </a:p>
@@ -3698,7 +3698,7 @@
           <p:cNvPr id="2" name="TextBox 1">
             <a:extLst>
               <a:ext uri="{FF2B5EF4-FFF2-40B4-BE49-F238E27FC236}">
-                <a16:creationId xmlns="" xmlns:a16="http://schemas.microsoft.com/office/drawing/2014/main" id="{E9A453A8-9968-67AB-7B4A-83EEB4662AA6}"/>
+                <a16:creationId xmlns:a16="http://schemas.microsoft.com/office/drawing/2014/main" id="{E9A453A8-9968-67AB-7B4A-83EEB4662AA6}"/>
               </a:ext>
             </a:extLst>
           </p:cNvPr>
@@ -3746,7 +3746,7 @@
           <p:cNvPr id="4" name="TextBox 3">
             <a:extLst>
               <a:ext uri="{FF2B5EF4-FFF2-40B4-BE49-F238E27FC236}">
-                <a16:creationId xmlns="" xmlns:a16="http://schemas.microsoft.com/office/drawing/2014/main" id="{F4B7A35A-8AAC-4622-64BC-CAD1472D4115}"/>
+                <a16:creationId xmlns:a16="http://schemas.microsoft.com/office/drawing/2014/main" id="{F4B7A35A-8AAC-4622-64BC-CAD1472D4115}"/>
               </a:ext>
             </a:extLst>
           </p:cNvPr>
@@ -3818,7 +3818,7 @@
           <p:cNvPr id="7" name="TextBox 6">
             <a:extLst>
               <a:ext uri="{FF2B5EF4-FFF2-40B4-BE49-F238E27FC236}">
-                <a16:creationId xmlns="" xmlns:a16="http://schemas.microsoft.com/office/drawing/2014/main" id="{3ACE900A-D779-4343-6623-8588B376F0A1}"/>
+                <a16:creationId xmlns:a16="http://schemas.microsoft.com/office/drawing/2014/main" id="{3ACE900A-D779-4343-6623-8588B376F0A1}"/>
               </a:ext>
             </a:extLst>
           </p:cNvPr>
@@ -3857,13 +3857,6 @@
   <p:clrMapOvr>
     <a:masterClrMapping/>
   </p:clrMapOvr>
-  <p:timing>
-    <p:tnLst>
-      <p:par>
-        <p:cTn id="1" dur="indefinite" restart="never" nodeType="tmRoot"/>
-      </p:par>
-    </p:tnLst>
-  </p:timing>
 </p:sld>
 </file>
 
@@ -3961,7 +3954,7 @@
           <p:cNvPr id="14" name="직선 화살표 연결선 13">
             <a:extLst>
               <a:ext uri="{FF2B5EF4-FFF2-40B4-BE49-F238E27FC236}">
-                <a16:creationId xmlns="" xmlns:a16="http://schemas.microsoft.com/office/drawing/2014/main" id="{299DF5EC-9DF4-5255-06AC-0A7CE4FF58C3}"/>
+                <a16:creationId xmlns:a16="http://schemas.microsoft.com/office/drawing/2014/main" id="{299DF5EC-9DF4-5255-06AC-0A7CE4FF58C3}"/>
               </a:ext>
             </a:extLst>
           </p:cNvPr>
@@ -4002,7 +3995,7 @@
           <p:cNvPr id="15" name="TextBox 14">
             <a:extLst>
               <a:ext uri="{FF2B5EF4-FFF2-40B4-BE49-F238E27FC236}">
-                <a16:creationId xmlns="" xmlns:a16="http://schemas.microsoft.com/office/drawing/2014/main" id="{C6D113C6-EA5C-788F-0C77-E7CE6EBB865F}"/>
+                <a16:creationId xmlns:a16="http://schemas.microsoft.com/office/drawing/2014/main" id="{C6D113C6-EA5C-788F-0C77-E7CE6EBB865F}"/>
               </a:ext>
             </a:extLst>
           </p:cNvPr>
@@ -4026,7 +4019,7 @@
           <a:lstStyle/>
           <a:p>
             <a:r>
-              <a:rPr lang="ko-KR" altLang="en-US" sz="4000" smtClean="0">
+              <a:rPr lang="ko-KR" altLang="en-US" sz="4000">
                 <a:solidFill>
                   <a:srgbClr val="FF0000"/>
                 </a:solidFill>
@@ -4036,7 +4029,7 @@
               <a:t>만들어놓은 생성자를 활용할수 없을까</a:t>
             </a:r>
             <a:r>
-              <a:rPr lang="en-US" altLang="ko-KR" sz="4000" smtClean="0">
+              <a:rPr lang="en-US" altLang="ko-KR" sz="4000">
                 <a:solidFill>
                   <a:srgbClr val="FF0000"/>
                 </a:solidFill>
@@ -4222,7 +4215,7 @@
           <p:cNvPr id="4" name="TextBox 3">
             <a:extLst>
               <a:ext uri="{FF2B5EF4-FFF2-40B4-BE49-F238E27FC236}">
-                <a16:creationId xmlns="" xmlns:a16="http://schemas.microsoft.com/office/drawing/2014/main" id="{DF7DDD33-9412-2802-339A-E55446AC2DA7}"/>
+                <a16:creationId xmlns:a16="http://schemas.microsoft.com/office/drawing/2014/main" id="{DF7DDD33-9412-2802-339A-E55446AC2DA7}"/>
               </a:ext>
             </a:extLst>
           </p:cNvPr>
@@ -4246,7 +4239,7 @@
           <a:lstStyle/>
           <a:p>
             <a:r>
-              <a:rPr lang="ko-KR" altLang="en-US" sz="5400" smtClean="0">
+              <a:rPr lang="ko-KR" altLang="en-US" sz="5400">
                 <a:solidFill>
                   <a:srgbClr val="4C50BC"/>
                 </a:solidFill>
@@ -4294,7 +4287,7 @@
           <p:cNvPr id="8" name="TextBox 7">
             <a:extLst>
               <a:ext uri="{FF2B5EF4-FFF2-40B4-BE49-F238E27FC236}">
-                <a16:creationId xmlns="" xmlns:a16="http://schemas.microsoft.com/office/drawing/2014/main" id="{A2AD056B-97A4-5BCC-4460-250160F3E171}"/>
+                <a16:creationId xmlns:a16="http://schemas.microsoft.com/office/drawing/2014/main" id="{A2AD056B-97A4-5BCC-4460-250160F3E171}"/>
               </a:ext>
             </a:extLst>
           </p:cNvPr>
@@ -4318,7 +4311,7 @@
           <a:lstStyle/>
           <a:p>
             <a:r>
-              <a:rPr lang="en-US" altLang="ko-KR" sz="4000" smtClean="0">
+              <a:rPr lang="en-US" altLang="ko-KR" sz="4000">
                 <a:solidFill>
                   <a:schemeClr val="tx1">
                     <a:lumMod val="50000"/>
@@ -4331,7 +4324,7 @@
               <a:t>1.</a:t>
             </a:r>
             <a:r>
-              <a:rPr lang="ko-KR" altLang="en-US" sz="4000" smtClean="0">
+              <a:rPr lang="ko-KR" altLang="en-US" sz="4000">
                 <a:solidFill>
                   <a:schemeClr val="tx1">
                     <a:lumMod val="50000"/>
@@ -4344,7 +4337,7 @@
               <a:t>생성자의 가장 첫줄에 작성해야 한다</a:t>
             </a:r>
             <a:r>
-              <a:rPr lang="en-US" altLang="ko-KR" sz="4000" smtClean="0">
+              <a:rPr lang="en-US" altLang="ko-KR" sz="4000">
                 <a:solidFill>
                   <a:schemeClr val="tx1">
                     <a:lumMod val="50000"/>
@@ -4359,7 +4352,7 @@
           </a:p>
           <a:p>
             <a:r>
-              <a:rPr lang="en-US" altLang="ko-KR" sz="4000" smtClean="0">
+              <a:rPr lang="en-US" altLang="ko-KR" sz="4000">
                 <a:solidFill>
                   <a:schemeClr val="tx1">
                     <a:lumMod val="50000"/>
@@ -4372,7 +4365,7 @@
               <a:t>2.</a:t>
             </a:r>
             <a:r>
-              <a:rPr lang="ko-KR" altLang="en-US" sz="4000" smtClean="0">
+              <a:rPr lang="ko-KR" altLang="en-US" sz="4000">
                 <a:solidFill>
                   <a:schemeClr val="tx1">
                     <a:lumMod val="50000"/>
@@ -4385,7 +4378,7 @@
               <a:t>메서드 이름을 </a:t>
             </a:r>
             <a:r>
-              <a:rPr lang="en-US" altLang="ko-KR" sz="4000" smtClean="0">
+              <a:rPr lang="en-US" altLang="ko-KR" sz="4000">
                 <a:solidFill>
                   <a:schemeClr val="tx1">
                     <a:lumMod val="50000"/>
@@ -4398,7 +4391,7 @@
               <a:t>this</a:t>
             </a:r>
             <a:r>
-              <a:rPr lang="ko-KR" altLang="en-US" sz="4000" smtClean="0">
+              <a:rPr lang="ko-KR" altLang="en-US" sz="4000">
                 <a:solidFill>
                   <a:schemeClr val="tx1">
                     <a:lumMod val="50000"/>
@@ -4411,7 +4404,7 @@
               <a:t>로 해야 한다</a:t>
             </a:r>
             <a:r>
-              <a:rPr lang="en-US" altLang="ko-KR" sz="4000" smtClean="0">
+              <a:rPr lang="en-US" altLang="ko-KR" sz="4000">
                 <a:solidFill>
                   <a:schemeClr val="tx1">
                     <a:lumMod val="50000"/>
@@ -4570,7 +4563,7 @@
           <p:cNvPr id="4" name="TextBox 3">
             <a:extLst>
               <a:ext uri="{FF2B5EF4-FFF2-40B4-BE49-F238E27FC236}">
-                <a16:creationId xmlns="" xmlns:a16="http://schemas.microsoft.com/office/drawing/2014/main" id="{DF7DDD33-9412-2802-339A-E55446AC2DA7}"/>
+                <a16:creationId xmlns:a16="http://schemas.microsoft.com/office/drawing/2014/main" id="{DF7DDD33-9412-2802-339A-E55446AC2DA7}"/>
               </a:ext>
             </a:extLst>
           </p:cNvPr>
@@ -4594,7 +4587,7 @@
           <a:lstStyle/>
           <a:p>
             <a:r>
-              <a:rPr lang="ko-KR" altLang="en-US" sz="5400" smtClean="0">
+              <a:rPr lang="ko-KR" altLang="en-US" sz="5400">
                 <a:solidFill>
                   <a:srgbClr val="4C50BC"/>
                 </a:solidFill>
@@ -4604,7 +4597,7 @@
               <a:t>왜 첫줄에 작성해야 할까</a:t>
             </a:r>
             <a:r>
-              <a:rPr lang="en-US" altLang="ko-KR" sz="5400" smtClean="0">
+              <a:rPr lang="en-US" altLang="ko-KR" sz="5400">
                 <a:solidFill>
                   <a:srgbClr val="4C50BC"/>
                 </a:solidFill>
@@ -4652,7 +4645,7 @@
           <p:cNvPr id="6" name="직선 화살표 연결선 5">
             <a:extLst>
               <a:ext uri="{FF2B5EF4-FFF2-40B4-BE49-F238E27FC236}">
-                <a16:creationId xmlns="" xmlns:a16="http://schemas.microsoft.com/office/drawing/2014/main" id="{299DF5EC-9DF4-5255-06AC-0A7CE4FF58C3}"/>
+                <a16:creationId xmlns:a16="http://schemas.microsoft.com/office/drawing/2014/main" id="{299DF5EC-9DF4-5255-06AC-0A7CE4FF58C3}"/>
               </a:ext>
             </a:extLst>
           </p:cNvPr>
@@ -4693,7 +4686,7 @@
           <p:cNvPr id="7" name="직사각형 6">
             <a:extLst>
               <a:ext uri="{FF2B5EF4-FFF2-40B4-BE49-F238E27FC236}">
-                <a16:creationId xmlns="" xmlns:a16="http://schemas.microsoft.com/office/drawing/2014/main" id="{FFF506F9-840A-0508-4CAF-3AC711D8D5CE}"/>
+                <a16:creationId xmlns:a16="http://schemas.microsoft.com/office/drawing/2014/main" id="{FFF506F9-840A-0508-4CAF-3AC711D8D5CE}"/>
               </a:ext>
             </a:extLst>
           </p:cNvPr>
@@ -4745,7 +4738,7 @@
           <p:cNvPr id="8" name="TextBox 7">
             <a:extLst>
               <a:ext uri="{FF2B5EF4-FFF2-40B4-BE49-F238E27FC236}">
-                <a16:creationId xmlns="" xmlns:a16="http://schemas.microsoft.com/office/drawing/2014/main" id="{C6D113C6-EA5C-788F-0C77-E7CE6EBB865F}"/>
+                <a16:creationId xmlns:a16="http://schemas.microsoft.com/office/drawing/2014/main" id="{C6D113C6-EA5C-788F-0C77-E7CE6EBB865F}"/>
               </a:ext>
             </a:extLst>
           </p:cNvPr>
@@ -4769,7 +4762,7 @@
           <a:lstStyle/>
           <a:p>
             <a:r>
-              <a:rPr lang="ko-KR" altLang="en-US" sz="4000" smtClean="0">
+              <a:rPr lang="ko-KR" altLang="en-US" sz="4000">
                 <a:solidFill>
                   <a:srgbClr val="FF0000"/>
                 </a:solidFill>
@@ -4779,7 +4772,7 @@
               <a:t>의미가 없는 코드가 된다</a:t>
             </a:r>
             <a:r>
-              <a:rPr lang="en-US" altLang="ko-KR" sz="4000" smtClean="0">
+              <a:rPr lang="en-US" altLang="ko-KR" sz="4000">
                 <a:solidFill>
                   <a:srgbClr val="FF0000"/>
                 </a:solidFill>
@@ -4827,7 +4820,7 @@
           <p:cNvPr id="10" name="직선 화살표 연결선 9">
             <a:extLst>
               <a:ext uri="{FF2B5EF4-FFF2-40B4-BE49-F238E27FC236}">
-                <a16:creationId xmlns="" xmlns:a16="http://schemas.microsoft.com/office/drawing/2014/main" id="{299DF5EC-9DF4-5255-06AC-0A7CE4FF58C3}"/>
+                <a16:creationId xmlns:a16="http://schemas.microsoft.com/office/drawing/2014/main" id="{299DF5EC-9DF4-5255-06AC-0A7CE4FF58C3}"/>
               </a:ext>
             </a:extLst>
           </p:cNvPr>
@@ -4868,7 +4861,7 @@
           <p:cNvPr id="11" name="TextBox 10">
             <a:extLst>
               <a:ext uri="{FF2B5EF4-FFF2-40B4-BE49-F238E27FC236}">
-                <a16:creationId xmlns="" xmlns:a16="http://schemas.microsoft.com/office/drawing/2014/main" id="{C6D113C6-EA5C-788F-0C77-E7CE6EBB865F}"/>
+                <a16:creationId xmlns:a16="http://schemas.microsoft.com/office/drawing/2014/main" id="{C6D113C6-EA5C-788F-0C77-E7CE6EBB865F}"/>
               </a:ext>
             </a:extLst>
           </p:cNvPr>
@@ -4877,8 +4870,8 @@
         </p:nvSpPr>
         <p:spPr>
           <a:xfrm>
-            <a:off x="9067800" y="5524500"/>
-            <a:ext cx="9220200" cy="3170099"/>
+            <a:off x="8839200" y="5524500"/>
+            <a:ext cx="9601200" cy="3170099"/>
           </a:xfrm>
           <a:prstGeom prst="rect">
             <a:avLst/>
@@ -4892,7 +4885,7 @@
           <a:lstStyle/>
           <a:p>
             <a:r>
-              <a:rPr lang="ko-KR" altLang="en-US" sz="4000" smtClean="0">
+              <a:rPr lang="ko-KR" altLang="en-US" sz="4000" dirty="0">
                 <a:solidFill>
                   <a:srgbClr val="FF0000"/>
                 </a:solidFill>
@@ -4902,7 +4895,7 @@
               <a:t>기능적으로는 문제 없지만 일반 메서드를 통해 멤버변수를 초기화 한다면 컴파일러가 체크할 방법이 없다</a:t>
             </a:r>
             <a:r>
-              <a:rPr lang="en-US" altLang="ko-KR" sz="4000" smtClean="0">
+              <a:rPr lang="en-US" altLang="ko-KR" sz="4000" dirty="0">
                 <a:solidFill>
                   <a:srgbClr val="FF0000"/>
                 </a:solidFill>
@@ -4914,16 +4907,36 @@
           </a:p>
           <a:p>
             <a:r>
-              <a:rPr lang="ko-KR" altLang="en-US" sz="4000" smtClean="0">
+              <a:rPr lang="ko-KR" altLang="en-US" sz="4000" dirty="0">
                 <a:solidFill>
                   <a:srgbClr val="FF0000"/>
                 </a:solidFill>
                 <a:latin typeface="G마켓 산스 Medium" panose="02000000000000000000" pitchFamily="50" charset="-127"/>
                 <a:ea typeface="G마켓 산스 Medium" panose="02000000000000000000" pitchFamily="50" charset="-127"/>
               </a:rPr>
-              <a:t>따라서 무조건 첫줄에 작성하게 함으로써</a:t>
-            </a:r>
-            <a:endParaRPr lang="en-US" altLang="ko-KR" sz="4000" smtClean="0">
+              <a:t>따라서 무조건 </a:t>
+            </a:r>
+            <a:r>
+              <a:rPr lang="ko-KR" altLang="en-US" sz="4000" dirty="0" err="1">
+                <a:solidFill>
+                  <a:srgbClr val="FF0000"/>
+                </a:solidFill>
+                <a:latin typeface="G마켓 산스 Medium" panose="02000000000000000000" pitchFamily="50" charset="-127"/>
+                <a:ea typeface="G마켓 산스 Medium" panose="02000000000000000000" pitchFamily="50" charset="-127"/>
+              </a:rPr>
+              <a:t>첫줄에</a:t>
+            </a:r>
+            <a:r>
+              <a:rPr lang="ko-KR" altLang="en-US" sz="4000" dirty="0">
+                <a:solidFill>
+                  <a:srgbClr val="FF0000"/>
+                </a:solidFill>
+                <a:latin typeface="G마켓 산스 Medium" panose="02000000000000000000" pitchFamily="50" charset="-127"/>
+                <a:ea typeface="G마켓 산스 Medium" panose="02000000000000000000" pitchFamily="50" charset="-127"/>
+              </a:rPr>
+              <a:t> 작성하게 함으로써</a:t>
+            </a:r>
+            <a:endParaRPr lang="en-US" altLang="ko-KR" sz="4000" dirty="0">
               <a:solidFill>
                 <a:srgbClr val="FF0000"/>
               </a:solidFill>
@@ -4933,7 +4946,7 @@
           </a:p>
           <a:p>
             <a:r>
-              <a:rPr lang="ko-KR" altLang="en-US" sz="4000" smtClean="0">
+              <a:rPr lang="ko-KR" altLang="en-US" sz="4000" dirty="0">
                 <a:solidFill>
                   <a:srgbClr val="FF0000"/>
                 </a:solidFill>
@@ -4943,7 +4956,7 @@
               <a:t>가능성을 완전히 없앤다</a:t>
             </a:r>
             <a:r>
-              <a:rPr lang="en-US" altLang="ko-KR" sz="4000" smtClean="0">
+              <a:rPr lang="en-US" altLang="ko-KR" sz="4000" dirty="0">
                 <a:solidFill>
                   <a:srgbClr val="FF0000"/>
                 </a:solidFill>
@@ -4952,13 +4965,6 @@
               </a:rPr>
               <a:t>.</a:t>
             </a:r>
-            <a:endParaRPr lang="en-US" altLang="ko-KR" sz="4000" dirty="0">
-              <a:solidFill>
-                <a:srgbClr val="FF0000"/>
-              </a:solidFill>
-              <a:latin typeface="G마켓 산스 Medium" panose="02000000000000000000" pitchFamily="50" charset="-127"/>
-              <a:ea typeface="G마켓 산스 Medium" panose="02000000000000000000" pitchFamily="50" charset="-127"/>
-            </a:endParaRPr>
           </a:p>
         </p:txBody>
       </p:sp>
@@ -5463,7 +5469,7 @@
           <p:cNvPr id="2" name="TextBox 1">
             <a:extLst>
               <a:ext uri="{FF2B5EF4-FFF2-40B4-BE49-F238E27FC236}">
-                <a16:creationId xmlns="" xmlns:a16="http://schemas.microsoft.com/office/drawing/2014/main" id="{76F36AE5-79B5-0B9F-E510-1C27AAC4B649}"/>
+                <a16:creationId xmlns:a16="http://schemas.microsoft.com/office/drawing/2014/main" id="{76F36AE5-79B5-0B9F-E510-1C27AAC4B649}"/>
               </a:ext>
             </a:extLst>
           </p:cNvPr>
@@ -5487,7 +5493,7 @@
           <a:lstStyle/>
           <a:p>
             <a:r>
-              <a:rPr lang="en-US" altLang="ko-KR" sz="6600" smtClean="0">
+              <a:rPr lang="en-US" altLang="ko-KR" sz="6600">
                 <a:solidFill>
                   <a:schemeClr val="bg1"/>
                 </a:solidFill>
@@ -5516,13 +5522,6 @@
   <p:clrMapOvr>
     <a:masterClrMapping/>
   </p:clrMapOvr>
-  <p:timing>
-    <p:tnLst>
-      <p:par>
-        <p:cTn id="1" dur="indefinite" restart="never" nodeType="tmRoot"/>
-      </p:par>
-    </p:tnLst>
-  </p:timing>
 </p:sld>
 </file>
 
@@ -5548,7 +5547,7 @@
           <p:cNvPr id="4" name="TextBox 3">
             <a:extLst>
               <a:ext uri="{FF2B5EF4-FFF2-40B4-BE49-F238E27FC236}">
-                <a16:creationId xmlns="" xmlns:a16="http://schemas.microsoft.com/office/drawing/2014/main" id="{DF7DDD33-9412-2802-339A-E55446AC2DA7}"/>
+                <a16:creationId xmlns:a16="http://schemas.microsoft.com/office/drawing/2014/main" id="{DF7DDD33-9412-2802-339A-E55446AC2DA7}"/>
               </a:ext>
             </a:extLst>
           </p:cNvPr>
@@ -5572,7 +5571,7 @@
           <a:lstStyle/>
           <a:p>
             <a:r>
-              <a:rPr lang="ko-KR" altLang="en-US" sz="5400" smtClean="0">
+              <a:rPr lang="ko-KR" altLang="en-US" sz="5400">
                 <a:solidFill>
                   <a:srgbClr val="4C50BC"/>
                 </a:solidFill>
@@ -5582,7 +5581,7 @@
               <a:t>왜 생성자의 이름을 </a:t>
             </a:r>
             <a:r>
-              <a:rPr lang="en-US" altLang="ko-KR" sz="5400" smtClean="0">
+              <a:rPr lang="en-US" altLang="ko-KR" sz="5400">
                 <a:solidFill>
                   <a:srgbClr val="4C50BC"/>
                 </a:solidFill>
@@ -5592,7 +5591,7 @@
               <a:t>this</a:t>
             </a:r>
             <a:r>
-              <a:rPr lang="ko-KR" altLang="en-US" sz="5400" smtClean="0">
+              <a:rPr lang="ko-KR" altLang="en-US" sz="5400">
                 <a:solidFill>
                   <a:srgbClr val="4C50BC"/>
                 </a:solidFill>
@@ -5602,7 +5601,7 @@
               <a:t>로 바꿔야 할까</a:t>
             </a:r>
             <a:r>
-              <a:rPr lang="en-US" altLang="ko-KR" sz="5400" smtClean="0">
+              <a:rPr lang="en-US" altLang="ko-KR" sz="5400">
                 <a:solidFill>
                   <a:srgbClr val="4C50BC"/>
                 </a:solidFill>
@@ -5626,7 +5625,7 @@
           <p:cNvPr id="6" name="그룹 1008">
             <a:extLst>
               <a:ext uri="{FF2B5EF4-FFF2-40B4-BE49-F238E27FC236}">
-                <a16:creationId xmlns="" xmlns:a16="http://schemas.microsoft.com/office/drawing/2014/main" id="{678F6342-C505-E8AD-ADA4-022CB2C2088E}"/>
+                <a16:creationId xmlns:a16="http://schemas.microsoft.com/office/drawing/2014/main" id="{678F6342-C505-E8AD-ADA4-022CB2C2088E}"/>
               </a:ext>
             </a:extLst>
           </p:cNvPr>
@@ -5646,7 +5645,7 @@
             <p:cNvPr id="7" name="그룹 1009">
               <a:extLst>
                 <a:ext uri="{FF2B5EF4-FFF2-40B4-BE49-F238E27FC236}">
-                  <a16:creationId xmlns="" xmlns:a16="http://schemas.microsoft.com/office/drawing/2014/main" id="{4E1F1FED-812B-9BBB-925A-84B54A077414}"/>
+                  <a16:creationId xmlns:a16="http://schemas.microsoft.com/office/drawing/2014/main" id="{4E1F1FED-812B-9BBB-925A-84B54A077414}"/>
                 </a:ext>
               </a:extLst>
             </p:cNvPr>
@@ -5666,7 +5665,7 @@
               <p:cNvPr id="12" name="Object 29">
                 <a:extLst>
                   <a:ext uri="{FF2B5EF4-FFF2-40B4-BE49-F238E27FC236}">
-                    <a16:creationId xmlns="" xmlns:a16="http://schemas.microsoft.com/office/drawing/2014/main" id="{7B078609-4286-7B00-51EB-809C8E2DE289}"/>
+                    <a16:creationId xmlns:a16="http://schemas.microsoft.com/office/drawing/2014/main" id="{7B078609-4286-7B00-51EB-809C8E2DE289}"/>
                   </a:ext>
                 </a:extLst>
               </p:cNvPr>
@@ -5697,7 +5696,7 @@
             <p:cNvPr id="8" name="그룹 1010">
               <a:extLst>
                 <a:ext uri="{FF2B5EF4-FFF2-40B4-BE49-F238E27FC236}">
-                  <a16:creationId xmlns="" xmlns:a16="http://schemas.microsoft.com/office/drawing/2014/main" id="{02A649BF-B5B5-FBAF-7DFD-E118A4DF8907}"/>
+                  <a16:creationId xmlns:a16="http://schemas.microsoft.com/office/drawing/2014/main" id="{02A649BF-B5B5-FBAF-7DFD-E118A4DF8907}"/>
                 </a:ext>
               </a:extLst>
             </p:cNvPr>
@@ -5717,7 +5716,7 @@
               <p:cNvPr id="11" name="Object 32">
                 <a:extLst>
                   <a:ext uri="{FF2B5EF4-FFF2-40B4-BE49-F238E27FC236}">
-                    <a16:creationId xmlns="" xmlns:a16="http://schemas.microsoft.com/office/drawing/2014/main" id="{2A0FFF23-B3C9-3EA0-1C1B-A87D4FF098AE}"/>
+                    <a16:creationId xmlns:a16="http://schemas.microsoft.com/office/drawing/2014/main" id="{2A0FFF23-B3C9-3EA0-1C1B-A87D4FF098AE}"/>
                   </a:ext>
                 </a:extLst>
               </p:cNvPr>
@@ -5748,7 +5747,7 @@
             <p:cNvPr id="9" name="그룹 1011">
               <a:extLst>
                 <a:ext uri="{FF2B5EF4-FFF2-40B4-BE49-F238E27FC236}">
-                  <a16:creationId xmlns="" xmlns:a16="http://schemas.microsoft.com/office/drawing/2014/main" id="{881F5410-F7FB-F261-A584-707359BAC593}"/>
+                  <a16:creationId xmlns:a16="http://schemas.microsoft.com/office/drawing/2014/main" id="{881F5410-F7FB-F261-A584-707359BAC593}"/>
                 </a:ext>
               </a:extLst>
             </p:cNvPr>
@@ -5768,7 +5767,7 @@
               <p:cNvPr id="10" name="Object 35">
                 <a:extLst>
                   <a:ext uri="{FF2B5EF4-FFF2-40B4-BE49-F238E27FC236}">
-                    <a16:creationId xmlns="" xmlns:a16="http://schemas.microsoft.com/office/drawing/2014/main" id="{4E99E669-73EB-F9F4-EFE8-DC107035C265}"/>
+                    <a16:creationId xmlns:a16="http://schemas.microsoft.com/office/drawing/2014/main" id="{4E99E669-73EB-F9F4-EFE8-DC107035C265}"/>
                   </a:ext>
                 </a:extLst>
               </p:cNvPr>
@@ -6145,7 +6144,7 @@
           <p:cNvPr id="4" name="TextBox 3">
             <a:extLst>
               <a:ext uri="{FF2B5EF4-FFF2-40B4-BE49-F238E27FC236}">
-                <a16:creationId xmlns="" xmlns:a16="http://schemas.microsoft.com/office/drawing/2014/main" id="{DF7DDD33-9412-2802-339A-E55446AC2DA7}"/>
+                <a16:creationId xmlns:a16="http://schemas.microsoft.com/office/drawing/2014/main" id="{DF7DDD33-9412-2802-339A-E55446AC2DA7}"/>
               </a:ext>
             </a:extLst>
           </p:cNvPr>
@@ -6169,7 +6168,7 @@
           <a:lstStyle/>
           <a:p>
             <a:r>
-              <a:rPr lang="ko-KR" altLang="en-US" sz="5400" smtClean="0">
+              <a:rPr lang="ko-KR" altLang="en-US" sz="5400">
                 <a:solidFill>
                   <a:srgbClr val="4C50BC"/>
                 </a:solidFill>
@@ -6178,7 +6177,7 @@
               </a:rPr>
               <a:t>클래스 내부에서 자기 자신의 객체를 의미하는 </a:t>
             </a:r>
-            <a:endParaRPr lang="en-US" altLang="ko-KR" sz="5400" smtClean="0">
+            <a:endParaRPr lang="en-US" altLang="ko-KR" sz="5400">
               <a:solidFill>
                 <a:srgbClr val="4C50BC"/>
               </a:solidFill>
@@ -6188,7 +6187,7 @@
           </a:p>
           <a:p>
             <a:r>
-              <a:rPr lang="ko-KR" altLang="en-US" sz="5400" smtClean="0">
+              <a:rPr lang="ko-KR" altLang="en-US" sz="5400">
                 <a:solidFill>
                   <a:srgbClr val="4C50BC"/>
                 </a:solidFill>
@@ -6284,7 +6283,7 @@
           <p:cNvPr id="8" name="직선 화살표 연결선 7">
             <a:extLst>
               <a:ext uri="{FF2B5EF4-FFF2-40B4-BE49-F238E27FC236}">
-                <a16:creationId xmlns="" xmlns:a16="http://schemas.microsoft.com/office/drawing/2014/main" id="{299DF5EC-9DF4-5255-06AC-0A7CE4FF58C3}"/>
+                <a16:creationId xmlns:a16="http://schemas.microsoft.com/office/drawing/2014/main" id="{299DF5EC-9DF4-5255-06AC-0A7CE4FF58C3}"/>
               </a:ext>
             </a:extLst>
           </p:cNvPr>
@@ -6325,7 +6324,7 @@
           <p:cNvPr id="10" name="직선 화살표 연결선 9">
             <a:extLst>
               <a:ext uri="{FF2B5EF4-FFF2-40B4-BE49-F238E27FC236}">
-                <a16:creationId xmlns="" xmlns:a16="http://schemas.microsoft.com/office/drawing/2014/main" id="{299DF5EC-9DF4-5255-06AC-0A7CE4FF58C3}"/>
+                <a16:creationId xmlns:a16="http://schemas.microsoft.com/office/drawing/2014/main" id="{299DF5EC-9DF4-5255-06AC-0A7CE4FF58C3}"/>
               </a:ext>
             </a:extLst>
           </p:cNvPr>
@@ -6690,7 +6689,7 @@
           <p:cNvPr id="10" name="TextBox 9">
             <a:extLst>
               <a:ext uri="{FF2B5EF4-FFF2-40B4-BE49-F238E27FC236}">
-                <a16:creationId xmlns="" xmlns:a16="http://schemas.microsoft.com/office/drawing/2014/main" id="{DF7DDD33-9412-2802-339A-E55446AC2DA7}"/>
+                <a16:creationId xmlns:a16="http://schemas.microsoft.com/office/drawing/2014/main" id="{DF7DDD33-9412-2802-339A-E55446AC2DA7}"/>
               </a:ext>
             </a:extLst>
           </p:cNvPr>
@@ -6714,7 +6713,7 @@
           <a:lstStyle/>
           <a:p>
             <a:r>
-              <a:rPr lang="en-US" altLang="ko-KR" sz="5400" smtClean="0">
+              <a:rPr lang="en-US" altLang="ko-KR" sz="5400">
                 <a:solidFill>
                   <a:srgbClr val="4C50BC"/>
                 </a:solidFill>
@@ -6724,7 +6723,7 @@
               <a:t>this</a:t>
             </a:r>
             <a:r>
-              <a:rPr lang="ko-KR" altLang="en-US" sz="5400" smtClean="0">
+              <a:rPr lang="ko-KR" altLang="en-US" sz="5400">
                 <a:solidFill>
                   <a:srgbClr val="4C50BC"/>
                 </a:solidFill>
@@ -6734,7 +6733,7 @@
               <a:t>는 자기 자신의 객체주소를 가지는 참조변수이다</a:t>
             </a:r>
             <a:r>
-              <a:rPr lang="en-US" altLang="ko-KR" sz="5400" smtClean="0">
+              <a:rPr lang="en-US" altLang="ko-KR" sz="5400">
                 <a:solidFill>
                   <a:srgbClr val="4C50BC"/>
                 </a:solidFill>
@@ -6980,7 +6979,7 @@
           <p:cNvPr id="5" name="그룹 1008">
             <a:extLst>
               <a:ext uri="{FF2B5EF4-FFF2-40B4-BE49-F238E27FC236}">
-                <a16:creationId xmlns="" xmlns:a16="http://schemas.microsoft.com/office/drawing/2014/main" id="{678F6342-C505-E8AD-ADA4-022CB2C2088E}"/>
+                <a16:creationId xmlns:a16="http://schemas.microsoft.com/office/drawing/2014/main" id="{678F6342-C505-E8AD-ADA4-022CB2C2088E}"/>
               </a:ext>
             </a:extLst>
           </p:cNvPr>
@@ -7000,7 +6999,7 @@
             <p:cNvPr id="6" name="그룹 1009">
               <a:extLst>
                 <a:ext uri="{FF2B5EF4-FFF2-40B4-BE49-F238E27FC236}">
-                  <a16:creationId xmlns="" xmlns:a16="http://schemas.microsoft.com/office/drawing/2014/main" id="{4E1F1FED-812B-9BBB-925A-84B54A077414}"/>
+                  <a16:creationId xmlns:a16="http://schemas.microsoft.com/office/drawing/2014/main" id="{4E1F1FED-812B-9BBB-925A-84B54A077414}"/>
                 </a:ext>
               </a:extLst>
             </p:cNvPr>
@@ -7020,7 +7019,7 @@
               <p:cNvPr id="11" name="Object 29">
                 <a:extLst>
                   <a:ext uri="{FF2B5EF4-FFF2-40B4-BE49-F238E27FC236}">
-                    <a16:creationId xmlns="" xmlns:a16="http://schemas.microsoft.com/office/drawing/2014/main" id="{7B078609-4286-7B00-51EB-809C8E2DE289}"/>
+                    <a16:creationId xmlns:a16="http://schemas.microsoft.com/office/drawing/2014/main" id="{7B078609-4286-7B00-51EB-809C8E2DE289}"/>
                   </a:ext>
                 </a:extLst>
               </p:cNvPr>
@@ -7051,7 +7050,7 @@
             <p:cNvPr id="7" name="그룹 1010">
               <a:extLst>
                 <a:ext uri="{FF2B5EF4-FFF2-40B4-BE49-F238E27FC236}">
-                  <a16:creationId xmlns="" xmlns:a16="http://schemas.microsoft.com/office/drawing/2014/main" id="{02A649BF-B5B5-FBAF-7DFD-E118A4DF8907}"/>
+                  <a16:creationId xmlns:a16="http://schemas.microsoft.com/office/drawing/2014/main" id="{02A649BF-B5B5-FBAF-7DFD-E118A4DF8907}"/>
                 </a:ext>
               </a:extLst>
             </p:cNvPr>
@@ -7071,7 +7070,7 @@
               <p:cNvPr id="10" name="Object 32">
                 <a:extLst>
                   <a:ext uri="{FF2B5EF4-FFF2-40B4-BE49-F238E27FC236}">
-                    <a16:creationId xmlns="" xmlns:a16="http://schemas.microsoft.com/office/drawing/2014/main" id="{2A0FFF23-B3C9-3EA0-1C1B-A87D4FF098AE}"/>
+                    <a16:creationId xmlns:a16="http://schemas.microsoft.com/office/drawing/2014/main" id="{2A0FFF23-B3C9-3EA0-1C1B-A87D4FF098AE}"/>
                   </a:ext>
                 </a:extLst>
               </p:cNvPr>
@@ -7102,7 +7101,7 @@
             <p:cNvPr id="8" name="그룹 1011">
               <a:extLst>
                 <a:ext uri="{FF2B5EF4-FFF2-40B4-BE49-F238E27FC236}">
-                  <a16:creationId xmlns="" xmlns:a16="http://schemas.microsoft.com/office/drawing/2014/main" id="{881F5410-F7FB-F261-A584-707359BAC593}"/>
+                  <a16:creationId xmlns:a16="http://schemas.microsoft.com/office/drawing/2014/main" id="{881F5410-F7FB-F261-A584-707359BAC593}"/>
                 </a:ext>
               </a:extLst>
             </p:cNvPr>
@@ -7122,7 +7121,7 @@
               <p:cNvPr id="9" name="Object 35">
                 <a:extLst>
                   <a:ext uri="{FF2B5EF4-FFF2-40B4-BE49-F238E27FC236}">
-                    <a16:creationId xmlns="" xmlns:a16="http://schemas.microsoft.com/office/drawing/2014/main" id="{4E99E669-73EB-F9F4-EFE8-DC107035C265}"/>
+                    <a16:creationId xmlns:a16="http://schemas.microsoft.com/office/drawing/2014/main" id="{4E99E669-73EB-F9F4-EFE8-DC107035C265}"/>
                   </a:ext>
                 </a:extLst>
               </p:cNvPr>
@@ -7178,7 +7177,7 @@
           <p:cNvPr id="14" name="직사각형 13">
             <a:extLst>
               <a:ext uri="{FF2B5EF4-FFF2-40B4-BE49-F238E27FC236}">
-                <a16:creationId xmlns="" xmlns:a16="http://schemas.microsoft.com/office/drawing/2014/main" id="{FFF506F9-840A-0508-4CAF-3AC711D8D5CE}"/>
+                <a16:creationId xmlns:a16="http://schemas.microsoft.com/office/drawing/2014/main" id="{FFF506F9-840A-0508-4CAF-3AC711D8D5CE}"/>
               </a:ext>
             </a:extLst>
           </p:cNvPr>
@@ -7230,7 +7229,7 @@
           <p:cNvPr id="15" name="직사각형 14">
             <a:extLst>
               <a:ext uri="{FF2B5EF4-FFF2-40B4-BE49-F238E27FC236}">
-                <a16:creationId xmlns="" xmlns:a16="http://schemas.microsoft.com/office/drawing/2014/main" id="{FFF506F9-840A-0508-4CAF-3AC711D8D5CE}"/>
+                <a16:creationId xmlns:a16="http://schemas.microsoft.com/office/drawing/2014/main" id="{FFF506F9-840A-0508-4CAF-3AC711D8D5CE}"/>
               </a:ext>
             </a:extLst>
           </p:cNvPr>
@@ -7552,7 +7551,7 @@
           <p:cNvPr id="4" name="TextBox 3">
             <a:extLst>
               <a:ext uri="{FF2B5EF4-FFF2-40B4-BE49-F238E27FC236}">
-                <a16:creationId xmlns="" xmlns:a16="http://schemas.microsoft.com/office/drawing/2014/main" id="{DF7DDD33-9412-2802-339A-E55446AC2DA7}"/>
+                <a16:creationId xmlns:a16="http://schemas.microsoft.com/office/drawing/2014/main" id="{DF7DDD33-9412-2802-339A-E55446AC2DA7}"/>
               </a:ext>
             </a:extLst>
           </p:cNvPr>
@@ -7576,7 +7575,7 @@
           <a:lstStyle/>
           <a:p>
             <a:r>
-              <a:rPr lang="ko-KR" altLang="en-US" sz="5400" smtClean="0">
+              <a:rPr lang="ko-KR" altLang="en-US" sz="5400">
                 <a:solidFill>
                   <a:srgbClr val="4C50BC"/>
                 </a:solidFill>
@@ -7624,7 +7623,7 @@
           <p:cNvPr id="6" name="직선 화살표 연결선 5">
             <a:extLst>
               <a:ext uri="{FF2B5EF4-FFF2-40B4-BE49-F238E27FC236}">
-                <a16:creationId xmlns="" xmlns:a16="http://schemas.microsoft.com/office/drawing/2014/main" id="{299DF5EC-9DF4-5255-06AC-0A7CE4FF58C3}"/>
+                <a16:creationId xmlns:a16="http://schemas.microsoft.com/office/drawing/2014/main" id="{299DF5EC-9DF4-5255-06AC-0A7CE4FF58C3}"/>
               </a:ext>
             </a:extLst>
           </p:cNvPr>
@@ -7665,7 +7664,7 @@
           <p:cNvPr id="7" name="TextBox 6">
             <a:extLst>
               <a:ext uri="{FF2B5EF4-FFF2-40B4-BE49-F238E27FC236}">
-                <a16:creationId xmlns="" xmlns:a16="http://schemas.microsoft.com/office/drawing/2014/main" id="{C6D113C6-EA5C-788F-0C77-E7CE6EBB865F}"/>
+                <a16:creationId xmlns:a16="http://schemas.microsoft.com/office/drawing/2014/main" id="{C6D113C6-EA5C-788F-0C77-E7CE6EBB865F}"/>
               </a:ext>
             </a:extLst>
           </p:cNvPr>
@@ -7689,7 +7688,7 @@
           <a:lstStyle/>
           <a:p>
             <a:r>
-              <a:rPr lang="en-US" altLang="ko-KR" sz="4000" smtClean="0">
+              <a:rPr lang="en-US" altLang="ko-KR" sz="4000">
                 <a:solidFill>
                   <a:srgbClr val="FF0000"/>
                 </a:solidFill>
@@ -7699,7 +7698,7 @@
               <a:t>static</a:t>
             </a:r>
             <a:r>
-              <a:rPr lang="ko-KR" altLang="en-US" sz="4000" smtClean="0">
+              <a:rPr lang="ko-KR" altLang="en-US" sz="4000">
                 <a:solidFill>
                   <a:srgbClr val="FF0000"/>
                 </a:solidFill>
@@ -7709,7 +7708,7 @@
               <a:t>은 객체 생성이전에도 사용할수 있다</a:t>
             </a:r>
             <a:r>
-              <a:rPr lang="en-US" altLang="ko-KR" sz="4000" smtClean="0">
+              <a:rPr lang="en-US" altLang="ko-KR" sz="4000">
                 <a:solidFill>
                   <a:srgbClr val="FF0000"/>
                 </a:solidFill>
@@ -7721,7 +7720,7 @@
           </a:p>
           <a:p>
             <a:r>
-              <a:rPr lang="ko-KR" altLang="en-US" sz="4000" smtClean="0">
+              <a:rPr lang="ko-KR" altLang="en-US" sz="4000">
                 <a:solidFill>
                   <a:srgbClr val="FF0000"/>
                 </a:solidFill>
@@ -7731,7 +7730,7 @@
               <a:t>따라서 객체를 가리키는 </a:t>
             </a:r>
             <a:r>
-              <a:rPr lang="en-US" altLang="ko-KR" sz="4000" smtClean="0">
+              <a:rPr lang="en-US" altLang="ko-KR" sz="4000">
                 <a:solidFill>
                   <a:srgbClr val="FF0000"/>
                 </a:solidFill>
@@ -7741,7 +7740,7 @@
               <a:t>this</a:t>
             </a:r>
             <a:r>
-              <a:rPr lang="ko-KR" altLang="en-US" sz="4000" smtClean="0">
+              <a:rPr lang="ko-KR" altLang="en-US" sz="4000">
                 <a:solidFill>
                   <a:srgbClr val="FF0000"/>
                 </a:solidFill>
@@ -7751,7 +7750,7 @@
               <a:t>는 사용할수 없다</a:t>
             </a:r>
             <a:r>
-              <a:rPr lang="en-US" altLang="ko-KR" sz="4000" smtClean="0">
+              <a:rPr lang="en-US" altLang="ko-KR" sz="4000">
                 <a:solidFill>
                   <a:srgbClr val="FF0000"/>
                 </a:solidFill>
@@ -7982,7 +7981,7 @@
           <p:cNvPr id="7" name="TextBox 6">
             <a:extLst>
               <a:ext uri="{FF2B5EF4-FFF2-40B4-BE49-F238E27FC236}">
-                <a16:creationId xmlns="" xmlns:a16="http://schemas.microsoft.com/office/drawing/2014/main" id="{DF7DDD33-9412-2802-339A-E55446AC2DA7}"/>
+                <a16:creationId xmlns:a16="http://schemas.microsoft.com/office/drawing/2014/main" id="{DF7DDD33-9412-2802-339A-E55446AC2DA7}"/>
               </a:ext>
             </a:extLst>
           </p:cNvPr>
@@ -8006,7 +8005,7 @@
           <a:lstStyle/>
           <a:p>
             <a:r>
-              <a:rPr lang="en-US" altLang="ko-KR" sz="5400" smtClean="0">
+              <a:rPr lang="en-US" altLang="ko-KR" sz="5400">
                 <a:solidFill>
                   <a:srgbClr val="4C50BC"/>
                 </a:solidFill>
@@ -8338,7 +8337,7 @@
           <p:cNvPr id="11" name="TextBox 10">
             <a:extLst>
               <a:ext uri="{FF2B5EF4-FFF2-40B4-BE49-F238E27FC236}">
-                <a16:creationId xmlns="" xmlns:a16="http://schemas.microsoft.com/office/drawing/2014/main" id="{9F88F580-08BE-88C2-D640-13F0026591CB}"/>
+                <a16:creationId xmlns:a16="http://schemas.microsoft.com/office/drawing/2014/main" id="{9F88F580-08BE-88C2-D640-13F0026591CB}"/>
               </a:ext>
             </a:extLst>
           </p:cNvPr>
@@ -8389,7 +8388,7 @@
           <p:cNvPr id="13" name="TextBox 12">
             <a:extLst>
               <a:ext uri="{FF2B5EF4-FFF2-40B4-BE49-F238E27FC236}">
-                <a16:creationId xmlns="" xmlns:a16="http://schemas.microsoft.com/office/drawing/2014/main" id="{72769C28-9BB6-DE9C-7B6F-264B77B8DD0E}"/>
+                <a16:creationId xmlns:a16="http://schemas.microsoft.com/office/drawing/2014/main" id="{72769C28-9BB6-DE9C-7B6F-264B77B8DD0E}"/>
               </a:ext>
             </a:extLst>
           </p:cNvPr>
@@ -8430,7 +8429,7 @@
           <p:cNvPr id="14" name="TextBox 13">
             <a:extLst>
               <a:ext uri="{FF2B5EF4-FFF2-40B4-BE49-F238E27FC236}">
-                <a16:creationId xmlns="" xmlns:a16="http://schemas.microsoft.com/office/drawing/2014/main" id="{270FBB6A-01CE-5637-78DA-58F0C974145C}"/>
+                <a16:creationId xmlns:a16="http://schemas.microsoft.com/office/drawing/2014/main" id="{270FBB6A-01CE-5637-78DA-58F0C974145C}"/>
               </a:ext>
             </a:extLst>
           </p:cNvPr>
@@ -8454,7 +8453,7 @@
           <a:lstStyle/>
           <a:p>
             <a:r>
-              <a:rPr lang="en-US" altLang="ko-KR" sz="3200" smtClean="0">
+              <a:rPr lang="en-US" altLang="ko-KR" sz="3200">
                 <a:solidFill>
                   <a:srgbClr val="4D4848"/>
                 </a:solidFill>
@@ -8478,7 +8477,7 @@
           <p:cNvPr id="2" name="Object 17">
             <a:extLst>
               <a:ext uri="{FF2B5EF4-FFF2-40B4-BE49-F238E27FC236}">
-                <a16:creationId xmlns="" xmlns:a16="http://schemas.microsoft.com/office/drawing/2014/main" id="{140B283D-FE58-FA6F-6F7C-E0F1DBB62A65}"/>
+                <a16:creationId xmlns:a16="http://schemas.microsoft.com/office/drawing/2014/main" id="{140B283D-FE58-FA6F-6F7C-E0F1DBB62A65}"/>
               </a:ext>
             </a:extLst>
           </p:cNvPr>
@@ -8508,7 +8507,7 @@
           <p:cNvPr id="4" name="TextBox 3">
             <a:extLst>
               <a:ext uri="{FF2B5EF4-FFF2-40B4-BE49-F238E27FC236}">
-                <a16:creationId xmlns="" xmlns:a16="http://schemas.microsoft.com/office/drawing/2014/main" id="{2C8D0998-79BC-6FD2-59D9-8052B4A25F65}"/>
+                <a16:creationId xmlns:a16="http://schemas.microsoft.com/office/drawing/2014/main" id="{2C8D0998-79BC-6FD2-59D9-8052B4A25F65}"/>
               </a:ext>
             </a:extLst>
           </p:cNvPr>
@@ -8532,7 +8531,7 @@
           <a:lstStyle/>
           <a:p>
             <a:r>
-              <a:rPr lang="ko-KR" altLang="en-US" sz="3200" smtClean="0">
+              <a:rPr lang="ko-KR" altLang="en-US" sz="3200">
                 <a:solidFill>
                   <a:srgbClr val="4D4848"/>
                 </a:solidFill>
@@ -8556,7 +8555,7 @@
           <p:cNvPr id="5" name="Object 18">
             <a:extLst>
               <a:ext uri="{FF2B5EF4-FFF2-40B4-BE49-F238E27FC236}">
-                <a16:creationId xmlns="" xmlns:a16="http://schemas.microsoft.com/office/drawing/2014/main" id="{3F58EA3E-1018-64D3-FAB2-4F6B9618FA56}"/>
+                <a16:creationId xmlns:a16="http://schemas.microsoft.com/office/drawing/2014/main" id="{3F58EA3E-1018-64D3-FAB2-4F6B9618FA56}"/>
               </a:ext>
             </a:extLst>
           </p:cNvPr>
@@ -8586,7 +8585,7 @@
           <p:cNvPr id="8" name="TextBox 7">
             <a:extLst>
               <a:ext uri="{FF2B5EF4-FFF2-40B4-BE49-F238E27FC236}">
-                <a16:creationId xmlns="" xmlns:a16="http://schemas.microsoft.com/office/drawing/2014/main" id="{681D3F16-7DCF-41AD-F5F1-0558C78C0E4D}"/>
+                <a16:creationId xmlns:a16="http://schemas.microsoft.com/office/drawing/2014/main" id="{681D3F16-7DCF-41AD-F5F1-0558C78C0E4D}"/>
               </a:ext>
             </a:extLst>
           </p:cNvPr>
@@ -8634,13 +8633,6 @@
   <p:clrMapOvr>
     <a:masterClrMapping/>
   </p:clrMapOvr>
-  <p:timing>
-    <p:tnLst>
-      <p:par>
-        <p:cTn id="1" dur="indefinite" restart="never" nodeType="tmRoot"/>
-      </p:par>
-    </p:tnLst>
-  </p:timing>
 </p:sld>
 </file>
 
@@ -8674,7 +8666,7 @@
           <p:cNvPr id="4" name="Object 1">
             <a:extLst>
               <a:ext uri="{FF2B5EF4-FFF2-40B4-BE49-F238E27FC236}">
-                <a16:creationId xmlns="" xmlns:a16="http://schemas.microsoft.com/office/drawing/2014/main" id="{B0329035-BE76-33A8-0F2E-44624FCC1DED}"/>
+                <a16:creationId xmlns:a16="http://schemas.microsoft.com/office/drawing/2014/main" id="{B0329035-BE76-33A8-0F2E-44624FCC1DED}"/>
               </a:ext>
             </a:extLst>
           </p:cNvPr>
@@ -8704,7 +8696,7 @@
           <p:cNvPr id="7" name="그룹 1001">
             <a:extLst>
               <a:ext uri="{FF2B5EF4-FFF2-40B4-BE49-F238E27FC236}">
-                <a16:creationId xmlns="" xmlns:a16="http://schemas.microsoft.com/office/drawing/2014/main" id="{CD24CE9D-AC18-B6CD-F397-7E8E03D6FE26}"/>
+                <a16:creationId xmlns:a16="http://schemas.microsoft.com/office/drawing/2014/main" id="{CD24CE9D-AC18-B6CD-F397-7E8E03D6FE26}"/>
               </a:ext>
             </a:extLst>
           </p:cNvPr>
@@ -8724,7 +8716,7 @@
             <p:cNvPr id="8" name="Object 5">
               <a:extLst>
                 <a:ext uri="{FF2B5EF4-FFF2-40B4-BE49-F238E27FC236}">
-                  <a16:creationId xmlns="" xmlns:a16="http://schemas.microsoft.com/office/drawing/2014/main" id="{0EEF25E8-3BA8-EBAA-6DC2-66D70C3F9F4D}"/>
+                  <a16:creationId xmlns:a16="http://schemas.microsoft.com/office/drawing/2014/main" id="{0EEF25E8-3BA8-EBAA-6DC2-66D70C3F9F4D}"/>
                 </a:ext>
               </a:extLst>
             </p:cNvPr>
@@ -8755,7 +8747,7 @@
           <p:cNvPr id="9" name="그룹 1002">
             <a:extLst>
               <a:ext uri="{FF2B5EF4-FFF2-40B4-BE49-F238E27FC236}">
-                <a16:creationId xmlns="" xmlns:a16="http://schemas.microsoft.com/office/drawing/2014/main" id="{0F281BC9-DE1F-D1FE-E64C-C4640398F00C}"/>
+                <a16:creationId xmlns:a16="http://schemas.microsoft.com/office/drawing/2014/main" id="{0F281BC9-DE1F-D1FE-E64C-C4640398F00C}"/>
               </a:ext>
             </a:extLst>
           </p:cNvPr>
@@ -8775,7 +8767,7 @@
             <p:cNvPr id="10" name="Object 8">
               <a:extLst>
                 <a:ext uri="{FF2B5EF4-FFF2-40B4-BE49-F238E27FC236}">
-                  <a16:creationId xmlns="" xmlns:a16="http://schemas.microsoft.com/office/drawing/2014/main" id="{F669DCEF-04BB-7046-3F7F-5B513213556E}"/>
+                  <a16:creationId xmlns:a16="http://schemas.microsoft.com/office/drawing/2014/main" id="{F669DCEF-04BB-7046-3F7F-5B513213556E}"/>
                 </a:ext>
               </a:extLst>
             </p:cNvPr>
@@ -8806,7 +8798,7 @@
           <p:cNvPr id="11" name="그룹 1003">
             <a:extLst>
               <a:ext uri="{FF2B5EF4-FFF2-40B4-BE49-F238E27FC236}">
-                <a16:creationId xmlns="" xmlns:a16="http://schemas.microsoft.com/office/drawing/2014/main" id="{1F91EEF9-13EA-BB7F-B056-D35E7DB989AC}"/>
+                <a16:creationId xmlns:a16="http://schemas.microsoft.com/office/drawing/2014/main" id="{1F91EEF9-13EA-BB7F-B056-D35E7DB989AC}"/>
               </a:ext>
             </a:extLst>
           </p:cNvPr>
@@ -8826,7 +8818,7 @@
             <p:cNvPr id="12" name="Object 11">
               <a:extLst>
                 <a:ext uri="{FF2B5EF4-FFF2-40B4-BE49-F238E27FC236}">
-                  <a16:creationId xmlns="" xmlns:a16="http://schemas.microsoft.com/office/drawing/2014/main" id="{2CFFB217-AEFB-2C9E-5F86-6EE19510FFC6}"/>
+                  <a16:creationId xmlns:a16="http://schemas.microsoft.com/office/drawing/2014/main" id="{2CFFB217-AEFB-2C9E-5F86-6EE19510FFC6}"/>
                 </a:ext>
               </a:extLst>
             </p:cNvPr>
@@ -8857,7 +8849,7 @@
           <p:cNvPr id="13" name="그룹 1004">
             <a:extLst>
               <a:ext uri="{FF2B5EF4-FFF2-40B4-BE49-F238E27FC236}">
-                <a16:creationId xmlns="" xmlns:a16="http://schemas.microsoft.com/office/drawing/2014/main" id="{123B9C7E-94E8-E7E1-81BE-D59EA0299187}"/>
+                <a16:creationId xmlns:a16="http://schemas.microsoft.com/office/drawing/2014/main" id="{123B9C7E-94E8-E7E1-81BE-D59EA0299187}"/>
               </a:ext>
             </a:extLst>
           </p:cNvPr>
@@ -8877,7 +8869,7 @@
             <p:cNvPr id="14" name="Object 14">
               <a:extLst>
                 <a:ext uri="{FF2B5EF4-FFF2-40B4-BE49-F238E27FC236}">
-                  <a16:creationId xmlns="" xmlns:a16="http://schemas.microsoft.com/office/drawing/2014/main" id="{B6291552-2D89-A79F-7ACD-EA0EF9A4C389}"/>
+                  <a16:creationId xmlns:a16="http://schemas.microsoft.com/office/drawing/2014/main" id="{B6291552-2D89-A79F-7ACD-EA0EF9A4C389}"/>
                 </a:ext>
               </a:extLst>
             </p:cNvPr>
@@ -8908,7 +8900,7 @@
           <p:cNvPr id="15" name="TextBox 14">
             <a:extLst>
               <a:ext uri="{FF2B5EF4-FFF2-40B4-BE49-F238E27FC236}">
-                <a16:creationId xmlns="" xmlns:a16="http://schemas.microsoft.com/office/drawing/2014/main" id="{7D99763A-FC24-23F5-5BA9-D7B042E0F323}"/>
+                <a16:creationId xmlns:a16="http://schemas.microsoft.com/office/drawing/2014/main" id="{7D99763A-FC24-23F5-5BA9-D7B042E0F323}"/>
               </a:ext>
             </a:extLst>
           </p:cNvPr>
@@ -8932,7 +8924,7 @@
           <a:lstStyle/>
           <a:p>
             <a:r>
-              <a:rPr lang="ko-KR" altLang="en-US" sz="6600" smtClean="0">
+              <a:rPr lang="ko-KR" altLang="en-US" sz="6600">
                 <a:solidFill>
                   <a:schemeClr val="bg1"/>
                 </a:solidFill>
@@ -8961,13 +8953,6 @@
   <p:clrMapOvr>
     <a:masterClrMapping/>
   </p:clrMapOvr>
-  <p:timing>
-    <p:tnLst>
-      <p:par>
-        <p:cTn id="1" dur="indefinite" restart="never" nodeType="tmRoot"/>
-      </p:par>
-    </p:tnLst>
-  </p:timing>
 </p:sld>
 </file>
 
@@ -9017,7 +9002,7 @@
           <p:cNvPr id="5" name="직선 화살표 연결선 4">
             <a:extLst>
               <a:ext uri="{FF2B5EF4-FFF2-40B4-BE49-F238E27FC236}">
-                <a16:creationId xmlns="" xmlns:a16="http://schemas.microsoft.com/office/drawing/2014/main" id="{299DF5EC-9DF4-5255-06AC-0A7CE4FF58C3}"/>
+                <a16:creationId xmlns:a16="http://schemas.microsoft.com/office/drawing/2014/main" id="{299DF5EC-9DF4-5255-06AC-0A7CE4FF58C3}"/>
               </a:ext>
             </a:extLst>
           </p:cNvPr>
@@ -9058,7 +9043,7 @@
           <p:cNvPr id="6" name="직사각형 5">
             <a:extLst>
               <a:ext uri="{FF2B5EF4-FFF2-40B4-BE49-F238E27FC236}">
-                <a16:creationId xmlns="" xmlns:a16="http://schemas.microsoft.com/office/drawing/2014/main" id="{FFF506F9-840A-0508-4CAF-3AC711D8D5CE}"/>
+                <a16:creationId xmlns:a16="http://schemas.microsoft.com/office/drawing/2014/main" id="{FFF506F9-840A-0508-4CAF-3AC711D8D5CE}"/>
               </a:ext>
             </a:extLst>
           </p:cNvPr>
@@ -9110,7 +9095,7 @@
           <p:cNvPr id="7" name="TextBox 6">
             <a:extLst>
               <a:ext uri="{FF2B5EF4-FFF2-40B4-BE49-F238E27FC236}">
-                <a16:creationId xmlns="" xmlns:a16="http://schemas.microsoft.com/office/drawing/2014/main" id="{C6D113C6-EA5C-788F-0C77-E7CE6EBB865F}"/>
+                <a16:creationId xmlns:a16="http://schemas.microsoft.com/office/drawing/2014/main" id="{C6D113C6-EA5C-788F-0C77-E7CE6EBB865F}"/>
               </a:ext>
             </a:extLst>
           </p:cNvPr>
@@ -9134,7 +9119,7 @@
           <a:lstStyle/>
           <a:p>
             <a:r>
-              <a:rPr lang="ko-KR" altLang="en-US" sz="4000" smtClean="0">
+              <a:rPr lang="ko-KR" altLang="en-US" sz="4000">
                 <a:solidFill>
                   <a:srgbClr val="FF0000"/>
                 </a:solidFill>
@@ -9158,7 +9143,7 @@
           <p:cNvPr id="8" name="직선 화살표 연결선 7">
             <a:extLst>
               <a:ext uri="{FF2B5EF4-FFF2-40B4-BE49-F238E27FC236}">
-                <a16:creationId xmlns="" xmlns:a16="http://schemas.microsoft.com/office/drawing/2014/main" id="{299DF5EC-9DF4-5255-06AC-0A7CE4FF58C3}"/>
+                <a16:creationId xmlns:a16="http://schemas.microsoft.com/office/drawing/2014/main" id="{299DF5EC-9DF4-5255-06AC-0A7CE4FF58C3}"/>
               </a:ext>
             </a:extLst>
           </p:cNvPr>
@@ -9199,7 +9184,7 @@
           <p:cNvPr id="9" name="직사각형 8">
             <a:extLst>
               <a:ext uri="{FF2B5EF4-FFF2-40B4-BE49-F238E27FC236}">
-                <a16:creationId xmlns="" xmlns:a16="http://schemas.microsoft.com/office/drawing/2014/main" id="{FFF506F9-840A-0508-4CAF-3AC711D8D5CE}"/>
+                <a16:creationId xmlns:a16="http://schemas.microsoft.com/office/drawing/2014/main" id="{FFF506F9-840A-0508-4CAF-3AC711D8D5CE}"/>
               </a:ext>
             </a:extLst>
           </p:cNvPr>
@@ -9251,7 +9236,7 @@
           <p:cNvPr id="10" name="TextBox 9">
             <a:extLst>
               <a:ext uri="{FF2B5EF4-FFF2-40B4-BE49-F238E27FC236}">
-                <a16:creationId xmlns="" xmlns:a16="http://schemas.microsoft.com/office/drawing/2014/main" id="{C6D113C6-EA5C-788F-0C77-E7CE6EBB865F}"/>
+                <a16:creationId xmlns:a16="http://schemas.microsoft.com/office/drawing/2014/main" id="{C6D113C6-EA5C-788F-0C77-E7CE6EBB865F}"/>
               </a:ext>
             </a:extLst>
           </p:cNvPr>
@@ -9275,7 +9260,7 @@
           <a:lstStyle/>
           <a:p>
             <a:r>
-              <a:rPr lang="ko-KR" altLang="en-US" sz="4000" smtClean="0">
+              <a:rPr lang="ko-KR" altLang="en-US" sz="4000">
                 <a:solidFill>
                   <a:srgbClr val="FF0000"/>
                 </a:solidFill>
@@ -9299,7 +9284,7 @@
           <p:cNvPr id="11" name="TextBox 10">
             <a:extLst>
               <a:ext uri="{FF2B5EF4-FFF2-40B4-BE49-F238E27FC236}">
-                <a16:creationId xmlns="" xmlns:a16="http://schemas.microsoft.com/office/drawing/2014/main" id="{C6D113C6-EA5C-788F-0C77-E7CE6EBB865F}"/>
+                <a16:creationId xmlns:a16="http://schemas.microsoft.com/office/drawing/2014/main" id="{C6D113C6-EA5C-788F-0C77-E7CE6EBB865F}"/>
               </a:ext>
             </a:extLst>
           </p:cNvPr>
@@ -9323,7 +9308,7 @@
           <a:lstStyle/>
           <a:p>
             <a:r>
-              <a:rPr lang="ko-KR" altLang="en-US" sz="4000" smtClean="0">
+              <a:rPr lang="ko-KR" altLang="en-US" sz="4000">
                 <a:solidFill>
                   <a:srgbClr val="FF0000"/>
                 </a:solidFill>
@@ -9333,7 +9318,7 @@
               <a:t>지역변수는 반드시 초기화를 해야 사용할수 있다</a:t>
             </a:r>
             <a:r>
-              <a:rPr lang="en-US" altLang="ko-KR" sz="4000" smtClean="0">
+              <a:rPr lang="en-US" altLang="ko-KR" sz="4000">
                 <a:solidFill>
                   <a:srgbClr val="FF0000"/>
                 </a:solidFill>
@@ -9357,7 +9342,7 @@
           <p:cNvPr id="12" name="표 2">
             <a:extLst>
               <a:ext uri="{FF2B5EF4-FFF2-40B4-BE49-F238E27FC236}">
-                <a16:creationId xmlns:a16="http://schemas.microsoft.com/office/drawing/2014/main" xmlns="" id="{D2CC6F32-611A-E22D-EB8C-52D626A5B319}"/>
+                <a16:creationId xmlns:a16="http://schemas.microsoft.com/office/drawing/2014/main" id="{D2CC6F32-611A-E22D-EB8C-52D626A5B319}"/>
               </a:ext>
             </a:extLst>
           </p:cNvPr>
@@ -9386,14 +9371,14 @@
                 <a:gridCol w="1731833">
                   <a:extLst>
                     <a:ext uri="{9D8B030D-6E8A-4147-A177-3AD203B41FA5}">
-                      <a16:colId xmlns:a16="http://schemas.microsoft.com/office/drawing/2014/main" xmlns="" val="1960770391"/>
+                      <a16:colId xmlns:a16="http://schemas.microsoft.com/office/drawing/2014/main" val="1960770391"/>
                     </a:ext>
                   </a:extLst>
                 </a:gridCol>
                 <a:gridCol w="1752960">
                   <a:extLst>
                     <a:ext uri="{9D8B030D-6E8A-4147-A177-3AD203B41FA5}">
-                      <a16:colId xmlns:a16="http://schemas.microsoft.com/office/drawing/2014/main" xmlns="" val="733308553"/>
+                      <a16:colId xmlns:a16="http://schemas.microsoft.com/office/drawing/2014/main" val="733308553"/>
                     </a:ext>
                   </a:extLst>
                 </a:gridCol>
@@ -9406,7 +9391,7 @@
                     <a:p>
                       <a:pPr latinLnBrk="1"/>
                       <a:r>
-                        <a:rPr lang="ko-KR" altLang="en-US" sz="2200" smtClean="0">
+                        <a:rPr lang="ko-KR" altLang="en-US" sz="2200">
                           <a:solidFill>
                             <a:schemeClr val="bg1"/>
                           </a:solidFill>
@@ -9471,7 +9456,7 @@
                     <a:p>
                       <a:pPr latinLnBrk="1"/>
                       <a:r>
-                        <a:rPr lang="ko-KR" altLang="en-US" sz="2200" smtClean="0">
+                        <a:rPr lang="ko-KR" altLang="en-US" sz="2200">
                           <a:solidFill>
                             <a:schemeClr val="bg1"/>
                           </a:solidFill>
@@ -9531,7 +9516,7 @@
                 </a:tc>
                 <a:extLst>
                   <a:ext uri="{0D108BD9-81ED-4DB2-BD59-A6C34878D82A}">
-                    <a16:rowId xmlns:a16="http://schemas.microsoft.com/office/drawing/2014/main" xmlns="" val="2452905565"/>
+                    <a16:rowId xmlns:a16="http://schemas.microsoft.com/office/drawing/2014/main" val="2452905565"/>
                   </a:ext>
                 </a:extLst>
               </a:tr>
@@ -9543,7 +9528,7 @@
                     <a:p>
                       <a:pPr latinLnBrk="1"/>
                       <a:r>
-                        <a:rPr lang="en-US" altLang="ko-KR" sz="2200" smtClean="0">
+                        <a:rPr lang="en-US" altLang="ko-KR" sz="2200">
                           <a:ea typeface="G마켓 산스 Medium" panose="02000000000000000000"/>
                         </a:rPr>
                         <a:t>boolean</a:t>
@@ -9616,7 +9601,7 @@
                         <a:defRPr/>
                       </a:pPr>
                       <a:r>
-                        <a:rPr lang="en-US" altLang="ko-KR" sz="2200" smtClean="0">
+                        <a:rPr lang="en-US" altLang="ko-KR" sz="2200">
                           <a:ea typeface="G마켓 산스 Medium" panose="02000000000000000000"/>
                         </a:rPr>
                         <a:t>false</a:t>
@@ -9668,7 +9653,7 @@
                 </a:tc>
                 <a:extLst>
                   <a:ext uri="{0D108BD9-81ED-4DB2-BD59-A6C34878D82A}">
-                    <a16:rowId xmlns:a16="http://schemas.microsoft.com/office/drawing/2014/main" xmlns="" val="3551452526"/>
+                    <a16:rowId xmlns:a16="http://schemas.microsoft.com/office/drawing/2014/main" val="3551452526"/>
                   </a:ext>
                 </a:extLst>
               </a:tr>
@@ -9680,7 +9665,7 @@
                     <a:p>
                       <a:pPr latinLnBrk="1"/>
                       <a:r>
-                        <a:rPr lang="en-US" altLang="ko-KR" sz="2200" smtClean="0">
+                        <a:rPr lang="en-US" altLang="ko-KR" sz="2200">
                           <a:ea typeface="G마켓 산스 Medium" panose="02000000000000000000"/>
                         </a:rPr>
                         <a:t>char</a:t>
@@ -9737,7 +9722,7 @@
                     <a:p>
                       <a:pPr latinLnBrk="1"/>
                       <a:r>
-                        <a:rPr lang="en-US" altLang="ko-KR" sz="2200" smtClean="0">
+                        <a:rPr lang="en-US" altLang="ko-KR" sz="2200">
                           <a:ea typeface="G마켓 산스 Medium" panose="02000000000000000000"/>
                         </a:rPr>
                         <a:t>‘\u0000’</a:t>
@@ -9789,7 +9774,7 @@
                 </a:tc>
                 <a:extLst>
                   <a:ext uri="{0D108BD9-81ED-4DB2-BD59-A6C34878D82A}">
-                    <a16:rowId xmlns:a16="http://schemas.microsoft.com/office/drawing/2014/main" xmlns="" val="3645064171"/>
+                    <a16:rowId xmlns:a16="http://schemas.microsoft.com/office/drawing/2014/main" val="3645064171"/>
                   </a:ext>
                 </a:extLst>
               </a:tr>
@@ -9801,7 +9786,7 @@
                     <a:p>
                       <a:pPr latinLnBrk="1"/>
                       <a:r>
-                        <a:rPr lang="ko-KR" altLang="en-US" sz="2200" smtClean="0">
+                        <a:rPr lang="ko-KR" altLang="en-US" sz="2200">
                           <a:ea typeface="G마켓 산스 Medium" panose="02000000000000000000"/>
                         </a:rPr>
                         <a:t>참조형</a:t>
@@ -9858,7 +9843,7 @@
                     <a:p>
                       <a:pPr latinLnBrk="1"/>
                       <a:r>
-                        <a:rPr lang="en-US" altLang="ko-KR" sz="2200" smtClean="0">
+                        <a:rPr lang="en-US" altLang="ko-KR" sz="2200">
                           <a:ea typeface="G마켓 산스 Medium" panose="02000000000000000000"/>
                         </a:rPr>
                         <a:t>null</a:t>
@@ -9910,7 +9895,7 @@
                 </a:tc>
                 <a:extLst>
                   <a:ext uri="{0D108BD9-81ED-4DB2-BD59-A6C34878D82A}">
-                    <a16:rowId xmlns:a16="http://schemas.microsoft.com/office/drawing/2014/main" xmlns="" val="2802120283"/>
+                    <a16:rowId xmlns:a16="http://schemas.microsoft.com/office/drawing/2014/main" val="2802120283"/>
                   </a:ext>
                 </a:extLst>
               </a:tr>
@@ -9922,7 +9907,7 @@
                     <a:p>
                       <a:pPr latinLnBrk="1"/>
                       <a:r>
-                        <a:rPr lang="ko-KR" altLang="en-US" sz="2200" smtClean="0">
+                        <a:rPr lang="ko-KR" altLang="en-US" sz="2200">
                           <a:ea typeface="G마켓 산스 Medium" panose="02000000000000000000"/>
                         </a:rPr>
                         <a:t>그외</a:t>
@@ -9979,7 +9964,7 @@
                     <a:p>
                       <a:pPr latinLnBrk="1"/>
                       <a:r>
-                        <a:rPr lang="en-US" altLang="ko-KR" sz="2200" smtClean="0">
+                        <a:rPr lang="en-US" altLang="ko-KR" sz="2200">
                           <a:ea typeface="G마켓 산스 Medium" panose="02000000000000000000"/>
                         </a:rPr>
                         <a:t>0</a:t>
@@ -10031,7 +10016,7 @@
                 </a:tc>
                 <a:extLst>
                   <a:ext uri="{0D108BD9-81ED-4DB2-BD59-A6C34878D82A}">
-                    <a16:rowId xmlns:a16="http://schemas.microsoft.com/office/drawing/2014/main" xmlns="" val="1362299918"/>
+                    <a16:rowId xmlns:a16="http://schemas.microsoft.com/office/drawing/2014/main" val="1362299918"/>
                   </a:ext>
                 </a:extLst>
               </a:tr>
@@ -10049,13 +10034,6 @@
   <p:clrMapOvr>
     <a:masterClrMapping/>
   </p:clrMapOvr>
-  <p:timing>
-    <p:tnLst>
-      <p:par>
-        <p:cTn id="1" dur="indefinite" restart="never" nodeType="tmRoot"/>
-      </p:par>
-    </p:tnLst>
-  </p:timing>
 </p:sld>
 </file>
 
@@ -10153,7 +10131,7 @@
           <p:cNvPr id="60" name="TextBox 59">
             <a:extLst>
               <a:ext uri="{FF2B5EF4-FFF2-40B4-BE49-F238E27FC236}">
-                <a16:creationId xmlns="" xmlns:a16="http://schemas.microsoft.com/office/drawing/2014/main" id="{5ADC00B6-990A-40DC-3CEA-505258F5E8DA}"/>
+                <a16:creationId xmlns:a16="http://schemas.microsoft.com/office/drawing/2014/main" id="{5ADC00B6-990A-40DC-3CEA-505258F5E8DA}"/>
               </a:ext>
             </a:extLst>
           </p:cNvPr>
@@ -10177,7 +10155,7 @@
           <a:lstStyle/>
           <a:p>
             <a:r>
-              <a:rPr lang="ko-KR" altLang="en-US" sz="4000" smtClean="0">
+              <a:rPr lang="ko-KR" altLang="en-US" sz="4000">
                 <a:solidFill>
                   <a:srgbClr val="4C50BC"/>
                 </a:solidFill>
@@ -10201,7 +10179,7 @@
           <p:cNvPr id="61" name="TextBox 60">
             <a:extLst>
               <a:ext uri="{FF2B5EF4-FFF2-40B4-BE49-F238E27FC236}">
-                <a16:creationId xmlns="" xmlns:a16="http://schemas.microsoft.com/office/drawing/2014/main" id="{5ADC00B6-990A-40DC-3CEA-505258F5E8DA}"/>
+                <a16:creationId xmlns:a16="http://schemas.microsoft.com/office/drawing/2014/main" id="{5ADC00B6-990A-40DC-3CEA-505258F5E8DA}"/>
               </a:ext>
             </a:extLst>
           </p:cNvPr>
@@ -10225,7 +10203,7 @@
           <a:lstStyle/>
           <a:p>
             <a:r>
-              <a:rPr lang="ko-KR" altLang="en-US" sz="3600" smtClean="0">
+              <a:rPr lang="ko-KR" altLang="en-US" sz="3600">
                 <a:solidFill>
                   <a:srgbClr val="4C50BC"/>
                 </a:solidFill>
@@ -10249,7 +10227,7 @@
           <p:cNvPr id="62" name="TextBox 61">
             <a:extLst>
               <a:ext uri="{FF2B5EF4-FFF2-40B4-BE49-F238E27FC236}">
-                <a16:creationId xmlns="" xmlns:a16="http://schemas.microsoft.com/office/drawing/2014/main" id="{5ADC00B6-990A-40DC-3CEA-505258F5E8DA}"/>
+                <a16:creationId xmlns:a16="http://schemas.microsoft.com/office/drawing/2014/main" id="{5ADC00B6-990A-40DC-3CEA-505258F5E8DA}"/>
               </a:ext>
             </a:extLst>
           </p:cNvPr>
@@ -10273,7 +10251,7 @@
           <a:lstStyle/>
           <a:p>
             <a:r>
-              <a:rPr lang="ko-KR" altLang="en-US" sz="3600" smtClean="0">
+              <a:rPr lang="ko-KR" altLang="en-US" sz="3600">
                 <a:solidFill>
                   <a:srgbClr val="4C50BC"/>
                 </a:solidFill>
@@ -10297,7 +10275,7 @@
           <p:cNvPr id="19" name="TextBox 18">
             <a:extLst>
               <a:ext uri="{FF2B5EF4-FFF2-40B4-BE49-F238E27FC236}">
-                <a16:creationId xmlns="" xmlns:a16="http://schemas.microsoft.com/office/drawing/2014/main" id="{5ADC00B6-990A-40DC-3CEA-505258F5E8DA}"/>
+                <a16:creationId xmlns:a16="http://schemas.microsoft.com/office/drawing/2014/main" id="{5ADC00B6-990A-40DC-3CEA-505258F5E8DA}"/>
               </a:ext>
             </a:extLst>
           </p:cNvPr>
@@ -10321,7 +10299,7 @@
           <a:lstStyle/>
           <a:p>
             <a:r>
-              <a:rPr lang="ko-KR" altLang="en-US" sz="4800" smtClean="0">
+              <a:rPr lang="ko-KR" altLang="en-US" sz="4800">
                 <a:solidFill>
                   <a:srgbClr val="4C50BC"/>
                 </a:solidFill>
@@ -10331,7 +10309,7 @@
               <a:t>멤버변수 초기화 방법 </a:t>
             </a:r>
             <a:r>
-              <a:rPr lang="en-US" altLang="ko-KR" sz="4800" smtClean="0">
+              <a:rPr lang="en-US" altLang="ko-KR" sz="4800">
                 <a:solidFill>
                   <a:srgbClr val="4C50BC"/>
                 </a:solidFill>
@@ -10341,7 +10319,7 @@
               <a:t>3</a:t>
             </a:r>
             <a:r>
-              <a:rPr lang="ko-KR" altLang="en-US" sz="4800" smtClean="0">
+              <a:rPr lang="ko-KR" altLang="en-US" sz="4800">
                 <a:solidFill>
                   <a:srgbClr val="4C50BC"/>
                 </a:solidFill>
@@ -10370,13 +10348,6 @@
   <p:clrMapOvr>
     <a:masterClrMapping/>
   </p:clrMapOvr>
-  <p:timing>
-    <p:tnLst>
-      <p:par>
-        <p:cTn id="1" dur="indefinite" restart="never" nodeType="tmRoot"/>
-      </p:par>
-    </p:tnLst>
-  </p:timing>
 </p:sld>
 </file>
 
@@ -10402,7 +10373,7 @@
           <p:cNvPr id="4" name="TextBox 3">
             <a:extLst>
               <a:ext uri="{FF2B5EF4-FFF2-40B4-BE49-F238E27FC236}">
-                <a16:creationId xmlns="" xmlns:a16="http://schemas.microsoft.com/office/drawing/2014/main" id="{5ADC00B6-990A-40DC-3CEA-505258F5E8DA}"/>
+                <a16:creationId xmlns:a16="http://schemas.microsoft.com/office/drawing/2014/main" id="{5ADC00B6-990A-40DC-3CEA-505258F5E8DA}"/>
               </a:ext>
             </a:extLst>
           </p:cNvPr>
@@ -10426,7 +10397,7 @@
           <a:lstStyle/>
           <a:p>
             <a:r>
-              <a:rPr lang="ko-KR" altLang="en-US" sz="4800" smtClean="0">
+              <a:rPr lang="ko-KR" altLang="en-US" sz="4800">
                 <a:solidFill>
                   <a:srgbClr val="4C50BC"/>
                 </a:solidFill>
@@ -10474,7 +10445,7 @@
           <p:cNvPr id="6" name="TextBox 5">
             <a:extLst>
               <a:ext uri="{FF2B5EF4-FFF2-40B4-BE49-F238E27FC236}">
-                <a16:creationId xmlns="" xmlns:a16="http://schemas.microsoft.com/office/drawing/2014/main" id="{5ADC00B6-990A-40DC-3CEA-505258F5E8DA}"/>
+                <a16:creationId xmlns:a16="http://schemas.microsoft.com/office/drawing/2014/main" id="{5ADC00B6-990A-40DC-3CEA-505258F5E8DA}"/>
               </a:ext>
             </a:extLst>
           </p:cNvPr>
@@ -10498,7 +10469,7 @@
           <a:lstStyle/>
           <a:p>
             <a:r>
-              <a:rPr lang="ko-KR" altLang="en-US" sz="4800" smtClean="0">
+              <a:rPr lang="ko-KR" altLang="en-US" sz="4800">
                 <a:solidFill>
                   <a:srgbClr val="4C50BC"/>
                 </a:solidFill>
@@ -10508,7 +10479,7 @@
               <a:t>값을 하드코딩으로 바로 초기화 할경우 좋다</a:t>
             </a:r>
             <a:r>
-              <a:rPr lang="en-US" altLang="ko-KR" sz="4800" smtClean="0">
+              <a:rPr lang="en-US" altLang="ko-KR" sz="4800">
                 <a:solidFill>
                   <a:srgbClr val="4C50BC"/>
                 </a:solidFill>
@@ -10664,7 +10635,7 @@
           <p:cNvPr id="4" name="TextBox 3">
             <a:extLst>
               <a:ext uri="{FF2B5EF4-FFF2-40B4-BE49-F238E27FC236}">
-                <a16:creationId xmlns="" xmlns:a16="http://schemas.microsoft.com/office/drawing/2014/main" id="{5ADC00B6-990A-40DC-3CEA-505258F5E8DA}"/>
+                <a16:creationId xmlns:a16="http://schemas.microsoft.com/office/drawing/2014/main" id="{5ADC00B6-990A-40DC-3CEA-505258F5E8DA}"/>
               </a:ext>
             </a:extLst>
           </p:cNvPr>
@@ -10688,7 +10659,7 @@
           <a:lstStyle/>
           <a:p>
             <a:r>
-              <a:rPr lang="ko-KR" altLang="en-US" sz="4800" smtClean="0">
+              <a:rPr lang="ko-KR" altLang="en-US" sz="4800">
                 <a:solidFill>
                   <a:srgbClr val="4C50BC"/>
                 </a:solidFill>
@@ -10736,7 +10707,7 @@
           <p:cNvPr id="8" name="직사각형 7">
             <a:extLst>
               <a:ext uri="{FF2B5EF4-FFF2-40B4-BE49-F238E27FC236}">
-                <a16:creationId xmlns="" xmlns:a16="http://schemas.microsoft.com/office/drawing/2014/main" id="{FFF506F9-840A-0508-4CAF-3AC711D8D5CE}"/>
+                <a16:creationId xmlns:a16="http://schemas.microsoft.com/office/drawing/2014/main" id="{FFF506F9-840A-0508-4CAF-3AC711D8D5CE}"/>
               </a:ext>
             </a:extLst>
           </p:cNvPr>
@@ -10788,7 +10759,7 @@
           <p:cNvPr id="9" name="직사각형 8">
             <a:extLst>
               <a:ext uri="{FF2B5EF4-FFF2-40B4-BE49-F238E27FC236}">
-                <a16:creationId xmlns="" xmlns:a16="http://schemas.microsoft.com/office/drawing/2014/main" id="{FFF506F9-840A-0508-4CAF-3AC711D8D5CE}"/>
+                <a16:creationId xmlns:a16="http://schemas.microsoft.com/office/drawing/2014/main" id="{FFF506F9-840A-0508-4CAF-3AC711D8D5CE}"/>
               </a:ext>
             </a:extLst>
           </p:cNvPr>
@@ -10840,7 +10811,7 @@
           <p:cNvPr id="10" name="직사각형 9">
             <a:extLst>
               <a:ext uri="{FF2B5EF4-FFF2-40B4-BE49-F238E27FC236}">
-                <a16:creationId xmlns="" xmlns:a16="http://schemas.microsoft.com/office/drawing/2014/main" id="{FFF506F9-840A-0508-4CAF-3AC711D8D5CE}"/>
+                <a16:creationId xmlns:a16="http://schemas.microsoft.com/office/drawing/2014/main" id="{FFF506F9-840A-0508-4CAF-3AC711D8D5CE}"/>
               </a:ext>
             </a:extLst>
           </p:cNvPr>
@@ -10892,7 +10863,7 @@
           <p:cNvPr id="12" name="그룹 1008">
             <a:extLst>
               <a:ext uri="{FF2B5EF4-FFF2-40B4-BE49-F238E27FC236}">
-                <a16:creationId xmlns="" xmlns:a16="http://schemas.microsoft.com/office/drawing/2014/main" id="{678F6342-C505-E8AD-ADA4-022CB2C2088E}"/>
+                <a16:creationId xmlns:a16="http://schemas.microsoft.com/office/drawing/2014/main" id="{678F6342-C505-E8AD-ADA4-022CB2C2088E}"/>
               </a:ext>
             </a:extLst>
           </p:cNvPr>
@@ -10912,7 +10883,7 @@
             <p:cNvPr id="13" name="그룹 1009">
               <a:extLst>
                 <a:ext uri="{FF2B5EF4-FFF2-40B4-BE49-F238E27FC236}">
-                  <a16:creationId xmlns="" xmlns:a16="http://schemas.microsoft.com/office/drawing/2014/main" id="{4E1F1FED-812B-9BBB-925A-84B54A077414}"/>
+                  <a16:creationId xmlns:a16="http://schemas.microsoft.com/office/drawing/2014/main" id="{4E1F1FED-812B-9BBB-925A-84B54A077414}"/>
                 </a:ext>
               </a:extLst>
             </p:cNvPr>
@@ -10932,7 +10903,7 @@
               <p:cNvPr id="18" name="Object 29">
                 <a:extLst>
                   <a:ext uri="{FF2B5EF4-FFF2-40B4-BE49-F238E27FC236}">
-                    <a16:creationId xmlns="" xmlns:a16="http://schemas.microsoft.com/office/drawing/2014/main" id="{7B078609-4286-7B00-51EB-809C8E2DE289}"/>
+                    <a16:creationId xmlns:a16="http://schemas.microsoft.com/office/drawing/2014/main" id="{7B078609-4286-7B00-51EB-809C8E2DE289}"/>
                   </a:ext>
                 </a:extLst>
               </p:cNvPr>
@@ -10963,7 +10934,7 @@
             <p:cNvPr id="14" name="그룹 1010">
               <a:extLst>
                 <a:ext uri="{FF2B5EF4-FFF2-40B4-BE49-F238E27FC236}">
-                  <a16:creationId xmlns="" xmlns:a16="http://schemas.microsoft.com/office/drawing/2014/main" id="{02A649BF-B5B5-FBAF-7DFD-E118A4DF8907}"/>
+                  <a16:creationId xmlns:a16="http://schemas.microsoft.com/office/drawing/2014/main" id="{02A649BF-B5B5-FBAF-7DFD-E118A4DF8907}"/>
                 </a:ext>
               </a:extLst>
             </p:cNvPr>
@@ -10983,7 +10954,7 @@
               <p:cNvPr id="17" name="Object 32">
                 <a:extLst>
                   <a:ext uri="{FF2B5EF4-FFF2-40B4-BE49-F238E27FC236}">
-                    <a16:creationId xmlns="" xmlns:a16="http://schemas.microsoft.com/office/drawing/2014/main" id="{2A0FFF23-B3C9-3EA0-1C1B-A87D4FF098AE}"/>
+                    <a16:creationId xmlns:a16="http://schemas.microsoft.com/office/drawing/2014/main" id="{2A0FFF23-B3C9-3EA0-1C1B-A87D4FF098AE}"/>
                   </a:ext>
                 </a:extLst>
               </p:cNvPr>
@@ -11014,7 +10985,7 @@
             <p:cNvPr id="15" name="그룹 1011">
               <a:extLst>
                 <a:ext uri="{FF2B5EF4-FFF2-40B4-BE49-F238E27FC236}">
-                  <a16:creationId xmlns="" xmlns:a16="http://schemas.microsoft.com/office/drawing/2014/main" id="{881F5410-F7FB-F261-A584-707359BAC593}"/>
+                  <a16:creationId xmlns:a16="http://schemas.microsoft.com/office/drawing/2014/main" id="{881F5410-F7FB-F261-A584-707359BAC593}"/>
                 </a:ext>
               </a:extLst>
             </p:cNvPr>
@@ -11034,7 +11005,7 @@
               <p:cNvPr id="16" name="Object 35">
                 <a:extLst>
                   <a:ext uri="{FF2B5EF4-FFF2-40B4-BE49-F238E27FC236}">
-                    <a16:creationId xmlns="" xmlns:a16="http://schemas.microsoft.com/office/drawing/2014/main" id="{4E99E669-73EB-F9F4-EFE8-DC107035C265}"/>
+                    <a16:creationId xmlns:a16="http://schemas.microsoft.com/office/drawing/2014/main" id="{4E99E669-73EB-F9F4-EFE8-DC107035C265}"/>
                   </a:ext>
                 </a:extLst>
               </p:cNvPr>
@@ -11066,7 +11037,7 @@
           <p:cNvPr id="19" name="직사각형 18">
             <a:extLst>
               <a:ext uri="{FF2B5EF4-FFF2-40B4-BE49-F238E27FC236}">
-                <a16:creationId xmlns="" xmlns:a16="http://schemas.microsoft.com/office/drawing/2014/main" id="{FFF506F9-840A-0508-4CAF-3AC711D8D5CE}"/>
+                <a16:creationId xmlns:a16="http://schemas.microsoft.com/office/drawing/2014/main" id="{FFF506F9-840A-0508-4CAF-3AC711D8D5CE}"/>
               </a:ext>
             </a:extLst>
           </p:cNvPr>
@@ -11364,7 +11335,7 @@
           <p:cNvPr id="4" name="TextBox 3">
             <a:extLst>
               <a:ext uri="{FF2B5EF4-FFF2-40B4-BE49-F238E27FC236}">
-                <a16:creationId xmlns="" xmlns:a16="http://schemas.microsoft.com/office/drawing/2014/main" id="{5ADC00B6-990A-40DC-3CEA-505258F5E8DA}"/>
+                <a16:creationId xmlns:a16="http://schemas.microsoft.com/office/drawing/2014/main" id="{5ADC00B6-990A-40DC-3CEA-505258F5E8DA}"/>
               </a:ext>
             </a:extLst>
           </p:cNvPr>
@@ -11388,7 +11359,7 @@
           <a:lstStyle/>
           <a:p>
             <a:r>
-              <a:rPr lang="ko-KR" altLang="en-US" sz="4800" smtClean="0">
+              <a:rPr lang="ko-KR" altLang="en-US" sz="4800">
                 <a:solidFill>
                   <a:schemeClr val="tx1">
                     <a:lumMod val="50000"/>
@@ -11400,7 +11371,7 @@
               </a:rPr>
               <a:t>클래스가 메모리에 처음 로딩될때 한번만 실행</a:t>
             </a:r>
-            <a:endParaRPr lang="en-US" altLang="ko-KR" sz="4800" smtClean="0">
+            <a:endParaRPr lang="en-US" altLang="ko-KR" sz="4800">
               <a:solidFill>
                 <a:schemeClr val="tx1">
                   <a:lumMod val="50000"/>
@@ -11413,7 +11384,7 @@
           </a:p>
           <a:p>
             <a:r>
-              <a:rPr lang="en-US" altLang="ko-KR" sz="4800" smtClean="0">
+              <a:rPr lang="en-US" altLang="ko-KR" sz="4800">
                 <a:solidFill>
                   <a:schemeClr val="tx1">
                     <a:lumMod val="50000"/>
@@ -11426,7 +11397,7 @@
               <a:t>(</a:t>
             </a:r>
             <a:r>
-              <a:rPr lang="ko-KR" altLang="en-US" sz="4800" smtClean="0">
+              <a:rPr lang="ko-KR" altLang="en-US" sz="4800">
                 <a:solidFill>
                   <a:srgbClr val="FF0000"/>
                 </a:solidFill>
@@ -11436,7 +11407,7 @@
               <a:t>객체가 메모리에 생성될때가 아니다</a:t>
             </a:r>
             <a:r>
-              <a:rPr lang="en-US" altLang="ko-KR" sz="4800" smtClean="0">
+              <a:rPr lang="en-US" altLang="ko-KR" sz="4800">
                 <a:solidFill>
                   <a:srgbClr val="FF0000"/>
                 </a:solidFill>
@@ -11446,7 +11417,7 @@
               <a:t>!</a:t>
             </a:r>
             <a:r>
-              <a:rPr lang="en-US" altLang="ko-KR" sz="4800" smtClean="0">
+              <a:rPr lang="en-US" altLang="ko-KR" sz="4800">
                 <a:solidFill>
                   <a:schemeClr val="tx1">
                     <a:lumMod val="50000"/>
@@ -11476,7 +11447,7 @@
           <p:cNvPr id="5" name="TextBox 4">
             <a:extLst>
               <a:ext uri="{FF2B5EF4-FFF2-40B4-BE49-F238E27FC236}">
-                <a16:creationId xmlns="" xmlns:a16="http://schemas.microsoft.com/office/drawing/2014/main" id="{5ADC00B6-990A-40DC-3CEA-505258F5E8DA}"/>
+                <a16:creationId xmlns:a16="http://schemas.microsoft.com/office/drawing/2014/main" id="{5ADC00B6-990A-40DC-3CEA-505258F5E8DA}"/>
               </a:ext>
             </a:extLst>
           </p:cNvPr>
@@ -11500,7 +11471,7 @@
           <a:lstStyle/>
           <a:p>
             <a:r>
-              <a:rPr lang="ko-KR" altLang="en-US" sz="4800" smtClean="0">
+              <a:rPr lang="ko-KR" altLang="en-US" sz="4800">
                 <a:solidFill>
                   <a:schemeClr val="tx1">
                     <a:lumMod val="50000"/>
@@ -11530,7 +11501,7 @@
           <p:cNvPr id="6" name="TextBox 5">
             <a:extLst>
               <a:ext uri="{FF2B5EF4-FFF2-40B4-BE49-F238E27FC236}">
-                <a16:creationId xmlns="" xmlns:a16="http://schemas.microsoft.com/office/drawing/2014/main" id="{5ADC00B6-990A-40DC-3CEA-505258F5E8DA}"/>
+                <a16:creationId xmlns:a16="http://schemas.microsoft.com/office/drawing/2014/main" id="{5ADC00B6-990A-40DC-3CEA-505258F5E8DA}"/>
               </a:ext>
             </a:extLst>
           </p:cNvPr>
@@ -11554,7 +11525,7 @@
           <a:lstStyle/>
           <a:p>
             <a:r>
-              <a:rPr lang="ko-KR" altLang="en-US" sz="4800" smtClean="0">
+              <a:rPr lang="ko-KR" altLang="en-US" sz="4800">
                 <a:solidFill>
                   <a:srgbClr val="4C50BC"/>
                 </a:solidFill>
@@ -11578,7 +11549,7 @@
           <p:cNvPr id="7" name="TextBox 6">
             <a:extLst>
               <a:ext uri="{FF2B5EF4-FFF2-40B4-BE49-F238E27FC236}">
-                <a16:creationId xmlns="" xmlns:a16="http://schemas.microsoft.com/office/drawing/2014/main" id="{5ADC00B6-990A-40DC-3CEA-505258F5E8DA}"/>
+                <a16:creationId xmlns:a16="http://schemas.microsoft.com/office/drawing/2014/main" id="{5ADC00B6-990A-40DC-3CEA-505258F5E8DA}"/>
               </a:ext>
             </a:extLst>
           </p:cNvPr>
@@ -11602,7 +11573,7 @@
           <a:lstStyle/>
           <a:p>
             <a:r>
-              <a:rPr lang="ko-KR" altLang="en-US" sz="4800" smtClean="0">
+              <a:rPr lang="ko-KR" altLang="en-US" sz="4800">
                 <a:solidFill>
                   <a:srgbClr val="4C50BC"/>
                 </a:solidFill>
@@ -11848,7 +11819,7 @@
           <p:cNvPr id="5" name="직선 화살표 연결선 4">
             <a:extLst>
               <a:ext uri="{FF2B5EF4-FFF2-40B4-BE49-F238E27FC236}">
-                <a16:creationId xmlns="" xmlns:a16="http://schemas.microsoft.com/office/drawing/2014/main" id="{299DF5EC-9DF4-5255-06AC-0A7CE4FF58C3}"/>
+                <a16:creationId xmlns:a16="http://schemas.microsoft.com/office/drawing/2014/main" id="{299DF5EC-9DF4-5255-06AC-0A7CE4FF58C3}"/>
               </a:ext>
             </a:extLst>
           </p:cNvPr>
@@ -11889,7 +11860,7 @@
           <p:cNvPr id="6" name="직사각형 5">
             <a:extLst>
               <a:ext uri="{FF2B5EF4-FFF2-40B4-BE49-F238E27FC236}">
-                <a16:creationId xmlns="" xmlns:a16="http://schemas.microsoft.com/office/drawing/2014/main" id="{FFF506F9-840A-0508-4CAF-3AC711D8D5CE}"/>
+                <a16:creationId xmlns:a16="http://schemas.microsoft.com/office/drawing/2014/main" id="{FFF506F9-840A-0508-4CAF-3AC711D8D5CE}"/>
               </a:ext>
             </a:extLst>
           </p:cNvPr>
@@ -11941,7 +11912,7 @@
           <p:cNvPr id="7" name="TextBox 6">
             <a:extLst>
               <a:ext uri="{FF2B5EF4-FFF2-40B4-BE49-F238E27FC236}">
-                <a16:creationId xmlns="" xmlns:a16="http://schemas.microsoft.com/office/drawing/2014/main" id="{C6D113C6-EA5C-788F-0C77-E7CE6EBB865F}"/>
+                <a16:creationId xmlns:a16="http://schemas.microsoft.com/office/drawing/2014/main" id="{C6D113C6-EA5C-788F-0C77-E7CE6EBB865F}"/>
               </a:ext>
             </a:extLst>
           </p:cNvPr>
@@ -11965,7 +11936,7 @@
           <a:lstStyle/>
           <a:p>
             <a:r>
-              <a:rPr lang="ko-KR" altLang="en-US" sz="4000" smtClean="0">
+              <a:rPr lang="ko-KR" altLang="en-US" sz="4000">
                 <a:solidFill>
                   <a:srgbClr val="FF0000"/>
                 </a:solidFill>
@@ -11975,7 +11946,7 @@
               <a:t>클래스 초기화 블록은 객체 생성보다 이전에 실행되므로 인스턴스 변수는 사용할수 없다</a:t>
             </a:r>
             <a:r>
-              <a:rPr lang="en-US" altLang="ko-KR" sz="4000" smtClean="0">
+              <a:rPr lang="en-US" altLang="ko-KR" sz="4000">
                 <a:solidFill>
                   <a:srgbClr val="FF0000"/>
                 </a:solidFill>
@@ -12004,13 +11975,6 @@
   <p:clrMapOvr>
     <a:masterClrMapping/>
   </p:clrMapOvr>
-  <p:timing>
-    <p:tnLst>
-      <p:par>
-        <p:cTn id="1" dur="indefinite" restart="never" nodeType="tmRoot"/>
-      </p:par>
-    </p:tnLst>
-  </p:timing>
 </p:sld>
 </file>
 
@@ -12200,7 +12164,7 @@
           <p:cNvPr id="2" name="TextBox 1">
             <a:extLst>
               <a:ext uri="{FF2B5EF4-FFF2-40B4-BE49-F238E27FC236}">
-                <a16:creationId xmlns="" xmlns:a16="http://schemas.microsoft.com/office/drawing/2014/main" id="{76F36AE5-79B5-0B9F-E510-1C27AAC4B649}"/>
+                <a16:creationId xmlns:a16="http://schemas.microsoft.com/office/drawing/2014/main" id="{76F36AE5-79B5-0B9F-E510-1C27AAC4B649}"/>
               </a:ext>
             </a:extLst>
           </p:cNvPr>
@@ -12224,7 +12188,7 @@
           <a:lstStyle/>
           <a:p>
             <a:r>
-              <a:rPr lang="ko-KR" altLang="en-US" sz="6600" smtClean="0">
+              <a:rPr lang="ko-KR" altLang="en-US" sz="6600">
                 <a:solidFill>
                   <a:prstClr val="white"/>
                 </a:solidFill>
@@ -12277,13 +12241,6 @@
   <p:clrMapOvr>
     <a:masterClrMapping/>
   </p:clrMapOvr>
-  <p:timing>
-    <p:tnLst>
-      <p:par>
-        <p:cTn id="1" dur="indefinite" restart="never" nodeType="tmRoot"/>
-      </p:par>
-    </p:tnLst>
-  </p:timing>
 </p:sld>
 </file>
 
@@ -12309,7 +12266,7 @@
           <p:cNvPr id="4" name="TextBox 3">
             <a:extLst>
               <a:ext uri="{FF2B5EF4-FFF2-40B4-BE49-F238E27FC236}">
-                <a16:creationId xmlns="" xmlns:a16="http://schemas.microsoft.com/office/drawing/2014/main" id="{5ADC00B6-990A-40DC-3CEA-505258F5E8DA}"/>
+                <a16:creationId xmlns:a16="http://schemas.microsoft.com/office/drawing/2014/main" id="{5ADC00B6-990A-40DC-3CEA-505258F5E8DA}"/>
               </a:ext>
             </a:extLst>
           </p:cNvPr>
@@ -12333,7 +12290,7 @@
           <a:lstStyle/>
           <a:p>
             <a:r>
-              <a:rPr lang="ko-KR" altLang="en-US" sz="4800" smtClean="0">
+              <a:rPr lang="ko-KR" altLang="en-US" sz="4800">
                 <a:solidFill>
                   <a:srgbClr val="4C50BC"/>
                 </a:solidFill>
@@ -12343,7 +12300,7 @@
               <a:t>연습문제</a:t>
             </a:r>
             <a:r>
-              <a:rPr lang="en-US" altLang="ko-KR" sz="4800" smtClean="0">
+              <a:rPr lang="en-US" altLang="ko-KR" sz="4800">
                 <a:solidFill>
                   <a:srgbClr val="4C50BC"/>
                 </a:solidFill>
@@ -12367,7 +12324,7 @@
           <p:cNvPr id="5" name="TextBox 4">
             <a:extLst>
               <a:ext uri="{FF2B5EF4-FFF2-40B4-BE49-F238E27FC236}">
-                <a16:creationId xmlns="" xmlns:a16="http://schemas.microsoft.com/office/drawing/2014/main" id="{A2AD056B-97A4-5BCC-4460-250160F3E171}"/>
+                <a16:creationId xmlns:a16="http://schemas.microsoft.com/office/drawing/2014/main" id="{A2AD056B-97A4-5BCC-4460-250160F3E171}"/>
               </a:ext>
             </a:extLst>
           </p:cNvPr>
@@ -12394,7 +12351,7 @@
               <a:buAutoNum type="arabicPeriod"/>
             </a:pPr>
             <a:r>
-              <a:rPr lang="en-US" altLang="ko-KR" sz="4000" smtClean="0">
+              <a:rPr lang="en-US" altLang="ko-KR" sz="4000">
                 <a:solidFill>
                   <a:schemeClr val="tx1">
                     <a:lumMod val="50000"/>
@@ -12407,7 +12364,7 @@
               <a:t>Student </a:t>
             </a:r>
             <a:r>
-              <a:rPr lang="ko-KR" altLang="en-US" sz="4000" smtClean="0">
+              <a:rPr lang="ko-KR" altLang="en-US" sz="4000">
                 <a:solidFill>
                   <a:schemeClr val="tx1">
                     <a:lumMod val="50000"/>
@@ -12419,7 +12376,7 @@
               </a:rPr>
               <a:t>클래스가 생성 될때마다 </a:t>
             </a:r>
-            <a:endParaRPr lang="en-US" altLang="ko-KR" sz="4000" smtClean="0">
+            <a:endParaRPr lang="en-US" altLang="ko-KR" sz="4000">
               <a:solidFill>
                 <a:schemeClr val="tx1">
                   <a:lumMod val="50000"/>
@@ -12432,7 +12389,7 @@
           </a:p>
           <a:p>
             <a:r>
-              <a:rPr lang="ko-KR" altLang="en-US" sz="4000" smtClean="0">
+              <a:rPr lang="ko-KR" altLang="en-US" sz="4000">
                 <a:solidFill>
                   <a:schemeClr val="tx1">
                     <a:lumMod val="50000"/>
@@ -12442,33 +12399,7 @@
                 <a:latin typeface="G마켓 산스 Medium" panose="02000000000000000000" pitchFamily="50" charset="-127"/>
                 <a:ea typeface="G마켓 산스 Medium" panose="02000000000000000000" pitchFamily="50" charset="-127"/>
               </a:rPr>
-              <a:t>     학생수 </a:t>
-            </a:r>
-            <a:r>
-              <a:rPr lang="ko-KR" altLang="en-US" sz="4000" smtClean="0">
-                <a:solidFill>
-                  <a:schemeClr val="tx1">
-                    <a:lumMod val="50000"/>
-                    <a:lumOff val="50000"/>
-                  </a:schemeClr>
-                </a:solidFill>
-                <a:latin typeface="G마켓 산스 Medium" panose="02000000000000000000" pitchFamily="50" charset="-127"/>
-                <a:ea typeface="G마켓 산스 Medium" panose="02000000000000000000" pitchFamily="50" charset="-127"/>
-              </a:rPr>
-              <a:t>카운트를 </a:t>
-            </a:r>
-            <a:r>
-              <a:rPr lang="ko-KR" altLang="en-US" sz="4000" smtClean="0">
-                <a:solidFill>
-                  <a:schemeClr val="tx1">
-                    <a:lumMod val="50000"/>
-                    <a:lumOff val="50000"/>
-                  </a:schemeClr>
-                </a:solidFill>
-                <a:latin typeface="G마켓 산스 Medium" panose="02000000000000000000" pitchFamily="50" charset="-127"/>
-                <a:ea typeface="G마켓 산스 Medium" panose="02000000000000000000" pitchFamily="50" charset="-127"/>
-              </a:rPr>
-              <a:t>올려보자</a:t>
+              <a:t>     학생수 카운트를 올려보자</a:t>
             </a:r>
             <a:endParaRPr lang="en-US" altLang="ko-KR" sz="4000" dirty="0">
               <a:solidFill>
@@ -12536,7 +12467,7 @@
           <p:cNvPr id="7" name="TextBox 6">
             <a:extLst>
               <a:ext uri="{FF2B5EF4-FFF2-40B4-BE49-F238E27FC236}">
-                <a16:creationId xmlns="" xmlns:a16="http://schemas.microsoft.com/office/drawing/2014/main" id="{A2AD056B-97A4-5BCC-4460-250160F3E171}"/>
+                <a16:creationId xmlns:a16="http://schemas.microsoft.com/office/drawing/2014/main" id="{A2AD056B-97A4-5BCC-4460-250160F3E171}"/>
               </a:ext>
             </a:extLst>
           </p:cNvPr>
@@ -12560,7 +12491,7 @@
           <a:lstStyle/>
           <a:p>
             <a:r>
-              <a:rPr lang="en-US" altLang="ko-KR" sz="4000" smtClean="0">
+              <a:rPr lang="en-US" altLang="ko-KR" sz="4000" dirty="0">
                 <a:solidFill>
                   <a:schemeClr val="tx1">
                     <a:lumMod val="50000"/>
@@ -12570,10 +12501,260 @@
                 <a:latin typeface="G마켓 산스 Medium" panose="02000000000000000000" pitchFamily="50" charset="-127"/>
                 <a:ea typeface="G마켓 산스 Medium" panose="02000000000000000000" pitchFamily="50" charset="-127"/>
               </a:rPr>
-              <a:t>2.</a:t>
-            </a:r>
-            <a:r>
-              <a:rPr lang="en-US" altLang="ko-KR" sz="4000" smtClean="0">
+              <a:t>2. </a:t>
+            </a:r>
+            <a:r>
+              <a:rPr lang="ko-KR" altLang="en-US" sz="4000" dirty="0">
+                <a:solidFill>
+                  <a:schemeClr val="tx1">
+                    <a:lumMod val="50000"/>
+                    <a:lumOff val="50000"/>
+                  </a:schemeClr>
+                </a:solidFill>
+                <a:latin typeface="G마켓 산스 Medium" panose="02000000000000000000" pitchFamily="50" charset="-127"/>
+                <a:ea typeface="G마켓 산스 Medium" panose="02000000000000000000" pitchFamily="50" charset="-127"/>
+              </a:rPr>
+              <a:t>오른쪽의 클래스를 </a:t>
+            </a:r>
+            <a:r>
+              <a:rPr lang="ko-KR" altLang="en-US" sz="4000" dirty="0" err="1">
+                <a:solidFill>
+                  <a:schemeClr val="tx1">
+                    <a:lumMod val="50000"/>
+                    <a:lumOff val="50000"/>
+                  </a:schemeClr>
+                </a:solidFill>
+                <a:latin typeface="G마켓 산스 Medium" panose="02000000000000000000" pitchFamily="50" charset="-127"/>
+                <a:ea typeface="G마켓 산스 Medium" panose="02000000000000000000" pitchFamily="50" charset="-127"/>
+              </a:rPr>
+              <a:t>만든후</a:t>
+            </a:r>
+            <a:r>
+              <a:rPr lang="ko-KR" altLang="en-US" sz="4000" dirty="0">
+                <a:solidFill>
+                  <a:schemeClr val="tx1">
+                    <a:lumMod val="50000"/>
+                    <a:lumOff val="50000"/>
+                  </a:schemeClr>
+                </a:solidFill>
+                <a:latin typeface="G마켓 산스 Medium" panose="02000000000000000000" pitchFamily="50" charset="-127"/>
+                <a:ea typeface="G마켓 산스 Medium" panose="02000000000000000000" pitchFamily="50" charset="-127"/>
+              </a:rPr>
+              <a:t> 각각 </a:t>
+            </a:r>
+            <a:r>
+              <a:rPr lang="en-US" altLang="ko-KR" sz="4000" dirty="0">
+                <a:solidFill>
+                  <a:schemeClr val="tx1">
+                    <a:lumMod val="50000"/>
+                    <a:lumOff val="50000"/>
+                  </a:schemeClr>
+                </a:solidFill>
+                <a:latin typeface="G마켓 산스 Medium" panose="02000000000000000000" pitchFamily="50" charset="-127"/>
+                <a:ea typeface="G마켓 산스 Medium" panose="02000000000000000000" pitchFamily="50" charset="-127"/>
+              </a:rPr>
+              <a:t>12</a:t>
+            </a:r>
+            <a:r>
+              <a:rPr lang="ko-KR" altLang="en-US" sz="4000" dirty="0">
+                <a:solidFill>
+                  <a:schemeClr val="tx1">
+                    <a:lumMod val="50000"/>
+                    <a:lumOff val="50000"/>
+                  </a:schemeClr>
+                </a:solidFill>
+                <a:latin typeface="G마켓 산스 Medium" panose="02000000000000000000" pitchFamily="50" charset="-127"/>
+                <a:ea typeface="G마켓 산스 Medium" panose="02000000000000000000" pitchFamily="50" charset="-127"/>
+              </a:rPr>
+              <a:t>개의 객체를 </a:t>
+            </a:r>
+            <a:endParaRPr lang="en-US" altLang="ko-KR" sz="4000" dirty="0">
+              <a:solidFill>
+                <a:schemeClr val="tx1">
+                  <a:lumMod val="50000"/>
+                  <a:lumOff val="50000"/>
+                </a:schemeClr>
+              </a:solidFill>
+              <a:latin typeface="G마켓 산스 Medium" panose="02000000000000000000" pitchFamily="50" charset="-127"/>
+              <a:ea typeface="G마켓 산스 Medium" panose="02000000000000000000" pitchFamily="50" charset="-127"/>
+            </a:endParaRPr>
+          </a:p>
+          <a:p>
+            <a:r>
+              <a:rPr lang="ko-KR" altLang="en-US" sz="4000" dirty="0" err="1">
+                <a:solidFill>
+                  <a:schemeClr val="tx1">
+                    <a:lumMod val="50000"/>
+                    <a:lumOff val="50000"/>
+                  </a:schemeClr>
+                </a:solidFill>
+                <a:latin typeface="G마켓 산스 Medium" panose="02000000000000000000" pitchFamily="50" charset="-127"/>
+                <a:ea typeface="G마켓 산스 Medium" panose="02000000000000000000" pitchFamily="50" charset="-127"/>
+              </a:rPr>
+              <a:t>생성하여랜덤하게</a:t>
+            </a:r>
+            <a:r>
+              <a:rPr lang="ko-KR" altLang="en-US" sz="4000" dirty="0">
+                <a:solidFill>
+                  <a:schemeClr val="tx1">
+                    <a:lumMod val="50000"/>
+                    <a:lumOff val="50000"/>
+                  </a:schemeClr>
+                </a:solidFill>
+                <a:latin typeface="G마켓 산스 Medium" panose="02000000000000000000" pitchFamily="50" charset="-127"/>
+                <a:ea typeface="G마켓 산스 Medium" panose="02000000000000000000" pitchFamily="50" charset="-127"/>
+              </a:rPr>
+              <a:t> 공격하자</a:t>
+            </a:r>
+            <a:r>
+              <a:rPr lang="en-US" altLang="ko-KR" sz="4000" dirty="0">
+                <a:solidFill>
+                  <a:schemeClr val="tx1">
+                    <a:lumMod val="50000"/>
+                    <a:lumOff val="50000"/>
+                  </a:schemeClr>
+                </a:solidFill>
+                <a:latin typeface="G마켓 산스 Medium" panose="02000000000000000000" pitchFamily="50" charset="-127"/>
+                <a:ea typeface="G마켓 산스 Medium" panose="02000000000000000000" pitchFamily="50" charset="-127"/>
+              </a:rPr>
+              <a:t>.</a:t>
+            </a:r>
+          </a:p>
+          <a:p>
+            <a:r>
+              <a:rPr lang="en-US" altLang="ko-KR" sz="4000" dirty="0">
+                <a:solidFill>
+                  <a:schemeClr val="tx1">
+                    <a:lumMod val="50000"/>
+                    <a:lumOff val="50000"/>
+                  </a:schemeClr>
+                </a:solidFill>
+                <a:latin typeface="G마켓 산스 Medium" panose="02000000000000000000" pitchFamily="50" charset="-127"/>
+                <a:ea typeface="G마켓 산스 Medium" panose="02000000000000000000" pitchFamily="50" charset="-127"/>
+              </a:rPr>
+              <a:t>(</a:t>
+            </a:r>
+            <a:r>
+              <a:rPr lang="ko-KR" altLang="en-US" sz="4000" dirty="0" err="1">
+                <a:solidFill>
+                  <a:schemeClr val="tx1">
+                    <a:lumMod val="50000"/>
+                    <a:lumOff val="50000"/>
+                  </a:schemeClr>
+                </a:solidFill>
+                <a:latin typeface="G마켓 산스 Medium" panose="02000000000000000000" pitchFamily="50" charset="-127"/>
+                <a:ea typeface="G마켓 산스 Medium" panose="02000000000000000000" pitchFamily="50" charset="-127"/>
+              </a:rPr>
+              <a:t>한팀씩</a:t>
+            </a:r>
+            <a:r>
+              <a:rPr lang="ko-KR" altLang="en-US" sz="4000" dirty="0">
+                <a:solidFill>
+                  <a:schemeClr val="tx1">
+                    <a:lumMod val="50000"/>
+                    <a:lumOff val="50000"/>
+                  </a:schemeClr>
+                </a:solidFill>
+                <a:latin typeface="G마켓 산스 Medium" panose="02000000000000000000" pitchFamily="50" charset="-127"/>
+                <a:ea typeface="G마켓 산스 Medium" panose="02000000000000000000" pitchFamily="50" charset="-127"/>
+              </a:rPr>
+              <a:t> 번갈아 가며 공격하며 </a:t>
+            </a:r>
+            <a:r>
+              <a:rPr lang="ko-KR" altLang="en-US" sz="4000" dirty="0" err="1">
+                <a:solidFill>
+                  <a:schemeClr val="tx1">
+                    <a:lumMod val="50000"/>
+                    <a:lumOff val="50000"/>
+                  </a:schemeClr>
+                </a:solidFill>
+                <a:latin typeface="G마켓 산스 Medium" panose="02000000000000000000" pitchFamily="50" charset="-127"/>
+                <a:ea typeface="G마켓 산스 Medium" panose="02000000000000000000" pitchFamily="50" charset="-127"/>
+              </a:rPr>
+              <a:t>어떤마린이</a:t>
+            </a:r>
+            <a:r>
+              <a:rPr lang="ko-KR" altLang="en-US" sz="4000" dirty="0">
+                <a:solidFill>
+                  <a:schemeClr val="tx1">
+                    <a:lumMod val="50000"/>
+                    <a:lumOff val="50000"/>
+                  </a:schemeClr>
+                </a:solidFill>
+                <a:latin typeface="G마켓 산스 Medium" panose="02000000000000000000" pitchFamily="50" charset="-127"/>
+                <a:ea typeface="G마켓 산스 Medium" panose="02000000000000000000" pitchFamily="50" charset="-127"/>
+              </a:rPr>
+              <a:t> 어떤 </a:t>
+            </a:r>
+            <a:r>
+              <a:rPr lang="ko-KR" altLang="en-US" sz="4000" dirty="0" err="1">
+                <a:solidFill>
+                  <a:schemeClr val="tx1">
+                    <a:lumMod val="50000"/>
+                    <a:lumOff val="50000"/>
+                  </a:schemeClr>
+                </a:solidFill>
+                <a:latin typeface="G마켓 산스 Medium" panose="02000000000000000000" pitchFamily="50" charset="-127"/>
+                <a:ea typeface="G마켓 산스 Medium" panose="02000000000000000000" pitchFamily="50" charset="-127"/>
+              </a:rPr>
+              <a:t>저글링을</a:t>
+            </a:r>
+            <a:r>
+              <a:rPr lang="ko-KR" altLang="en-US" sz="4000" dirty="0">
+                <a:solidFill>
+                  <a:schemeClr val="tx1">
+                    <a:lumMod val="50000"/>
+                    <a:lumOff val="50000"/>
+                  </a:schemeClr>
+                </a:solidFill>
+                <a:latin typeface="G마켓 산스 Medium" panose="02000000000000000000" pitchFamily="50" charset="-127"/>
+                <a:ea typeface="G마켓 산스 Medium" panose="02000000000000000000" pitchFamily="50" charset="-127"/>
+              </a:rPr>
+              <a:t> 공격할지는 랜덤이다</a:t>
+            </a:r>
+            <a:r>
+              <a:rPr lang="en-US" altLang="ko-KR" sz="4000" dirty="0">
+                <a:solidFill>
+                  <a:schemeClr val="tx1">
+                    <a:lumMod val="50000"/>
+                    <a:lumOff val="50000"/>
+                  </a:schemeClr>
+                </a:solidFill>
+                <a:latin typeface="G마켓 산스 Medium" panose="02000000000000000000" pitchFamily="50" charset="-127"/>
+                <a:ea typeface="G마켓 산스 Medium" panose="02000000000000000000" pitchFamily="50" charset="-127"/>
+              </a:rPr>
+              <a:t>.</a:t>
+            </a:r>
+          </a:p>
+          <a:p>
+            <a:r>
+              <a:rPr lang="ko-KR" altLang="en-US" sz="4000" dirty="0">
+                <a:solidFill>
+                  <a:schemeClr val="tx1">
+                    <a:lumMod val="50000"/>
+                    <a:lumOff val="50000"/>
+                  </a:schemeClr>
+                </a:solidFill>
+                <a:latin typeface="G마켓 산스 Medium" panose="02000000000000000000" pitchFamily="50" charset="-127"/>
+                <a:ea typeface="G마켓 산스 Medium" panose="02000000000000000000" pitchFamily="50" charset="-127"/>
+              </a:rPr>
+              <a:t>즉 마린의 </a:t>
+            </a:r>
+            <a:r>
+              <a:rPr lang="ko-KR" altLang="en-US" sz="4000" dirty="0" err="1">
+                <a:solidFill>
+                  <a:schemeClr val="tx1">
+                    <a:lumMod val="50000"/>
+                    <a:lumOff val="50000"/>
+                  </a:schemeClr>
+                </a:solidFill>
+                <a:latin typeface="G마켓 산스 Medium" panose="02000000000000000000" pitchFamily="50" charset="-127"/>
+                <a:ea typeface="G마켓 산스 Medium" panose="02000000000000000000" pitchFamily="50" charset="-127"/>
+              </a:rPr>
+              <a:t>공격턴일때</a:t>
+            </a:r>
+            <a:r>
+              <a:rPr lang="ko-KR" altLang="en-US" sz="4000" dirty="0">
                 <a:solidFill>
                   <a:schemeClr val="tx1">
                     <a:lumMod val="50000"/>
@@ -12586,7 +12767,7 @@
               <a:t> </a:t>
             </a:r>
             <a:r>
-              <a:rPr lang="ko-KR" altLang="en-US" sz="4000" smtClean="0">
+              <a:rPr lang="ko-KR" altLang="en-US" sz="4000" dirty="0" err="1">
                 <a:solidFill>
                   <a:schemeClr val="tx1">
                     <a:lumMod val="50000"/>
@@ -12596,10 +12777,10 @@
                 <a:latin typeface="G마켓 산스 Medium" panose="02000000000000000000" pitchFamily="50" charset="-127"/>
                 <a:ea typeface="G마켓 산스 Medium" panose="02000000000000000000" pitchFamily="50" charset="-127"/>
               </a:rPr>
-              <a:t>오른쪽의 클래스를 만든후 각각 </a:t>
-            </a:r>
-            <a:r>
-              <a:rPr lang="en-US" altLang="ko-KR" sz="4000" smtClean="0">
+              <a:t>공격안하는</a:t>
+            </a:r>
+            <a:r>
+              <a:rPr lang="ko-KR" altLang="en-US" sz="4000" dirty="0">
                 <a:solidFill>
                   <a:schemeClr val="tx1">
                     <a:lumMod val="50000"/>
@@ -12609,10 +12790,10 @@
                 <a:latin typeface="G마켓 산스 Medium" panose="02000000000000000000" pitchFamily="50" charset="-127"/>
                 <a:ea typeface="G마켓 산스 Medium" panose="02000000000000000000" pitchFamily="50" charset="-127"/>
               </a:rPr>
-              <a:t>12</a:t>
-            </a:r>
-            <a:r>
-              <a:rPr lang="ko-KR" altLang="en-US" sz="4000" smtClean="0">
+              <a:t> 마린이 </a:t>
+            </a:r>
+            <a:r>
+              <a:rPr lang="ko-KR" altLang="en-US" sz="4000" dirty="0" err="1">
                 <a:solidFill>
                   <a:schemeClr val="tx1">
                     <a:lumMod val="50000"/>
@@ -12622,22 +12803,10 @@
                 <a:latin typeface="G마켓 산스 Medium" panose="02000000000000000000" pitchFamily="50" charset="-127"/>
                 <a:ea typeface="G마켓 산스 Medium" panose="02000000000000000000" pitchFamily="50" charset="-127"/>
               </a:rPr>
-              <a:t>개의 객체를 </a:t>
-            </a:r>
-            <a:endParaRPr lang="en-US" altLang="ko-KR" sz="4000" smtClean="0">
-              <a:solidFill>
-                <a:schemeClr val="tx1">
-                  <a:lumMod val="50000"/>
-                  <a:lumOff val="50000"/>
-                </a:schemeClr>
-              </a:solidFill>
-              <a:latin typeface="G마켓 산스 Medium" panose="02000000000000000000" pitchFamily="50" charset="-127"/>
-              <a:ea typeface="G마켓 산스 Medium" panose="02000000000000000000" pitchFamily="50" charset="-127"/>
-            </a:endParaRPr>
-          </a:p>
-          <a:p>
-            <a:r>
-              <a:rPr lang="ko-KR" altLang="en-US" sz="4000" smtClean="0">
+              <a:t>있을수도</a:t>
+            </a:r>
+            <a:r>
+              <a:rPr lang="ko-KR" altLang="en-US" sz="4000" dirty="0">
                 <a:solidFill>
                   <a:schemeClr val="tx1">
                     <a:lumMod val="50000"/>
@@ -12647,92 +12816,10 @@
                 <a:latin typeface="G마켓 산스 Medium" panose="02000000000000000000" pitchFamily="50" charset="-127"/>
                 <a:ea typeface="G마켓 산스 Medium" panose="02000000000000000000" pitchFamily="50" charset="-127"/>
               </a:rPr>
-              <a:t>생성하여</a:t>
-            </a:r>
-            <a:r>
-              <a:rPr lang="ko-KR" altLang="en-US" sz="4000" smtClean="0">
-                <a:solidFill>
-                  <a:schemeClr val="tx1">
-                    <a:lumMod val="50000"/>
-                    <a:lumOff val="50000"/>
-                  </a:schemeClr>
-                </a:solidFill>
-                <a:latin typeface="G마켓 산스 Medium" panose="02000000000000000000" pitchFamily="50" charset="-127"/>
-                <a:ea typeface="G마켓 산스 Medium" panose="02000000000000000000" pitchFamily="50" charset="-127"/>
-              </a:rPr>
-              <a:t>랜덤하게 공격하자</a:t>
-            </a:r>
-            <a:r>
-              <a:rPr lang="en-US" altLang="ko-KR" sz="4000" smtClean="0">
-                <a:solidFill>
-                  <a:schemeClr val="tx1">
-                    <a:lumMod val="50000"/>
-                    <a:lumOff val="50000"/>
-                  </a:schemeClr>
-                </a:solidFill>
-                <a:latin typeface="G마켓 산스 Medium" panose="02000000000000000000" pitchFamily="50" charset="-127"/>
-                <a:ea typeface="G마켓 산스 Medium" panose="02000000000000000000" pitchFamily="50" charset="-127"/>
-              </a:rPr>
-              <a:t>.</a:t>
-            </a:r>
-          </a:p>
-          <a:p>
-            <a:r>
-              <a:rPr lang="en-US" altLang="ko-KR" sz="4000" smtClean="0">
-                <a:solidFill>
-                  <a:schemeClr val="tx1">
-                    <a:lumMod val="50000"/>
-                    <a:lumOff val="50000"/>
-                  </a:schemeClr>
-                </a:solidFill>
-                <a:latin typeface="G마켓 산스 Medium" panose="02000000000000000000" pitchFamily="50" charset="-127"/>
-                <a:ea typeface="G마켓 산스 Medium" panose="02000000000000000000" pitchFamily="50" charset="-127"/>
-              </a:rPr>
-              <a:t>(</a:t>
-            </a:r>
-            <a:r>
-              <a:rPr lang="ko-KR" altLang="en-US" sz="4000" smtClean="0">
-                <a:solidFill>
-                  <a:schemeClr val="tx1">
-                    <a:lumMod val="50000"/>
-                    <a:lumOff val="50000"/>
-                  </a:schemeClr>
-                </a:solidFill>
-                <a:latin typeface="G마켓 산스 Medium" panose="02000000000000000000" pitchFamily="50" charset="-127"/>
-                <a:ea typeface="G마켓 산스 Medium" panose="02000000000000000000" pitchFamily="50" charset="-127"/>
-              </a:rPr>
-              <a:t>한팀씩 번갈아 가며 공격하며 어떤마린이 어떤 저글링을 공격할지는 랜덤이다</a:t>
-            </a:r>
-            <a:r>
-              <a:rPr lang="en-US" altLang="ko-KR" sz="4000" smtClean="0">
-                <a:solidFill>
-                  <a:schemeClr val="tx1">
-                    <a:lumMod val="50000"/>
-                    <a:lumOff val="50000"/>
-                  </a:schemeClr>
-                </a:solidFill>
-                <a:latin typeface="G마켓 산스 Medium" panose="02000000000000000000" pitchFamily="50" charset="-127"/>
-                <a:ea typeface="G마켓 산스 Medium" panose="02000000000000000000" pitchFamily="50" charset="-127"/>
-              </a:rPr>
-              <a:t>.</a:t>
-            </a:r>
-          </a:p>
-          <a:p>
-            <a:r>
-              <a:rPr lang="ko-KR" altLang="en-US" sz="4000" smtClean="0">
-                <a:solidFill>
-                  <a:schemeClr val="tx1">
-                    <a:lumMod val="50000"/>
-                    <a:lumOff val="50000"/>
-                  </a:schemeClr>
-                </a:solidFill>
-                <a:latin typeface="G마켓 산스 Medium" panose="02000000000000000000" pitchFamily="50" charset="-127"/>
-                <a:ea typeface="G마켓 산스 Medium" panose="02000000000000000000" pitchFamily="50" charset="-127"/>
-              </a:rPr>
-              <a:t>즉 마린의 공격턴일때 공격안하는 마린이 있을수도 있다</a:t>
-            </a:r>
-            <a:r>
-              <a:rPr lang="en-US" altLang="ko-KR" sz="4000" smtClean="0">
+              <a:t> 있다</a:t>
+            </a:r>
+            <a:r>
+              <a:rPr lang="en-US" altLang="ko-KR" sz="4000" dirty="0">
                 <a:solidFill>
                   <a:schemeClr val="tx1">
                     <a:lumMod val="50000"/>
@@ -12744,7 +12831,48 @@
               </a:rPr>
               <a:t>.)</a:t>
             </a:r>
-            <a:endParaRPr lang="en-US" altLang="ko-KR" sz="4000">
+          </a:p>
+          <a:p>
+            <a:r>
+              <a:rPr lang="ko-KR" altLang="en-US" sz="4000" dirty="0">
+                <a:solidFill>
+                  <a:schemeClr val="tx1">
+                    <a:lumMod val="50000"/>
+                    <a:lumOff val="50000"/>
+                  </a:schemeClr>
+                </a:solidFill>
+                <a:latin typeface="G마켓 산스 Medium" panose="02000000000000000000" pitchFamily="50" charset="-127"/>
+                <a:ea typeface="G마켓 산스 Medium" panose="02000000000000000000" pitchFamily="50" charset="-127"/>
+              </a:rPr>
+              <a:t>어느 한쪽이 </a:t>
+            </a:r>
+            <a:r>
+              <a:rPr lang="ko-KR" altLang="en-US" sz="4000" dirty="0" err="1">
+                <a:solidFill>
+                  <a:schemeClr val="tx1">
+                    <a:lumMod val="50000"/>
+                    <a:lumOff val="50000"/>
+                  </a:schemeClr>
+                </a:solidFill>
+                <a:latin typeface="G마켓 산스 Medium" panose="02000000000000000000" pitchFamily="50" charset="-127"/>
+                <a:ea typeface="G마켓 산스 Medium" panose="02000000000000000000" pitchFamily="50" charset="-127"/>
+              </a:rPr>
+              <a:t>전멸할때까지</a:t>
+            </a:r>
+            <a:r>
+              <a:rPr lang="ko-KR" altLang="en-US" sz="4000" dirty="0">
+                <a:solidFill>
+                  <a:schemeClr val="tx1">
+                    <a:lumMod val="50000"/>
+                    <a:lumOff val="50000"/>
+                  </a:schemeClr>
+                </a:solidFill>
+                <a:latin typeface="G마켓 산스 Medium" panose="02000000000000000000" pitchFamily="50" charset="-127"/>
+                <a:ea typeface="G마켓 산스 Medium" panose="02000000000000000000" pitchFamily="50" charset="-127"/>
+              </a:rPr>
+              <a:t> 진행되며 승리팀이 </a:t>
+            </a:r>
+            <a:endParaRPr lang="en-US" altLang="ko-KR" sz="4000" dirty="0">
               <a:solidFill>
                 <a:schemeClr val="tx1">
                   <a:lumMod val="50000"/>
@@ -12757,32 +12885,7 @@
           </a:p>
           <a:p>
             <a:r>
-              <a:rPr lang="ko-KR" altLang="en-US" sz="4000" smtClean="0">
-                <a:solidFill>
-                  <a:schemeClr val="tx1">
-                    <a:lumMod val="50000"/>
-                    <a:lumOff val="50000"/>
-                  </a:schemeClr>
-                </a:solidFill>
-                <a:latin typeface="G마켓 산스 Medium" panose="02000000000000000000" pitchFamily="50" charset="-127"/>
-                <a:ea typeface="G마켓 산스 Medium" panose="02000000000000000000" pitchFamily="50" charset="-127"/>
-              </a:rPr>
-              <a:t>어느 한쪽이 전멸할때까지 진행되며 승리팀이 </a:t>
-            </a:r>
-            <a:endParaRPr lang="en-US" altLang="ko-KR" sz="4000" smtClean="0">
-              <a:solidFill>
-                <a:schemeClr val="tx1">
-                  <a:lumMod val="50000"/>
-                  <a:lumOff val="50000"/>
-                </a:schemeClr>
-              </a:solidFill>
-              <a:latin typeface="G마켓 산스 Medium" panose="02000000000000000000" pitchFamily="50" charset="-127"/>
-              <a:ea typeface="G마켓 산스 Medium" panose="02000000000000000000" pitchFamily="50" charset="-127"/>
-            </a:endParaRPr>
-          </a:p>
-          <a:p>
-            <a:r>
-              <a:rPr lang="ko-KR" altLang="en-US" sz="4000" smtClean="0">
+              <a:rPr lang="ko-KR" altLang="en-US" sz="4000" dirty="0">
                 <a:solidFill>
                   <a:schemeClr val="tx1">
                     <a:lumMod val="50000"/>
@@ -12794,7 +12897,7 @@
               </a:rPr>
               <a:t>어디인지 그리고 승리팀의 남은 유닛들의 상태를</a:t>
             </a:r>
-            <a:endParaRPr lang="en-US" altLang="ko-KR" sz="4000" smtClean="0">
+            <a:endParaRPr lang="en-US" altLang="ko-KR" sz="4000" dirty="0">
               <a:solidFill>
                 <a:schemeClr val="tx1">
                   <a:lumMod val="50000"/>
@@ -12807,7 +12910,7 @@
           </a:p>
           <a:p>
             <a:r>
-              <a:rPr lang="ko-KR" altLang="en-US" sz="4000" smtClean="0">
+              <a:rPr lang="ko-KR" altLang="en-US" sz="4000" dirty="0">
                 <a:solidFill>
                   <a:schemeClr val="tx1">
                     <a:lumMod val="50000"/>
@@ -12819,7 +12922,7 @@
               </a:rPr>
               <a:t> 출력하자</a:t>
             </a:r>
-            <a:endParaRPr lang="en-US" altLang="ko-KR" sz="4000" smtClean="0">
+            <a:endParaRPr lang="en-US" altLang="ko-KR" sz="4000" dirty="0">
               <a:solidFill>
                 <a:schemeClr val="tx1">
                   <a:lumMod val="50000"/>
@@ -12853,14 +12956,14 @@
           <p:nvPr>
             <p:extLst>
               <p:ext uri="{D42A27DB-BD31-4B8C-83A1-F6EECF244321}">
-                <p14:modId xmlns:p14="http://schemas.microsoft.com/office/powerpoint/2010/main" val="501112536"/>
+                <p14:modId xmlns:p14="http://schemas.microsoft.com/office/powerpoint/2010/main" val="125043638"/>
               </p:ext>
             </p:extLst>
           </p:nvPr>
         </p:nvGraphicFramePr>
         <p:xfrm>
           <a:off x="11353800" y="38100"/>
-          <a:ext cx="6841672" cy="5724218"/>
+          <a:ext cx="6841672" cy="6130496"/>
         </p:xfrm>
         <a:graphic>
           <a:graphicData uri="http://schemas.openxmlformats.org/drawingml/2006/table">
@@ -12869,9 +12972,27 @@
                 <a:tableStyleId>{5C22544A-7EE6-4342-B048-85BDC9FD1C3A}</a:tableStyleId>
               </a:tblPr>
               <a:tblGrid>
-                <a:gridCol w="1906229"/>
-                <a:gridCol w="2132371"/>
-                <a:gridCol w="2803072"/>
+                <a:gridCol w="1906229">
+                  <a:extLst>
+                    <a:ext uri="{9D8B030D-6E8A-4147-A177-3AD203B41FA5}">
+                      <a16:colId xmlns:a16="http://schemas.microsoft.com/office/drawing/2014/main" val="20000"/>
+                    </a:ext>
+                  </a:extLst>
+                </a:gridCol>
+                <a:gridCol w="2132371">
+                  <a:extLst>
+                    <a:ext uri="{9D8B030D-6E8A-4147-A177-3AD203B41FA5}">
+                      <a16:colId xmlns:a16="http://schemas.microsoft.com/office/drawing/2014/main" val="20001"/>
+                    </a:ext>
+                  </a:extLst>
+                </a:gridCol>
+                <a:gridCol w="2803072">
+                  <a:extLst>
+                    <a:ext uri="{9D8B030D-6E8A-4147-A177-3AD203B41FA5}">
+                      <a16:colId xmlns:a16="http://schemas.microsoft.com/office/drawing/2014/main" val="20002"/>
+                    </a:ext>
+                  </a:extLst>
+                </a:gridCol>
               </a:tblGrid>
               <a:tr h="447162">
                 <a:tc>
@@ -12940,7 +13061,7 @@
                     <a:p>
                       <a:pPr latinLnBrk="1"/>
                       <a:r>
-                        <a:rPr lang="en-US" altLang="ko-KR" sz="2200" smtClean="0">
+                        <a:rPr lang="en-US" altLang="ko-KR" sz="2200" dirty="0" err="1">
                           <a:solidFill>
                             <a:schemeClr val="bg1"/>
                           </a:solidFill>
@@ -13054,6 +13175,11 @@
                     </a:solidFill>
                   </a:tcPr>
                 </a:tc>
+                <a:extLst>
+                  <a:ext uri="{0D108BD9-81ED-4DB2-BD59-A6C34878D82A}">
+                    <a16:rowId xmlns:a16="http://schemas.microsoft.com/office/drawing/2014/main" val="10000"/>
+                  </a:ext>
+                </a:extLst>
               </a:tr>
               <a:tr h="447162">
                 <a:tc>
@@ -13256,6 +13382,11 @@
                     <a:noFill/>
                   </a:tcPr>
                 </a:tc>
+                <a:extLst>
+                  <a:ext uri="{0D108BD9-81ED-4DB2-BD59-A6C34878D82A}">
+                    <a16:rowId xmlns:a16="http://schemas.microsoft.com/office/drawing/2014/main" val="10001"/>
+                  </a:ext>
+                </a:extLst>
               </a:tr>
               <a:tr h="447162">
                 <a:tc>
@@ -13373,7 +13504,7 @@
                     <a:p>
                       <a:pPr latinLnBrk="1"/>
                       <a:r>
-                        <a:rPr lang="en-US" altLang="ko-KR" sz="2000" smtClean="0">
+                        <a:rPr lang="en-US" altLang="ko-KR" sz="2000">
                           <a:ea typeface="G마켓 산스 Medium" panose="02000000000000000000"/>
                         </a:rPr>
                         <a:t>5</a:t>
@@ -13423,8 +13554,13 @@
                     <a:noFill/>
                   </a:tcPr>
                 </a:tc>
+                <a:extLst>
+                  <a:ext uri="{0D108BD9-81ED-4DB2-BD59-A6C34878D82A}">
+                    <a16:rowId xmlns:a16="http://schemas.microsoft.com/office/drawing/2014/main" val="10002"/>
+                  </a:ext>
+                </a:extLst>
               </a:tr>
-              <a:tr h="447162">
+              <a:tr h="223581">
                 <a:tc>
                   <a:txBody>
                     <a:bodyPr/>
@@ -13590,6 +13726,195 @@
                     <a:noFill/>
                   </a:tcPr>
                 </a:tc>
+                <a:extLst>
+                  <a:ext uri="{0D108BD9-81ED-4DB2-BD59-A6C34878D82A}">
+                    <a16:rowId xmlns:a16="http://schemas.microsoft.com/office/drawing/2014/main" val="10003"/>
+                  </a:ext>
+                </a:extLst>
+              </a:tr>
+              <a:tr h="213360">
+                <a:tc>
+                  <a:txBody>
+                    <a:bodyPr/>
+                    <a:lstStyle/>
+                    <a:p>
+                      <a:pPr latinLnBrk="1"/>
+                      <a:endParaRPr lang="ko-KR" altLang="en-US" sz="2200" dirty="0">
+                        <a:ea typeface="G마켓 산스 Medium" panose="02000000000000000000"/>
+                      </a:endParaRPr>
+                    </a:p>
+                  </a:txBody>
+                  <a:tcPr>
+                    <a:lnL w="12700" cap="flat" cmpd="sng" algn="ctr">
+                      <a:solidFill>
+                        <a:schemeClr val="tx1"/>
+                      </a:solidFill>
+                      <a:prstDash val="solid"/>
+                      <a:round/>
+                      <a:headEnd type="none" w="med" len="med"/>
+                      <a:tailEnd type="none" w="med" len="med"/>
+                    </a:lnL>
+                    <a:lnR w="12700" cap="flat" cmpd="sng" algn="ctr">
+                      <a:solidFill>
+                        <a:schemeClr val="tx1"/>
+                      </a:solidFill>
+                      <a:prstDash val="solid"/>
+                      <a:round/>
+                      <a:headEnd type="none" w="med" len="med"/>
+                      <a:tailEnd type="none" w="med" len="med"/>
+                    </a:lnR>
+                    <a:lnT w="12700" cap="flat" cmpd="sng" algn="ctr">
+                      <a:solidFill>
+                        <a:schemeClr val="tx1"/>
+                      </a:solidFill>
+                      <a:prstDash val="solid"/>
+                      <a:round/>
+                      <a:headEnd type="none" w="med" len="med"/>
+                      <a:tailEnd type="none" w="med" len="med"/>
+                    </a:lnT>
+                    <a:lnB w="12700" cap="flat" cmpd="sng" algn="ctr">
+                      <a:solidFill>
+                        <a:schemeClr val="tx1"/>
+                      </a:solidFill>
+                      <a:prstDash val="solid"/>
+                      <a:round/>
+                      <a:headEnd type="none" w="med" len="med"/>
+                      <a:tailEnd type="none" w="med" len="med"/>
+                    </a:lnB>
+                    <a:noFill/>
+                  </a:tcPr>
+                </a:tc>
+                <a:tc>
+                  <a:txBody>
+                    <a:bodyPr/>
+                    <a:lstStyle/>
+                    <a:p>
+                      <a:pPr latinLnBrk="1"/>
+                      <a:r>
+                        <a:rPr lang="en-US" altLang="ko-KR" sz="2200" dirty="0">
+                          <a:ea typeface="G마켓 산스 Medium" panose="02000000000000000000"/>
+                        </a:rPr>
+                        <a:t>String</a:t>
+                      </a:r>
+                      <a:r>
+                        <a:rPr lang="ko-KR" altLang="en-US" sz="2200" dirty="0">
+                          <a:ea typeface="G마켓 산스 Medium" panose="02000000000000000000"/>
+                        </a:rPr>
+                        <a:t> </a:t>
+                      </a:r>
+                      <a:r>
+                        <a:rPr lang="en-US" altLang="ko-KR" sz="2200" dirty="0">
+                          <a:ea typeface="G마켓 산스 Medium" panose="02000000000000000000"/>
+                        </a:rPr>
+                        <a:t>name</a:t>
+                      </a:r>
+                      <a:endParaRPr lang="ko-KR" altLang="en-US" sz="2200" dirty="0">
+                        <a:ea typeface="G마켓 산스 Medium" panose="02000000000000000000"/>
+                      </a:endParaRPr>
+                    </a:p>
+                  </a:txBody>
+                  <a:tcPr>
+                    <a:lnL w="12700" cap="flat" cmpd="sng" algn="ctr">
+                      <a:solidFill>
+                        <a:schemeClr val="tx1"/>
+                      </a:solidFill>
+                      <a:prstDash val="solid"/>
+                      <a:round/>
+                      <a:headEnd type="none" w="med" len="med"/>
+                      <a:tailEnd type="none" w="med" len="med"/>
+                    </a:lnL>
+                    <a:lnR w="12700" cap="flat" cmpd="sng" algn="ctr">
+                      <a:solidFill>
+                        <a:schemeClr val="tx1"/>
+                      </a:solidFill>
+                      <a:prstDash val="solid"/>
+                      <a:round/>
+                      <a:headEnd type="none" w="med" len="med"/>
+                      <a:tailEnd type="none" w="med" len="med"/>
+                    </a:lnR>
+                    <a:lnT w="12700" cap="flat" cmpd="sng" algn="ctr">
+                      <a:solidFill>
+                        <a:schemeClr val="tx1"/>
+                      </a:solidFill>
+                      <a:prstDash val="solid"/>
+                      <a:round/>
+                      <a:headEnd type="none" w="med" len="med"/>
+                      <a:tailEnd type="none" w="med" len="med"/>
+                    </a:lnT>
+                    <a:lnB w="12700" cap="flat" cmpd="sng" algn="ctr">
+                      <a:solidFill>
+                        <a:schemeClr val="tx1"/>
+                      </a:solidFill>
+                      <a:prstDash val="solid"/>
+                      <a:round/>
+                      <a:headEnd type="none" w="med" len="med"/>
+                      <a:tailEnd type="none" w="med" len="med"/>
+                    </a:lnB>
+                    <a:noFill/>
+                  </a:tcPr>
+                </a:tc>
+                <a:tc>
+                  <a:txBody>
+                    <a:bodyPr/>
+                    <a:lstStyle/>
+                    <a:p>
+                      <a:pPr latinLnBrk="1"/>
+                      <a:r>
+                        <a:rPr lang="ko-KR" altLang="en-US" sz="2000" dirty="0" err="1">
+                          <a:ea typeface="G마켓 산스 Medium" panose="02000000000000000000"/>
+                        </a:rPr>
+                        <a:t>유닛이름</a:t>
+                      </a:r>
+                      <a:endParaRPr lang="ko-KR" altLang="en-US" sz="2000" dirty="0">
+                        <a:ea typeface="G마켓 산스 Medium" panose="02000000000000000000"/>
+                      </a:endParaRPr>
+                    </a:p>
+                  </a:txBody>
+                  <a:tcPr>
+                    <a:lnL w="12700" cap="flat" cmpd="sng" algn="ctr">
+                      <a:solidFill>
+                        <a:schemeClr val="tx1"/>
+                      </a:solidFill>
+                      <a:prstDash val="solid"/>
+                      <a:round/>
+                      <a:headEnd type="none" w="med" len="med"/>
+                      <a:tailEnd type="none" w="med" len="med"/>
+                    </a:lnL>
+                    <a:lnR w="12700" cap="flat" cmpd="sng" algn="ctr">
+                      <a:solidFill>
+                        <a:schemeClr val="tx1"/>
+                      </a:solidFill>
+                      <a:prstDash val="solid"/>
+                      <a:round/>
+                      <a:headEnd type="none" w="med" len="med"/>
+                      <a:tailEnd type="none" w="med" len="med"/>
+                    </a:lnR>
+                    <a:lnT w="12700" cap="flat" cmpd="sng" algn="ctr">
+                      <a:solidFill>
+                        <a:schemeClr val="tx1"/>
+                      </a:solidFill>
+                      <a:prstDash val="solid"/>
+                      <a:round/>
+                      <a:headEnd type="none" w="med" len="med"/>
+                      <a:tailEnd type="none" w="med" len="med"/>
+                    </a:lnT>
+                    <a:lnB w="12700" cap="flat" cmpd="sng" algn="ctr">
+                      <a:solidFill>
+                        <a:schemeClr val="tx1"/>
+                      </a:solidFill>
+                      <a:prstDash val="solid"/>
+                      <a:round/>
+                      <a:headEnd type="none" w="med" len="med"/>
+                      <a:tailEnd type="none" w="med" len="med"/>
+                    </a:lnB>
+                    <a:noFill/>
+                  </a:tcPr>
+                </a:tc>
+                <a:extLst>
+                  <a:ext uri="{0D108BD9-81ED-4DB2-BD59-A6C34878D82A}">
+                    <a16:rowId xmlns:a16="http://schemas.microsoft.com/office/drawing/2014/main" val="1353820010"/>
+                  </a:ext>
+                </a:extLst>
               </a:tr>
               <a:tr h="1373425">
                 <a:tc>
@@ -13866,6 +14191,11 @@
                     <a:noFill/>
                   </a:tcPr>
                 </a:tc>
+                <a:extLst>
+                  <a:ext uri="{0D108BD9-81ED-4DB2-BD59-A6C34878D82A}">
+                    <a16:rowId xmlns:a16="http://schemas.microsoft.com/office/drawing/2014/main" val="10004"/>
+                  </a:ext>
+                </a:extLst>
               </a:tr>
               <a:tr h="1373425">
                 <a:tc>
@@ -14123,6 +14453,11 @@
                     <a:noFill/>
                   </a:tcPr>
                 </a:tc>
+                <a:extLst>
+                  <a:ext uri="{0D108BD9-81ED-4DB2-BD59-A6C34878D82A}">
+                    <a16:rowId xmlns:a16="http://schemas.microsoft.com/office/drawing/2014/main" val="10005"/>
+                  </a:ext>
+                </a:extLst>
               </a:tr>
               <a:tr h="399252">
                 <a:tc>
@@ -14183,7 +14518,7 @@
                     <a:p>
                       <a:pPr latinLnBrk="1"/>
                       <a:r>
-                        <a:rPr lang="en-US" altLang="ko-KR" sz="2200" smtClean="0">
+                        <a:rPr lang="en-US" altLang="ko-KR" sz="2200">
                           <a:ea typeface="G마켓 산스 Medium" panose="02000000000000000000"/>
                         </a:rPr>
                         <a:t>attack(Marine)</a:t>
@@ -14208,12 +14543,12 @@
                         <a:defRPr/>
                       </a:pPr>
                       <a:r>
-                        <a:rPr lang="en-US" altLang="ko-KR" sz="2200" smtClean="0">
+                        <a:rPr lang="en-US" altLang="ko-KR" sz="2200">
                           <a:ea typeface="G마켓 산스 Medium" panose="02000000000000000000"/>
                         </a:rPr>
                         <a:t>attack(Zergling)</a:t>
                       </a:r>
-                      <a:endParaRPr lang="ko-KR" altLang="en-US" sz="2200" smtClean="0">
+                      <a:endParaRPr lang="ko-KR" altLang="en-US" sz="2200">
                         <a:ea typeface="G마켓 산스 Medium" panose="02000000000000000000"/>
                       </a:endParaRPr>
                     </a:p>
@@ -14309,6 +14644,11 @@
                     <a:noFill/>
                   </a:tcPr>
                 </a:tc>
+                <a:extLst>
+                  <a:ext uri="{0D108BD9-81ED-4DB2-BD59-A6C34878D82A}">
+                    <a16:rowId xmlns:a16="http://schemas.microsoft.com/office/drawing/2014/main" val="10006"/>
+                  </a:ext>
+                </a:extLst>
               </a:tr>
               <a:tr h="399252">
                 <a:tc>
@@ -14385,12 +14725,12 @@
                         <a:defRPr/>
                       </a:pPr>
                       <a:r>
-                        <a:rPr lang="en-US" altLang="ko-KR" sz="2200" smtClean="0">
+                        <a:rPr lang="en-US" altLang="ko-KR" sz="2200">
                           <a:ea typeface="G마켓 산스 Medium" panose="02000000000000000000"/>
                         </a:rPr>
                         <a:t>showState()</a:t>
                       </a:r>
-                      <a:endParaRPr lang="ko-KR" altLang="en-US" sz="2200" smtClean="0">
+                      <a:endParaRPr lang="ko-KR" altLang="en-US" sz="2200">
                         <a:ea typeface="G마켓 산스 Medium" panose="02000000000000000000"/>
                       </a:endParaRPr>
                     </a:p>
@@ -14442,7 +14782,7 @@
                     <a:p>
                       <a:pPr latinLnBrk="1"/>
                       <a:r>
-                        <a:rPr lang="ko-KR" altLang="en-US" sz="2000" smtClean="0">
+                        <a:rPr lang="ko-KR" altLang="en-US" sz="2000" dirty="0">
                           <a:ea typeface="G마켓 산스 Medium" panose="02000000000000000000"/>
                         </a:rPr>
                         <a:t>유닛의 상태 출력</a:t>
@@ -14492,6 +14832,11 @@
                     <a:noFill/>
                   </a:tcPr>
                 </a:tc>
+                <a:extLst>
+                  <a:ext uri="{0D108BD9-81ED-4DB2-BD59-A6C34878D82A}">
+                    <a16:rowId xmlns:a16="http://schemas.microsoft.com/office/drawing/2014/main" val="10007"/>
+                  </a:ext>
+                </a:extLst>
               </a:tr>
             </a:tbl>
           </a:graphicData>
@@ -14513,7 +14858,7 @@
         </p:blipFill>
         <p:spPr>
           <a:xfrm>
-            <a:off x="12801600" y="6518976"/>
+            <a:off x="13487400" y="6518976"/>
             <a:ext cx="4191000" cy="3676316"/>
           </a:xfrm>
           <a:prstGeom prst="rect">
@@ -14531,13 +14876,6 @@
   <p:clrMapOvr>
     <a:masterClrMapping/>
   </p:clrMapOvr>
-  <p:timing>
-    <p:tnLst>
-      <p:par>
-        <p:cTn id="1" dur="indefinite" restart="never" nodeType="tmRoot"/>
-      </p:par>
-    </p:tnLst>
-  </p:timing>
 </p:sld>
 </file>
 
@@ -14829,7 +15167,7 @@
           <p:cNvPr id="2" name="TextBox 1">
             <a:extLst>
               <a:ext uri="{FF2B5EF4-FFF2-40B4-BE49-F238E27FC236}">
-                <a16:creationId xmlns="" xmlns:a16="http://schemas.microsoft.com/office/drawing/2014/main" id="{715D88A2-BD52-978B-A00A-540446126E3D}"/>
+                <a16:creationId xmlns:a16="http://schemas.microsoft.com/office/drawing/2014/main" id="{715D88A2-BD52-978B-A00A-540446126E3D}"/>
               </a:ext>
             </a:extLst>
           </p:cNvPr>
@@ -14877,13 +15215,6 @@
   <p:clrMapOvr>
     <a:masterClrMapping/>
   </p:clrMapOvr>
-  <p:timing>
-    <p:tnLst>
-      <p:par>
-        <p:cTn id="1" dur="indefinite" restart="never" nodeType="tmRoot"/>
-      </p:par>
-    </p:tnLst>
-  </p:timing>
 </p:sld>
 </file>
 
@@ -15097,7 +15428,7 @@
           <p:cNvPr id="2" name="TextBox 1">
             <a:extLst>
               <a:ext uri="{FF2B5EF4-FFF2-40B4-BE49-F238E27FC236}">
-                <a16:creationId xmlns="" xmlns:a16="http://schemas.microsoft.com/office/drawing/2014/main" id="{8D19D88B-9541-32D7-90F1-0C45C993E21C}"/>
+                <a16:creationId xmlns:a16="http://schemas.microsoft.com/office/drawing/2014/main" id="{8D19D88B-9541-32D7-90F1-0C45C993E21C}"/>
               </a:ext>
             </a:extLst>
           </p:cNvPr>
@@ -15145,13 +15476,6 @@
   <p:clrMapOvr>
     <a:masterClrMapping/>
   </p:clrMapOvr>
-  <p:timing>
-    <p:tnLst>
-      <p:par>
-        <p:cTn id="1" dur="indefinite" restart="never" nodeType="tmRoot"/>
-      </p:par>
-    </p:tnLst>
-  </p:timing>
 </p:sld>
 </file>
 
@@ -15177,7 +15501,7 @@
           <p:cNvPr id="4" name="TextBox 3">
             <a:extLst>
               <a:ext uri="{FF2B5EF4-FFF2-40B4-BE49-F238E27FC236}">
-                <a16:creationId xmlns="" xmlns:a16="http://schemas.microsoft.com/office/drawing/2014/main" id="{DF7DDD33-9412-2802-339A-E55446AC2DA7}"/>
+                <a16:creationId xmlns:a16="http://schemas.microsoft.com/office/drawing/2014/main" id="{DF7DDD33-9412-2802-339A-E55446AC2DA7}"/>
               </a:ext>
             </a:extLst>
           </p:cNvPr>
@@ -15218,7 +15542,7 @@
           <p:cNvPr id="3" name="TextBox 2">
             <a:extLst>
               <a:ext uri="{FF2B5EF4-FFF2-40B4-BE49-F238E27FC236}">
-                <a16:creationId xmlns="" xmlns:a16="http://schemas.microsoft.com/office/drawing/2014/main" id="{A2AD056B-97A4-5BCC-4460-250160F3E171}"/>
+                <a16:creationId xmlns:a16="http://schemas.microsoft.com/office/drawing/2014/main" id="{A2AD056B-97A4-5BCC-4460-250160F3E171}"/>
               </a:ext>
             </a:extLst>
           </p:cNvPr>
@@ -15242,7 +15566,7 @@
           <a:lstStyle/>
           <a:p>
             <a:r>
-              <a:rPr lang="en-US" altLang="ko-KR" sz="4000" smtClean="0">
+              <a:rPr lang="en-US" altLang="ko-KR" sz="4000">
                 <a:solidFill>
                   <a:schemeClr val="tx1">
                     <a:lumMod val="50000"/>
@@ -15255,7 +15579,7 @@
               <a:t>1.</a:t>
             </a:r>
             <a:r>
-              <a:rPr lang="ko-KR" altLang="en-US" sz="4000" smtClean="0">
+              <a:rPr lang="ko-KR" altLang="en-US" sz="4000">
                 <a:solidFill>
                   <a:schemeClr val="tx1">
                     <a:lumMod val="50000"/>
@@ -15268,7 +15592,7 @@
               <a:t>객체 생성시 최초 </a:t>
             </a:r>
             <a:r>
-              <a:rPr lang="en-US" altLang="ko-KR" sz="4000" smtClean="0">
+              <a:rPr lang="en-US" altLang="ko-KR" sz="4000">
                 <a:solidFill>
                   <a:schemeClr val="tx1">
                     <a:lumMod val="50000"/>
@@ -15281,7 +15605,7 @@
               <a:t>1</a:t>
             </a:r>
             <a:r>
-              <a:rPr lang="ko-KR" altLang="en-US" sz="4000" smtClean="0">
+              <a:rPr lang="ko-KR" altLang="en-US" sz="4000">
                 <a:solidFill>
                   <a:schemeClr val="tx1">
                     <a:lumMod val="50000"/>
@@ -15293,7 +15617,7 @@
               </a:rPr>
               <a:t>번만 실행되는 특별한 메서드</a:t>
             </a:r>
-            <a:endParaRPr lang="en-US" altLang="ko-KR" sz="4000" smtClean="0">
+            <a:endParaRPr lang="en-US" altLang="ko-KR" sz="4000">
               <a:solidFill>
                 <a:schemeClr val="tx1">
                   <a:lumMod val="50000"/>
@@ -15306,7 +15630,7 @@
           </a:p>
           <a:p>
             <a:r>
-              <a:rPr lang="en-US" altLang="ko-KR" sz="4000" smtClean="0">
+              <a:rPr lang="en-US" altLang="ko-KR" sz="4000">
                 <a:solidFill>
                   <a:schemeClr val="tx1">
                     <a:lumMod val="50000"/>
@@ -15319,7 +15643,7 @@
               <a:t>2.</a:t>
             </a:r>
             <a:r>
-              <a:rPr lang="ko-KR" altLang="en-US" sz="4000" smtClean="0">
+              <a:rPr lang="ko-KR" altLang="en-US" sz="4000">
                 <a:solidFill>
                   <a:schemeClr val="tx1">
                     <a:lumMod val="50000"/>
@@ -15332,7 +15656,7 @@
               <a:t>클래스와 이름이 같아야한다</a:t>
             </a:r>
             <a:r>
-              <a:rPr lang="en-US" altLang="ko-KR" sz="4000" smtClean="0">
+              <a:rPr lang="en-US" altLang="ko-KR" sz="4000">
                 <a:solidFill>
                   <a:schemeClr val="tx1">
                     <a:lumMod val="50000"/>
@@ -15345,7 +15669,7 @@
               <a:t>(</a:t>
             </a:r>
             <a:r>
-              <a:rPr lang="ko-KR" altLang="en-US" sz="4000" smtClean="0">
+              <a:rPr lang="ko-KR" altLang="en-US" sz="4000">
                 <a:solidFill>
                   <a:schemeClr val="tx1">
                     <a:lumMod val="50000"/>
@@ -15358,7 +15682,7 @@
               <a:t>대소문자 구분</a:t>
             </a:r>
             <a:r>
-              <a:rPr lang="en-US" altLang="ko-KR" sz="4000" smtClean="0">
+              <a:rPr lang="en-US" altLang="ko-KR" sz="4000">
                 <a:solidFill>
                   <a:schemeClr val="tx1">
                     <a:lumMod val="50000"/>
@@ -15373,7 +15697,7 @@
           </a:p>
           <a:p>
             <a:r>
-              <a:rPr lang="en-US" altLang="ko-KR" sz="4000" smtClean="0">
+              <a:rPr lang="en-US" altLang="ko-KR" sz="4000">
                 <a:solidFill>
                   <a:schemeClr val="tx1">
                     <a:lumMod val="50000"/>
@@ -15386,7 +15710,7 @@
               <a:t>3.</a:t>
             </a:r>
             <a:r>
-              <a:rPr lang="ko-KR" altLang="en-US" sz="4000" smtClean="0">
+              <a:rPr lang="ko-KR" altLang="en-US" sz="4000">
                 <a:solidFill>
                   <a:schemeClr val="tx1">
                     <a:lumMod val="50000"/>
@@ -15399,7 +15723,7 @@
               <a:t>리턴타입이 없어야 한다</a:t>
             </a:r>
             <a:r>
-              <a:rPr lang="en-US" altLang="ko-KR" sz="4000" smtClean="0">
+              <a:rPr lang="en-US" altLang="ko-KR" sz="4000">
                 <a:solidFill>
                   <a:schemeClr val="tx1">
                     <a:lumMod val="50000"/>
@@ -15412,7 +15736,7 @@
               <a:t>(void</a:t>
             </a:r>
             <a:r>
-              <a:rPr lang="ko-KR" altLang="en-US" sz="4000" smtClean="0">
+              <a:rPr lang="ko-KR" altLang="en-US" sz="4000">
                 <a:solidFill>
                   <a:schemeClr val="tx1">
                     <a:lumMod val="50000"/>
@@ -15425,7 +15749,7 @@
               <a:t>가 아님</a:t>
             </a:r>
             <a:r>
-              <a:rPr lang="en-US" altLang="ko-KR" sz="4000" smtClean="0">
+              <a:rPr lang="en-US" altLang="ko-KR" sz="4000">
                 <a:solidFill>
                   <a:schemeClr val="tx1">
                     <a:lumMod val="50000"/>
@@ -15440,7 +15764,7 @@
           </a:p>
           <a:p>
             <a:r>
-              <a:rPr lang="en-US" altLang="ko-KR" sz="4000" smtClean="0">
+              <a:rPr lang="en-US" altLang="ko-KR" sz="4000">
                 <a:solidFill>
                   <a:schemeClr val="tx1">
                     <a:lumMod val="50000"/>
@@ -15453,7 +15777,7 @@
               <a:t>4.</a:t>
             </a:r>
             <a:r>
-              <a:rPr lang="ko-KR" altLang="en-US" sz="4000" smtClean="0">
+              <a:rPr lang="ko-KR" altLang="en-US" sz="4000">
                 <a:solidFill>
                   <a:schemeClr val="tx1">
                     <a:lumMod val="50000"/>
@@ -15466,7 +15790,7 @@
               <a:t>객체는 무조건 생성자를 통해서 생성된다</a:t>
             </a:r>
             <a:r>
-              <a:rPr lang="en-US" altLang="ko-KR" sz="4000" smtClean="0">
+              <a:rPr lang="en-US" altLang="ko-KR" sz="4000">
                 <a:solidFill>
                   <a:schemeClr val="tx1">
                     <a:lumMod val="50000"/>
@@ -15525,13 +15849,6 @@
   <p:clrMapOvr>
     <a:masterClrMapping/>
   </p:clrMapOvr>
-  <p:timing>
-    <p:tnLst>
-      <p:par>
-        <p:cTn id="1" dur="indefinite" restart="never" nodeType="tmRoot"/>
-      </p:par>
-    </p:tnLst>
-  </p:timing>
 </p:sld>
 </file>
 
@@ -15557,7 +15874,7 @@
           <p:cNvPr id="4" name="TextBox 3">
             <a:extLst>
               <a:ext uri="{FF2B5EF4-FFF2-40B4-BE49-F238E27FC236}">
-                <a16:creationId xmlns="" xmlns:a16="http://schemas.microsoft.com/office/drawing/2014/main" id="{DF7DDD33-9412-2802-339A-E55446AC2DA7}"/>
+                <a16:creationId xmlns:a16="http://schemas.microsoft.com/office/drawing/2014/main" id="{DF7DDD33-9412-2802-339A-E55446AC2DA7}"/>
               </a:ext>
             </a:extLst>
           </p:cNvPr>
@@ -15581,7 +15898,7 @@
           <a:lstStyle/>
           <a:p>
             <a:r>
-              <a:rPr lang="ko-KR" altLang="en-US" sz="5400" smtClean="0">
+              <a:rPr lang="ko-KR" altLang="en-US" sz="5400">
                 <a:solidFill>
                   <a:srgbClr val="4C50BC"/>
                 </a:solidFill>
@@ -15758,7 +16075,7 @@
           <p:cNvPr id="4" name="TextBox 3">
             <a:extLst>
               <a:ext uri="{FF2B5EF4-FFF2-40B4-BE49-F238E27FC236}">
-                <a16:creationId xmlns="" xmlns:a16="http://schemas.microsoft.com/office/drawing/2014/main" id="{DF7DDD33-9412-2802-339A-E55446AC2DA7}"/>
+                <a16:creationId xmlns:a16="http://schemas.microsoft.com/office/drawing/2014/main" id="{DF7DDD33-9412-2802-339A-E55446AC2DA7}"/>
               </a:ext>
             </a:extLst>
           </p:cNvPr>
@@ -15782,7 +16099,7 @@
           <a:lstStyle/>
           <a:p>
             <a:r>
-              <a:rPr lang="ko-KR" altLang="en-US" sz="5400" smtClean="0">
+              <a:rPr lang="ko-KR" altLang="en-US" sz="5400">
                 <a:solidFill>
                   <a:srgbClr val="4C50BC"/>
                 </a:solidFill>
@@ -15792,7 +16109,7 @@
               <a:t>지금까지 클래스를 만들면서 생성자를 만든적이 없는데</a:t>
             </a:r>
             <a:r>
-              <a:rPr lang="en-US" altLang="ko-KR" sz="5400" smtClean="0">
+              <a:rPr lang="en-US" altLang="ko-KR" sz="5400">
                 <a:solidFill>
                   <a:srgbClr val="4C50BC"/>
                 </a:solidFill>
@@ -15821,13 +16138,6 @@
   <p:clrMapOvr>
     <a:masterClrMapping/>
   </p:clrMapOvr>
-  <p:timing>
-    <p:tnLst>
-      <p:par>
-        <p:cTn id="1" dur="indefinite" restart="never" nodeType="tmRoot"/>
-      </p:par>
-    </p:tnLst>
-  </p:timing>
 </p:sld>
 </file>
 
@@ -15877,7 +16187,7 @@
           <p:cNvPr id="4" name="TextBox 3">
             <a:extLst>
               <a:ext uri="{FF2B5EF4-FFF2-40B4-BE49-F238E27FC236}">
-                <a16:creationId xmlns="" xmlns:a16="http://schemas.microsoft.com/office/drawing/2014/main" id="{DF7DDD33-9412-2802-339A-E55446AC2DA7}"/>
+                <a16:creationId xmlns:a16="http://schemas.microsoft.com/office/drawing/2014/main" id="{DF7DDD33-9412-2802-339A-E55446AC2DA7}"/>
               </a:ext>
             </a:extLst>
           </p:cNvPr>
@@ -15901,7 +16211,7 @@
           <a:lstStyle/>
           <a:p>
             <a:r>
-              <a:rPr lang="ko-KR" altLang="en-US" sz="5400" smtClean="0">
+              <a:rPr lang="ko-KR" altLang="en-US" sz="5400">
                 <a:solidFill>
                   <a:srgbClr val="4C50BC"/>
                 </a:solidFill>
@@ -15925,7 +16235,7 @@
           <p:cNvPr id="10" name="직선 화살표 연결선 9">
             <a:extLst>
               <a:ext uri="{FF2B5EF4-FFF2-40B4-BE49-F238E27FC236}">
-                <a16:creationId xmlns="" xmlns:a16="http://schemas.microsoft.com/office/drawing/2014/main" id="{299DF5EC-9DF4-5255-06AC-0A7CE4FF58C3}"/>
+                <a16:creationId xmlns:a16="http://schemas.microsoft.com/office/drawing/2014/main" id="{299DF5EC-9DF4-5255-06AC-0A7CE4FF58C3}"/>
               </a:ext>
             </a:extLst>
           </p:cNvPr>
@@ -15966,7 +16276,7 @@
           <p:cNvPr id="11" name="TextBox 10">
             <a:extLst>
               <a:ext uri="{FF2B5EF4-FFF2-40B4-BE49-F238E27FC236}">
-                <a16:creationId xmlns="" xmlns:a16="http://schemas.microsoft.com/office/drawing/2014/main" id="{C6D113C6-EA5C-788F-0C77-E7CE6EBB865F}"/>
+                <a16:creationId xmlns:a16="http://schemas.microsoft.com/office/drawing/2014/main" id="{C6D113C6-EA5C-788F-0C77-E7CE6EBB865F}"/>
               </a:ext>
             </a:extLst>
           </p:cNvPr>
@@ -15990,7 +16300,7 @@
           <a:lstStyle/>
           <a:p>
             <a:r>
-              <a:rPr lang="ko-KR" altLang="en-US" sz="4000" smtClean="0">
+              <a:rPr lang="ko-KR" altLang="en-US" sz="4000">
                 <a:solidFill>
                   <a:srgbClr val="FF0000"/>
                 </a:solidFill>
@@ -16000,7 +16310,7 @@
               <a:t>생성자가 하나도 없다면 자동으로 만들어 준다</a:t>
             </a:r>
             <a:r>
-              <a:rPr lang="en-US" altLang="ko-KR" sz="4000" smtClean="0">
+              <a:rPr lang="en-US" altLang="ko-KR" sz="4000">
                 <a:solidFill>
                   <a:srgbClr val="FF0000"/>
                 </a:solidFill>
@@ -16048,7 +16358,7 @@
           <p:cNvPr id="18" name="직사각형 17">
             <a:extLst>
               <a:ext uri="{FF2B5EF4-FFF2-40B4-BE49-F238E27FC236}">
-                <a16:creationId xmlns="" xmlns:a16="http://schemas.microsoft.com/office/drawing/2014/main" id="{FFF506F9-840A-0508-4CAF-3AC711D8D5CE}"/>
+                <a16:creationId xmlns:a16="http://schemas.microsoft.com/office/drawing/2014/main" id="{FFF506F9-840A-0508-4CAF-3AC711D8D5CE}"/>
               </a:ext>
             </a:extLst>
           </p:cNvPr>
@@ -16253,7 +16563,7 @@
           <p:cNvPr id="6" name="직선 화살표 연결선 5">
             <a:extLst>
               <a:ext uri="{FF2B5EF4-FFF2-40B4-BE49-F238E27FC236}">
-                <a16:creationId xmlns="" xmlns:a16="http://schemas.microsoft.com/office/drawing/2014/main" id="{299DF5EC-9DF4-5255-06AC-0A7CE4FF58C3}"/>
+                <a16:creationId xmlns:a16="http://schemas.microsoft.com/office/drawing/2014/main" id="{299DF5EC-9DF4-5255-06AC-0A7CE4FF58C3}"/>
               </a:ext>
             </a:extLst>
           </p:cNvPr>
@@ -16294,7 +16604,7 @@
           <p:cNvPr id="7" name="TextBox 6">
             <a:extLst>
               <a:ext uri="{FF2B5EF4-FFF2-40B4-BE49-F238E27FC236}">
-                <a16:creationId xmlns="" xmlns:a16="http://schemas.microsoft.com/office/drawing/2014/main" id="{C6D113C6-EA5C-788F-0C77-E7CE6EBB865F}"/>
+                <a16:creationId xmlns:a16="http://schemas.microsoft.com/office/drawing/2014/main" id="{C6D113C6-EA5C-788F-0C77-E7CE6EBB865F}"/>
               </a:ext>
             </a:extLst>
           </p:cNvPr>
@@ -16318,7 +16628,7 @@
           <a:lstStyle/>
           <a:p>
             <a:r>
-              <a:rPr lang="ko-KR" altLang="en-US" sz="4000" smtClean="0">
+              <a:rPr lang="ko-KR" altLang="en-US" sz="4000">
                 <a:solidFill>
                   <a:srgbClr val="FF0000"/>
                 </a:solidFill>
@@ -16328,7 +16638,7 @@
               <a:t>기본 생성자가 없어 </a:t>
             </a:r>
             <a:r>
-              <a:rPr lang="en-US" altLang="ko-KR" sz="4000" smtClean="0">
+              <a:rPr lang="en-US" altLang="ko-KR" sz="4000">
                 <a:solidFill>
                   <a:srgbClr val="FF0000"/>
                 </a:solidFill>
@@ -16514,7 +16824,7 @@
           <p:cNvPr id="4" name="TextBox 3">
             <a:extLst>
               <a:ext uri="{FF2B5EF4-FFF2-40B4-BE49-F238E27FC236}">
-                <a16:creationId xmlns="" xmlns:a16="http://schemas.microsoft.com/office/drawing/2014/main" id="{DF7DDD33-9412-2802-339A-E55446AC2DA7}"/>
+                <a16:creationId xmlns:a16="http://schemas.microsoft.com/office/drawing/2014/main" id="{DF7DDD33-9412-2802-339A-E55446AC2DA7}"/>
               </a:ext>
             </a:extLst>
           </p:cNvPr>
@@ -16538,7 +16848,7 @@
           <a:lstStyle/>
           <a:p>
             <a:r>
-              <a:rPr lang="ko-KR" altLang="en-US" sz="5400" smtClean="0">
+              <a:rPr lang="ko-KR" altLang="en-US" sz="5400">
                 <a:solidFill>
                   <a:srgbClr val="4C50BC"/>
                 </a:solidFill>
@@ -16548,7 +16858,7 @@
               <a:t>기본 생성자로 생성시 기본값을 셋팅하면 어떨까</a:t>
             </a:r>
             <a:r>
-              <a:rPr lang="en-US" altLang="ko-KR" sz="5400" smtClean="0">
+              <a:rPr lang="en-US" altLang="ko-KR" sz="5400">
                 <a:solidFill>
                   <a:srgbClr val="4C50BC"/>
                 </a:solidFill>
@@ -16577,13 +16887,6 @@
   <p:clrMapOvr>
     <a:masterClrMapping/>
   </p:clrMapOvr>
-  <p:timing>
-    <p:tnLst>
-      <p:par>
-        <p:cTn id="1" dur="indefinite" restart="never" nodeType="tmRoot"/>
-      </p:par>
-    </p:tnLst>
-  </p:timing>
 </p:sld>
 </file>
 
